--- a/Test_Data_Scientist_Yassine_ZAIM.pptx
+++ b/Test_Data_Scientist_Yassine_ZAIM.pptx
@@ -5,10 +5,10 @@
     <p:sldMasterId id="2147484042" r:id="rId1"/>
   </p:sldMasterIdLst>
   <p:notesMasterIdLst>
-    <p:notesMasterId r:id="rId30"/>
+    <p:notesMasterId r:id="rId31"/>
   </p:notesMasterIdLst>
   <p:handoutMasterIdLst>
-    <p:handoutMasterId r:id="rId31"/>
+    <p:handoutMasterId r:id="rId32"/>
   </p:handoutMasterIdLst>
   <p:sldIdLst>
     <p:sldId id="256" r:id="rId2"/>
@@ -21,24 +21,25 @@
     <p:sldId id="263" r:id="rId9"/>
     <p:sldId id="260" r:id="rId10"/>
     <p:sldId id="266" r:id="rId11"/>
-    <p:sldId id="285" r:id="rId12"/>
-    <p:sldId id="267" r:id="rId13"/>
-    <p:sldId id="268" r:id="rId14"/>
-    <p:sldId id="269" r:id="rId15"/>
-    <p:sldId id="270" r:id="rId16"/>
-    <p:sldId id="271" r:id="rId17"/>
-    <p:sldId id="273" r:id="rId18"/>
-    <p:sldId id="274" r:id="rId19"/>
-    <p:sldId id="275" r:id="rId20"/>
-    <p:sldId id="276" r:id="rId21"/>
+    <p:sldId id="288" r:id="rId12"/>
+    <p:sldId id="285" r:id="rId13"/>
+    <p:sldId id="267" r:id="rId14"/>
+    <p:sldId id="268" r:id="rId15"/>
+    <p:sldId id="269" r:id="rId16"/>
+    <p:sldId id="270" r:id="rId17"/>
+    <p:sldId id="271" r:id="rId18"/>
+    <p:sldId id="273" r:id="rId19"/>
+    <p:sldId id="274" r:id="rId20"/>
+    <p:sldId id="275" r:id="rId21"/>
     <p:sldId id="277" r:id="rId22"/>
-    <p:sldId id="278" r:id="rId23"/>
+    <p:sldId id="276" r:id="rId23"/>
     <p:sldId id="282" r:id="rId24"/>
-    <p:sldId id="280" r:id="rId25"/>
-    <p:sldId id="281" r:id="rId26"/>
+    <p:sldId id="278" r:id="rId25"/>
+    <p:sldId id="280" r:id="rId26"/>
     <p:sldId id="283" r:id="rId27"/>
-    <p:sldId id="279" r:id="rId28"/>
-    <p:sldId id="286" r:id="rId29"/>
+    <p:sldId id="281" r:id="rId28"/>
+    <p:sldId id="279" r:id="rId29"/>
+    <p:sldId id="286" r:id="rId30"/>
   </p:sldIdLst>
   <p:sldSz cx="12192000" cy="6858000"/>
   <p:notesSz cx="6858000" cy="9144000"/>
@@ -227,7 +228,7 @@
           <a:p>
             <a:fld id="{11B65C38-F238-4133-B61B-EE6151EEA4EA}" type="datetimeFigureOut">
               <a:rPr lang="fr-FR" smtClean="0"/>
-              <a:t>21/06/2024</a:t>
+              <a:t>25/06/2024</a:t>
             </a:fld>
             <a:endParaRPr lang="fr-FR"/>
           </a:p>
@@ -397,7 +398,7 @@
           <a:p>
             <a:fld id="{5CFAE280-6EB0-4FC1-AA05-19B239905D18}" type="datetimeFigureOut">
               <a:rPr lang="fr-FR" smtClean="0"/>
-              <a:t>21/06/2024</a:t>
+              <a:t>25/06/2024</a:t>
             </a:fld>
             <a:endParaRPr lang="fr-FR"/>
           </a:p>
@@ -15063,235 +15064,31 @@
       </p:grpSpPr>
       <p:sp>
         <p:nvSpPr>
-          <p:cNvPr id="3" name="Espace réservé du contenu 2"/>
+          <p:cNvPr id="5" name="Espace réservé du numéro de diapositive 4"/>
           <p:cNvSpPr>
             <a:spLocks noGrp="1"/>
           </p:cNvSpPr>
           <p:nvPr>
-            <p:ph idx="1"/>
+            <p:ph type="sldNum" sz="quarter" idx="12"/>
           </p:nvPr>
         </p:nvSpPr>
         <p:spPr/>
         <p:txBody>
-          <a:bodyPr>
-            <a:normAutofit/>
-          </a:bodyPr>
+          <a:bodyPr/>
           <a:lstStyle/>
           <a:p>
-            <a:pPr marL="0" indent="0" algn="ctr">
-              <a:buNone/>
-            </a:pPr>
-            <a:endParaRPr lang="en-US" altLang="fr-FR" sz="2800" b="1" dirty="0">
-              <a:solidFill>
-                <a:schemeClr val="tx2"/>
-              </a:solidFill>
-              <a:latin typeface="Times New Roman" panose="02020603050405020304" pitchFamily="18" charset="0"/>
-              <a:cs typeface="Times New Roman" panose="02020603050405020304" pitchFamily="18" charset="0"/>
-            </a:endParaRPr>
-          </a:p>
-          <a:p>
-            <a:pPr marL="0" indent="0" algn="ctr">
-              <a:buNone/>
-            </a:pPr>
-            <a:r>
-              <a:rPr lang="en-US" altLang="fr-FR" sz="3600" b="1" dirty="0">
-                <a:solidFill>
-                  <a:schemeClr val="accent1"/>
-                </a:solidFill>
-                <a:latin typeface="+mj-lt"/>
-                <a:cs typeface="Times New Roman" panose="02020603050405020304" pitchFamily="18" charset="0"/>
-              </a:rPr>
-              <a:t>II.</a:t>
-            </a:r>
-            <a:r>
-              <a:rPr lang="en-US" altLang="fr-FR" sz="2800" b="1" dirty="0" smtClean="0">
-                <a:solidFill>
-                  <a:schemeClr val="tx2"/>
-                </a:solidFill>
-                <a:latin typeface="+mj-lt"/>
-                <a:cs typeface="Times New Roman" panose="02020603050405020304" pitchFamily="18" charset="0"/>
-              </a:rPr>
-              <a:t> </a:t>
-            </a:r>
-            <a:r>
-              <a:rPr lang="fr-FR" altLang="fr-FR" sz="3200" b="1" dirty="0" smtClean="0">
-                <a:solidFill>
-                  <a:schemeClr val="tx2"/>
-                </a:solidFill>
-                <a:latin typeface="+mj-lt"/>
-                <a:cs typeface="Times New Roman" panose="02020603050405020304" pitchFamily="18" charset="0"/>
-              </a:rPr>
-              <a:t>A </a:t>
-            </a:r>
-            <a:r>
-              <a:rPr lang="fr-FR" altLang="fr-FR" sz="3200" b="1" dirty="0">
-                <a:solidFill>
-                  <a:schemeClr val="tx2"/>
-                </a:solidFill>
-                <a:latin typeface="+mj-lt"/>
-                <a:cs typeface="Times New Roman" panose="02020603050405020304" pitchFamily="18" charset="0"/>
-              </a:rPr>
-              <a:t>data-</a:t>
-            </a:r>
-            <a:r>
-              <a:rPr lang="fr-FR" altLang="fr-FR" sz="3200" b="1" dirty="0" err="1">
-                <a:solidFill>
-                  <a:schemeClr val="tx2"/>
-                </a:solidFill>
-                <a:latin typeface="+mj-lt"/>
-                <a:cs typeface="Times New Roman" panose="02020603050405020304" pitchFamily="18" charset="0"/>
-              </a:rPr>
-              <a:t>driven</a:t>
-            </a:r>
-            <a:r>
-              <a:rPr lang="fr-FR" altLang="fr-FR" sz="3200" b="1" dirty="0">
-                <a:solidFill>
-                  <a:schemeClr val="tx2"/>
-                </a:solidFill>
-                <a:latin typeface="+mj-lt"/>
-                <a:cs typeface="Times New Roman" panose="02020603050405020304" pitchFamily="18" charset="0"/>
-              </a:rPr>
-              <a:t> </a:t>
-            </a:r>
-            <a:r>
-              <a:rPr lang="fr-FR" altLang="fr-FR" sz="3200" b="1" dirty="0" err="1">
-                <a:solidFill>
-                  <a:schemeClr val="tx2"/>
-                </a:solidFill>
-                <a:latin typeface="+mj-lt"/>
-                <a:cs typeface="Times New Roman" panose="02020603050405020304" pitchFamily="18" charset="0"/>
-              </a:rPr>
-              <a:t>approach</a:t>
-            </a:r>
-            <a:r>
-              <a:rPr lang="fr-FR" altLang="fr-FR" sz="3200" b="1" dirty="0">
-                <a:solidFill>
-                  <a:schemeClr val="tx2"/>
-                </a:solidFill>
-                <a:latin typeface="+mj-lt"/>
-                <a:cs typeface="Times New Roman" panose="02020603050405020304" pitchFamily="18" charset="0"/>
-              </a:rPr>
-              <a:t> to </a:t>
-            </a:r>
-            <a:r>
-              <a:rPr lang="fr-FR" altLang="fr-FR" sz="3200" b="1" dirty="0" err="1">
-                <a:solidFill>
-                  <a:schemeClr val="tx2"/>
-                </a:solidFill>
-                <a:latin typeface="+mj-lt"/>
-                <a:cs typeface="Times New Roman" panose="02020603050405020304" pitchFamily="18" charset="0"/>
-              </a:rPr>
-              <a:t>reduce</a:t>
-            </a:r>
-            <a:r>
-              <a:rPr lang="fr-FR" altLang="fr-FR" sz="3200" b="1" dirty="0">
-                <a:solidFill>
-                  <a:schemeClr val="tx2"/>
-                </a:solidFill>
-                <a:latin typeface="+mj-lt"/>
-                <a:cs typeface="Times New Roman" panose="02020603050405020304" pitchFamily="18" charset="0"/>
-              </a:rPr>
-              <a:t> the train </a:t>
-            </a:r>
-            <a:r>
-              <a:rPr lang="fr-FR" altLang="fr-FR" sz="3200" b="1" dirty="0" err="1">
-                <a:solidFill>
-                  <a:schemeClr val="tx2"/>
-                </a:solidFill>
-                <a:latin typeface="+mj-lt"/>
-                <a:cs typeface="Times New Roman" panose="02020603050405020304" pitchFamily="18" charset="0"/>
-              </a:rPr>
-              <a:t>delays</a:t>
-            </a:r>
-            <a:r>
-              <a:rPr lang="fr-FR" altLang="fr-FR" sz="3200" b="1" dirty="0">
-                <a:solidFill>
-                  <a:schemeClr val="tx2"/>
-                </a:solidFill>
-                <a:latin typeface="+mj-lt"/>
-                <a:cs typeface="Times New Roman" panose="02020603050405020304" pitchFamily="18" charset="0"/>
-              </a:rPr>
-              <a:t> and </a:t>
-            </a:r>
-            <a:r>
-              <a:rPr lang="fr-FR" altLang="fr-FR" sz="3200" b="1" dirty="0" err="1">
-                <a:solidFill>
-                  <a:schemeClr val="tx2"/>
-                </a:solidFill>
-                <a:latin typeface="+mj-lt"/>
-                <a:cs typeface="Times New Roman" panose="02020603050405020304" pitchFamily="18" charset="0"/>
-              </a:rPr>
-              <a:t>improve</a:t>
-            </a:r>
-            <a:r>
-              <a:rPr lang="fr-FR" altLang="fr-FR" sz="3200" b="1" dirty="0">
-                <a:solidFill>
-                  <a:schemeClr val="tx2"/>
-                </a:solidFill>
-                <a:latin typeface="+mj-lt"/>
-                <a:cs typeface="Times New Roman" panose="02020603050405020304" pitchFamily="18" charset="0"/>
-              </a:rPr>
-              <a:t> </a:t>
-            </a:r>
-            <a:r>
-              <a:rPr lang="fr-FR" altLang="fr-FR" sz="3200" b="1" dirty="0" err="1">
-                <a:solidFill>
-                  <a:schemeClr val="tx2"/>
-                </a:solidFill>
-                <a:latin typeface="+mj-lt"/>
-                <a:cs typeface="Times New Roman" panose="02020603050405020304" pitchFamily="18" charset="0"/>
-              </a:rPr>
-              <a:t>punctuality</a:t>
-            </a:r>
-            <a:r>
-              <a:rPr lang="fr-FR" altLang="fr-FR" sz="3200" b="1" dirty="0">
-                <a:solidFill>
-                  <a:schemeClr val="tx2"/>
-                </a:solidFill>
-                <a:latin typeface="+mj-lt"/>
-                <a:cs typeface="Times New Roman" panose="02020603050405020304" pitchFamily="18" charset="0"/>
-              </a:rPr>
-              <a:t> in </a:t>
-            </a:r>
-            <a:r>
-              <a:rPr lang="fr-FR" altLang="fr-FR" sz="3200" b="1" dirty="0" err="1">
-                <a:solidFill>
-                  <a:schemeClr val="tx2"/>
-                </a:solidFill>
-                <a:latin typeface="+mj-lt"/>
-                <a:cs typeface="Times New Roman" panose="02020603050405020304" pitchFamily="18" charset="0"/>
-              </a:rPr>
-              <a:t>Belgium</a:t>
-            </a:r>
-            <a:r>
-              <a:rPr lang="fr-FR" altLang="fr-FR" sz="3200" b="1" dirty="0">
-                <a:solidFill>
-                  <a:schemeClr val="tx2"/>
-                </a:solidFill>
-                <a:latin typeface="+mj-lt"/>
-                <a:cs typeface="Times New Roman" panose="02020603050405020304" pitchFamily="18" charset="0"/>
-              </a:rPr>
-              <a:t>.</a:t>
-            </a:r>
-          </a:p>
-          <a:p>
-            <a:pPr marL="400050" indent="-400050">
-              <a:buFont typeface="+mj-lt"/>
-              <a:buAutoNum type="romanUcPeriod"/>
-            </a:pPr>
-            <a:endParaRPr lang="fr-FR" altLang="fr-FR" sz="2800" b="1" dirty="0">
-              <a:solidFill>
-                <a:schemeClr val="tx2"/>
-              </a:solidFill>
-              <a:latin typeface="Times New Roman" panose="02020603050405020304" pitchFamily="18" charset="0"/>
-              <a:cs typeface="Times New Roman" panose="02020603050405020304" pitchFamily="18" charset="0"/>
-            </a:endParaRPr>
+            <a:fld id="{52EE442E-AFCB-49D7-8681-F3FF55F34AB9}" type="slidenum">
+              <a:rPr lang="fr-FR" smtClean="0"/>
+              <a:pPr/>
+              <a:t>11</a:t>
+            </a:fld>
+            <a:endParaRPr lang="fr-FR"/>
           </a:p>
         </p:txBody>
       </p:sp>
       <p:sp>
         <p:nvSpPr>
-          <p:cNvPr id="4" name="Espace réservé de la date 3"/>
+          <p:cNvPr id="14" name="Espace réservé de la date 13"/>
           <p:cNvSpPr>
             <a:spLocks noGrp="1"/>
           </p:cNvSpPr>
@@ -15308,13 +15105,13 @@
               <a:rPr lang="fr-FR" smtClean="0"/>
               <a:t>25/06/2024</a:t>
             </a:r>
-            <a:endParaRPr lang="fr-FR" dirty="0"/>
+            <a:endParaRPr lang="fr-FR"/>
           </a:p>
         </p:txBody>
       </p:sp>
       <p:sp>
         <p:nvSpPr>
-          <p:cNvPr id="5" name="Espace réservé du pied de page 4"/>
+          <p:cNvPr id="15" name="Espace réservé du pied de page 14"/>
           <p:cNvSpPr>
             <a:spLocks noGrp="1"/>
           </p:cNvSpPr>
@@ -15337,31 +15134,171 @@
       </p:sp>
       <p:sp>
         <p:nvSpPr>
-          <p:cNvPr id="6" name="Espace réservé du numéro de diapositive 5"/>
+          <p:cNvPr id="11" name="Titre 1"/>
           <p:cNvSpPr>
             <a:spLocks noGrp="1"/>
           </p:cNvSpPr>
           <p:nvPr>
-            <p:ph type="sldNum" sz="quarter" idx="12"/>
+            <p:ph type="title"/>
           </p:nvPr>
         </p:nvSpPr>
-        <p:spPr/>
+        <p:spPr>
+          <a:xfrm>
+            <a:off x="923192" y="632279"/>
+            <a:ext cx="9275885" cy="827243"/>
+          </a:xfrm>
+        </p:spPr>
         <p:txBody>
           <a:bodyPr/>
           <a:lstStyle/>
           <a:p>
-            <a:fld id="{52EE442E-AFCB-49D7-8681-F3FF55F34AB9}" type="slidenum">
-              <a:rPr lang="fr-FR" smtClean="0"/>
-              <a:t>11</a:t>
-            </a:fld>
-            <a:endParaRPr lang="fr-FR" dirty="0"/>
+            <a:r>
+              <a:rPr lang="fr-FR" altLang="fr-FR" sz="3200" dirty="0"/>
+              <a:t/>
+            </a:r>
+            <a:br>
+              <a:rPr lang="fr-FR" altLang="fr-FR" sz="3200" dirty="0"/>
+            </a:br>
+            <a:r>
+              <a:rPr lang="fr-FR" altLang="fr-FR" sz="3200" dirty="0"/>
+              <a:t>The key </a:t>
+            </a:r>
+            <a:r>
+              <a:rPr lang="fr-FR" altLang="fr-FR" sz="3200" dirty="0" err="1"/>
+              <a:t>factors</a:t>
+            </a:r>
+            <a:r>
+              <a:rPr lang="fr-FR" altLang="fr-FR" sz="3200" dirty="0"/>
+              <a:t> of train </a:t>
+            </a:r>
+            <a:r>
+              <a:rPr lang="fr-FR" altLang="fr-FR" sz="3200" dirty="0" err="1"/>
+              <a:t>delays</a:t>
+            </a:r>
+            <a:r>
+              <a:rPr lang="fr-FR" altLang="fr-FR" sz="3200" dirty="0"/>
+              <a:t> in </a:t>
+            </a:r>
+            <a:r>
+              <a:rPr lang="fr-FR" altLang="fr-FR" sz="3200" dirty="0" err="1"/>
+              <a:t>Belgium</a:t>
+            </a:r>
+            <a:r>
+              <a:rPr lang="fr-FR" altLang="fr-FR" sz="3200" dirty="0"/>
+              <a:t/>
+            </a:r>
+            <a:br>
+              <a:rPr lang="fr-FR" altLang="fr-FR" sz="3200" dirty="0"/>
+            </a:br>
+            <a:r>
+              <a:rPr lang="fr-FR" altLang="fr-FR" sz="2400" b="1" dirty="0">
+                <a:solidFill>
+                  <a:schemeClr val="accent3"/>
+                </a:solidFill>
+              </a:rPr>
+              <a:t>Delay per </a:t>
+            </a:r>
+            <a:r>
+              <a:rPr lang="fr-FR" altLang="fr-FR" sz="2400" b="1" dirty="0" smtClean="0">
+                <a:solidFill>
+                  <a:schemeClr val="accent3"/>
+                </a:solidFill>
+              </a:rPr>
+              <a:t>station</a:t>
+            </a:r>
+            <a:endParaRPr lang="fr-FR" sz="3200" dirty="0"/>
           </a:p>
         </p:txBody>
       </p:sp>
+      <p:sp>
+        <p:nvSpPr>
+          <p:cNvPr id="17" name="ZoneTexte 16"/>
+          <p:cNvSpPr txBox="1"/>
+          <p:nvPr/>
+        </p:nvSpPr>
+        <p:spPr>
+          <a:xfrm>
+            <a:off x="725210" y="2925652"/>
+            <a:ext cx="5098074" cy="2308324"/>
+          </a:xfrm>
+          <a:prstGeom prst="rect">
+            <a:avLst/>
+          </a:prstGeom>
+          <a:noFill/>
+        </p:spPr>
+        <p:txBody>
+          <a:bodyPr wrap="square" rtlCol="0">
+            <a:spAutoFit/>
+          </a:bodyPr>
+          <a:lstStyle/>
+          <a:p>
+            <a:pPr algn="just"/>
+            <a:r>
+              <a:rPr lang="en-US" sz="2400" dirty="0"/>
+              <a:t>It is clear from the statistics of the sum of minutes of train delay, in terms of train </a:t>
+            </a:r>
+            <a:r>
+              <a:rPr lang="en-US" sz="2400" dirty="0" smtClean="0"/>
+              <a:t>station, </a:t>
+            </a:r>
+            <a:r>
+              <a:rPr lang="en-US" sz="2400" dirty="0"/>
+              <a:t>that </a:t>
+            </a:r>
+            <a:r>
+              <a:rPr lang="en-US" sz="2400" dirty="0" smtClean="0"/>
+              <a:t>in </a:t>
+            </a:r>
+            <a:r>
+              <a:rPr lang="en-US" sz="2400" b="1" dirty="0" smtClean="0"/>
+              <a:t>Brussels</a:t>
+            </a:r>
+            <a:r>
+              <a:rPr lang="en-US" sz="2400" dirty="0" smtClean="0"/>
+              <a:t> stations there is more delay after that in </a:t>
+            </a:r>
+            <a:r>
+              <a:rPr lang="en-US" sz="2400" b="1" dirty="0" smtClean="0"/>
+              <a:t>Gent </a:t>
+            </a:r>
+            <a:r>
+              <a:rPr lang="en-US" sz="2400" dirty="0" smtClean="0"/>
+              <a:t>station, etc.</a:t>
+            </a:r>
+            <a:endParaRPr lang="fr-FR" sz="2400" dirty="0"/>
+          </a:p>
+        </p:txBody>
+      </p:sp>
+      <p:pic>
+        <p:nvPicPr>
+          <p:cNvPr id="10" name="Espace réservé du contenu 6"/>
+          <p:cNvPicPr>
+            <a:picLocks noGrp="1" noChangeAspect="1"/>
+          </p:cNvPicPr>
+          <p:nvPr>
+            <p:ph idx="1"/>
+          </p:nvPr>
+        </p:nvPicPr>
+        <p:blipFill>
+          <a:blip r:embed="rId2"/>
+          <a:stretch>
+            <a:fillRect/>
+          </a:stretch>
+        </p:blipFill>
+        <p:spPr>
+          <a:xfrm>
+            <a:off x="6204733" y="2428349"/>
+            <a:ext cx="4986005" cy="3704637"/>
+          </a:xfrm>
+          <a:prstGeom prst="rect">
+            <a:avLst/>
+          </a:prstGeom>
+        </p:spPr>
+      </p:pic>
     </p:spTree>
     <p:extLst>
       <p:ext uri="{BB962C8B-B14F-4D97-AF65-F5344CB8AC3E}">
-        <p14:creationId xmlns:p14="http://schemas.microsoft.com/office/powerpoint/2010/main" val="3604661314"/>
+        <p14:creationId xmlns:p14="http://schemas.microsoft.com/office/powerpoint/2010/main" val="4101899245"/>
       </p:ext>
     </p:extLst>
   </p:cSld>
@@ -15397,93 +15334,6 @@
       </p:grpSpPr>
       <p:sp>
         <p:nvSpPr>
-          <p:cNvPr id="2" name="Titre 1"/>
-          <p:cNvSpPr>
-            <a:spLocks noGrp="1"/>
-          </p:cNvSpPr>
-          <p:nvPr>
-            <p:ph type="title"/>
-          </p:nvPr>
-        </p:nvSpPr>
-        <p:spPr>
-          <a:xfrm>
-            <a:off x="1016408" y="632279"/>
-            <a:ext cx="9059577" cy="1565797"/>
-          </a:xfrm>
-        </p:spPr>
-        <p:txBody>
-          <a:bodyPr/>
-          <a:lstStyle/>
-          <a:p>
-            <a:r>
-              <a:rPr lang="fr-FR" altLang="fr-FR" sz="3200" dirty="0"/>
-              <a:t>A data-</a:t>
-            </a:r>
-            <a:r>
-              <a:rPr lang="fr-FR" altLang="fr-FR" sz="3200" dirty="0" err="1"/>
-              <a:t>driven</a:t>
-            </a:r>
-            <a:r>
-              <a:rPr lang="fr-FR" altLang="fr-FR" sz="3200" dirty="0"/>
-              <a:t> </a:t>
-            </a:r>
-            <a:r>
-              <a:rPr lang="fr-FR" altLang="fr-FR" sz="3200" dirty="0" err="1"/>
-              <a:t>approach</a:t>
-            </a:r>
-            <a:r>
-              <a:rPr lang="fr-FR" altLang="fr-FR" sz="3200" dirty="0"/>
-              <a:t> to </a:t>
-            </a:r>
-            <a:r>
-              <a:rPr lang="fr-FR" altLang="fr-FR" sz="3200" dirty="0" err="1"/>
-              <a:t>reduce</a:t>
-            </a:r>
-            <a:r>
-              <a:rPr lang="fr-FR" altLang="fr-FR" sz="3200" dirty="0"/>
-              <a:t> the train </a:t>
-            </a:r>
-            <a:r>
-              <a:rPr lang="fr-FR" altLang="fr-FR" sz="3200" dirty="0" err="1"/>
-              <a:t>delays</a:t>
-            </a:r>
-            <a:r>
-              <a:rPr lang="fr-FR" altLang="fr-FR" sz="3200" dirty="0"/>
-              <a:t> and </a:t>
-            </a:r>
-            <a:r>
-              <a:rPr lang="fr-FR" altLang="fr-FR" sz="3200" dirty="0" err="1"/>
-              <a:t>improve</a:t>
-            </a:r>
-            <a:r>
-              <a:rPr lang="fr-FR" altLang="fr-FR" sz="3200" dirty="0"/>
-              <a:t> </a:t>
-            </a:r>
-            <a:r>
-              <a:rPr lang="fr-FR" altLang="fr-FR" sz="3200" dirty="0" err="1"/>
-              <a:t>punctuality</a:t>
-            </a:r>
-            <a:r>
-              <a:rPr lang="fr-FR" altLang="fr-FR" sz="3200" dirty="0"/>
-              <a:t> in </a:t>
-            </a:r>
-            <a:r>
-              <a:rPr lang="fr-FR" altLang="fr-FR" sz="3200" dirty="0" err="1"/>
-              <a:t>Belgium</a:t>
-            </a:r>
-            <a:r>
-              <a:rPr lang="fr-FR" altLang="fr-FR" sz="3200" dirty="0"/>
-              <a:t>.</a:t>
-            </a:r>
-            <a:br>
-              <a:rPr lang="fr-FR" altLang="fr-FR" sz="3200" dirty="0"/>
-            </a:br>
-            <a:endParaRPr lang="fr-FR" sz="3200" dirty="0"/>
-          </a:p>
-        </p:txBody>
-      </p:sp>
-      <p:sp>
-        <p:nvSpPr>
           <p:cNvPr id="3" name="Espace réservé du contenu 2"/>
           <p:cNvSpPr>
             <a:spLocks noGrp="1"/>
@@ -15492,990 +15342,220 @@
             <p:ph idx="1"/>
           </p:nvPr>
         </p:nvSpPr>
-        <p:spPr>
-          <a:xfrm>
-            <a:off x="448408" y="2398422"/>
-            <a:ext cx="11368453" cy="3752996"/>
-          </a:xfrm>
-        </p:spPr>
+        <p:spPr/>
         <p:txBody>
           <a:bodyPr>
-            <a:normAutofit fontScale="47500" lnSpcReduction="20000"/>
+            <a:normAutofit/>
           </a:bodyPr>
           <a:lstStyle/>
           <a:p>
-            <a:pPr marL="0" indent="0">
+            <a:pPr marL="0" indent="0" algn="ctr">
               <a:buNone/>
             </a:pPr>
-            <a:r>
-              <a:rPr lang="fr-FR" sz="3800" dirty="0">
-                <a:solidFill>
-                  <a:schemeClr val="tx1"/>
-                </a:solidFill>
-              </a:rPr>
-              <a:t>To </a:t>
-            </a:r>
-            <a:r>
-              <a:rPr lang="fr-FR" sz="3800" dirty="0" err="1">
-                <a:solidFill>
-                  <a:schemeClr val="tx1"/>
-                </a:solidFill>
-              </a:rPr>
-              <a:t>achieve</a:t>
-            </a:r>
-            <a:r>
-              <a:rPr lang="fr-FR" sz="3800" dirty="0">
-                <a:solidFill>
-                  <a:schemeClr val="tx1"/>
-                </a:solidFill>
+            <a:endParaRPr lang="en-US" altLang="fr-FR" sz="2800" b="1" dirty="0">
+              <a:solidFill>
+                <a:schemeClr val="tx2"/>
+              </a:solidFill>
+              <a:latin typeface="Times New Roman" panose="02020603050405020304" pitchFamily="18" charset="0"/>
+              <a:cs typeface="Times New Roman" panose="02020603050405020304" pitchFamily="18" charset="0"/>
+            </a:endParaRPr>
+          </a:p>
+          <a:p>
+            <a:pPr marL="0" indent="0" algn="ctr">
+              <a:buNone/>
+            </a:pPr>
+            <a:r>
+              <a:rPr lang="en-US" altLang="fr-FR" sz="3600" b="1" dirty="0">
+                <a:solidFill>
+                  <a:schemeClr val="accent1"/>
+                </a:solidFill>
+                <a:latin typeface="+mj-lt"/>
+                <a:cs typeface="Times New Roman" panose="02020603050405020304" pitchFamily="18" charset="0"/>
+              </a:rPr>
+              <a:t>II.</a:t>
+            </a:r>
+            <a:r>
+              <a:rPr lang="en-US" altLang="fr-FR" sz="2800" b="1" dirty="0" smtClean="0">
+                <a:solidFill>
+                  <a:schemeClr val="tx2"/>
+                </a:solidFill>
+                <a:latin typeface="+mj-lt"/>
+                <a:cs typeface="Times New Roman" panose="02020603050405020304" pitchFamily="18" charset="0"/>
               </a:rPr>
               <a:t> </a:t>
             </a:r>
             <a:r>
-              <a:rPr lang="fr-FR" sz="3800" dirty="0" err="1">
-                <a:solidFill>
-                  <a:schemeClr val="tx1"/>
-                </a:solidFill>
-              </a:rPr>
-              <a:t>this</a:t>
-            </a:r>
-            <a:r>
-              <a:rPr lang="fr-FR" sz="3800" dirty="0">
-                <a:solidFill>
-                  <a:schemeClr val="tx1"/>
-                </a:solidFill>
-              </a:rPr>
-              <a:t> goal, I </a:t>
-            </a:r>
-            <a:r>
-              <a:rPr lang="fr-FR" sz="3800" dirty="0" err="1">
-                <a:solidFill>
-                  <a:schemeClr val="tx1"/>
-                </a:solidFill>
-              </a:rPr>
-              <a:t>downloaded</a:t>
-            </a:r>
-            <a:r>
-              <a:rPr lang="fr-FR" sz="3800" dirty="0">
-                <a:solidFill>
-                  <a:schemeClr val="tx1"/>
-                </a:solidFill>
+              <a:rPr lang="fr-FR" altLang="fr-FR" sz="3200" b="1" dirty="0" smtClean="0">
+                <a:solidFill>
+                  <a:schemeClr val="tx2"/>
+                </a:solidFill>
+                <a:latin typeface="+mj-lt"/>
+                <a:cs typeface="Times New Roman" panose="02020603050405020304" pitchFamily="18" charset="0"/>
+              </a:rPr>
+              <a:t>A </a:t>
+            </a:r>
+            <a:r>
+              <a:rPr lang="fr-FR" altLang="fr-FR" sz="3200" b="1" dirty="0">
+                <a:solidFill>
+                  <a:schemeClr val="tx2"/>
+                </a:solidFill>
+                <a:latin typeface="+mj-lt"/>
+                <a:cs typeface="Times New Roman" panose="02020603050405020304" pitchFamily="18" charset="0"/>
+              </a:rPr>
+              <a:t>data-</a:t>
+            </a:r>
+            <a:r>
+              <a:rPr lang="fr-FR" altLang="fr-FR" sz="3200" b="1" dirty="0" err="1">
+                <a:solidFill>
+                  <a:schemeClr val="tx2"/>
+                </a:solidFill>
+                <a:latin typeface="+mj-lt"/>
+                <a:cs typeface="Times New Roman" panose="02020603050405020304" pitchFamily="18" charset="0"/>
+              </a:rPr>
+              <a:t>driven</a:t>
+            </a:r>
+            <a:r>
+              <a:rPr lang="fr-FR" altLang="fr-FR" sz="3200" b="1" dirty="0">
+                <a:solidFill>
+                  <a:schemeClr val="tx2"/>
+                </a:solidFill>
+                <a:latin typeface="+mj-lt"/>
+                <a:cs typeface="Times New Roman" panose="02020603050405020304" pitchFamily="18" charset="0"/>
               </a:rPr>
               <a:t> </a:t>
             </a:r>
             <a:r>
-              <a:rPr lang="fr-FR" sz="3800" dirty="0" err="1">
-                <a:solidFill>
-                  <a:schemeClr val="tx1"/>
-                </a:solidFill>
-              </a:rPr>
-              <a:t>different</a:t>
-            </a:r>
-            <a:r>
-              <a:rPr lang="fr-FR" sz="3800" dirty="0">
-                <a:solidFill>
-                  <a:schemeClr val="tx1"/>
-                </a:solidFill>
+              <a:rPr lang="fr-FR" altLang="fr-FR" sz="3200" b="1" dirty="0" err="1">
+                <a:solidFill>
+                  <a:schemeClr val="tx2"/>
+                </a:solidFill>
+                <a:latin typeface="+mj-lt"/>
+                <a:cs typeface="Times New Roman" panose="02020603050405020304" pitchFamily="18" charset="0"/>
+              </a:rPr>
+              <a:t>approach</a:t>
+            </a:r>
+            <a:r>
+              <a:rPr lang="fr-FR" altLang="fr-FR" sz="3200" b="1" dirty="0">
+                <a:solidFill>
+                  <a:schemeClr val="tx2"/>
+                </a:solidFill>
+                <a:latin typeface="+mj-lt"/>
+                <a:cs typeface="Times New Roman" panose="02020603050405020304" pitchFamily="18" charset="0"/>
+              </a:rPr>
+              <a:t> to </a:t>
+            </a:r>
+            <a:r>
+              <a:rPr lang="fr-FR" altLang="fr-FR" sz="3200" b="1" dirty="0" err="1">
+                <a:solidFill>
+                  <a:schemeClr val="tx2"/>
+                </a:solidFill>
+                <a:latin typeface="+mj-lt"/>
+                <a:cs typeface="Times New Roman" panose="02020603050405020304" pitchFamily="18" charset="0"/>
+              </a:rPr>
+              <a:t>reduce</a:t>
+            </a:r>
+            <a:r>
+              <a:rPr lang="fr-FR" altLang="fr-FR" sz="3200" b="1" dirty="0">
+                <a:solidFill>
+                  <a:schemeClr val="tx2"/>
+                </a:solidFill>
+                <a:latin typeface="+mj-lt"/>
+                <a:cs typeface="Times New Roman" panose="02020603050405020304" pitchFamily="18" charset="0"/>
+              </a:rPr>
+              <a:t> the train </a:t>
+            </a:r>
+            <a:r>
+              <a:rPr lang="fr-FR" altLang="fr-FR" sz="3200" b="1" dirty="0" err="1">
+                <a:solidFill>
+                  <a:schemeClr val="tx2"/>
+                </a:solidFill>
+                <a:latin typeface="+mj-lt"/>
+                <a:cs typeface="Times New Roman" panose="02020603050405020304" pitchFamily="18" charset="0"/>
+              </a:rPr>
+              <a:t>delays</a:t>
+            </a:r>
+            <a:r>
+              <a:rPr lang="fr-FR" altLang="fr-FR" sz="3200" b="1" dirty="0">
+                <a:solidFill>
+                  <a:schemeClr val="tx2"/>
+                </a:solidFill>
+                <a:latin typeface="+mj-lt"/>
+                <a:cs typeface="Times New Roman" panose="02020603050405020304" pitchFamily="18" charset="0"/>
+              </a:rPr>
+              <a:t> and </a:t>
+            </a:r>
+            <a:r>
+              <a:rPr lang="fr-FR" altLang="fr-FR" sz="3200" b="1" dirty="0" err="1">
+                <a:solidFill>
+                  <a:schemeClr val="tx2"/>
+                </a:solidFill>
+                <a:latin typeface="+mj-lt"/>
+                <a:cs typeface="Times New Roman" panose="02020603050405020304" pitchFamily="18" charset="0"/>
+              </a:rPr>
+              <a:t>improve</a:t>
+            </a:r>
+            <a:r>
+              <a:rPr lang="fr-FR" altLang="fr-FR" sz="3200" b="1" dirty="0">
+                <a:solidFill>
+                  <a:schemeClr val="tx2"/>
+                </a:solidFill>
+                <a:latin typeface="+mj-lt"/>
+                <a:cs typeface="Times New Roman" panose="02020603050405020304" pitchFamily="18" charset="0"/>
               </a:rPr>
               <a:t> </a:t>
             </a:r>
             <a:r>
-              <a:rPr lang="fr-FR" sz="3800" dirty="0" err="1">
-                <a:solidFill>
-                  <a:schemeClr val="tx1"/>
-                </a:solidFill>
-              </a:rPr>
-              <a:t>delay</a:t>
-            </a:r>
-            <a:r>
-              <a:rPr lang="fr-FR" sz="3800" dirty="0">
-                <a:solidFill>
-                  <a:schemeClr val="tx1"/>
-                </a:solidFill>
-              </a:rPr>
-              <a:t> data </a:t>
-            </a:r>
-            <a:r>
-              <a:rPr lang="fr-FR" sz="3800" dirty="0" err="1">
-                <a:solidFill>
-                  <a:schemeClr val="tx1"/>
-                </a:solidFill>
-              </a:rPr>
-              <a:t>from</a:t>
-            </a:r>
-            <a:r>
-              <a:rPr lang="fr-FR" sz="3800" dirty="0">
-                <a:solidFill>
-                  <a:schemeClr val="tx1"/>
-                </a:solidFill>
-              </a:rPr>
-              <a:t> </a:t>
-            </a:r>
-            <a:r>
-              <a:rPr lang="fr-FR" sz="3800" dirty="0" err="1">
-                <a:solidFill>
-                  <a:schemeClr val="tx1"/>
-                </a:solidFill>
-              </a:rPr>
-              <a:t>infrabel</a:t>
-            </a:r>
-            <a:r>
-              <a:rPr lang="fr-FR" sz="3800" dirty="0">
-                <a:solidFill>
-                  <a:schemeClr val="tx1"/>
-                </a:solidFill>
-              </a:rPr>
-              <a:t> open data to </a:t>
-            </a:r>
-            <a:r>
-              <a:rPr lang="fr-FR" sz="3800" dirty="0" err="1">
-                <a:solidFill>
-                  <a:schemeClr val="tx1"/>
-                </a:solidFill>
-              </a:rPr>
-              <a:t>see</a:t>
-            </a:r>
-            <a:r>
-              <a:rPr lang="fr-FR" sz="3800" dirty="0">
-                <a:solidFill>
-                  <a:schemeClr val="tx1"/>
-                </a:solidFill>
-              </a:rPr>
-              <a:t> </a:t>
-            </a:r>
-            <a:r>
-              <a:rPr lang="fr-FR" sz="3800" dirty="0" err="1">
-                <a:solidFill>
-                  <a:schemeClr val="tx1"/>
-                </a:solidFill>
-              </a:rPr>
-              <a:t>what</a:t>
-            </a:r>
-            <a:r>
-              <a:rPr lang="fr-FR" sz="3800" dirty="0">
-                <a:solidFill>
-                  <a:schemeClr val="tx1"/>
-                </a:solidFill>
-              </a:rPr>
-              <a:t> </a:t>
-            </a:r>
-            <a:r>
-              <a:rPr lang="fr-FR" sz="3800" dirty="0" err="1">
-                <a:solidFill>
-                  <a:schemeClr val="tx1"/>
-                </a:solidFill>
-              </a:rPr>
-              <a:t>kind</a:t>
-            </a:r>
-            <a:r>
-              <a:rPr lang="fr-FR" sz="3800" dirty="0">
-                <a:solidFill>
-                  <a:schemeClr val="tx1"/>
-                </a:solidFill>
-              </a:rPr>
-              <a:t> variables </a:t>
-            </a:r>
-            <a:r>
-              <a:rPr lang="fr-FR" sz="3800" dirty="0" err="1">
-                <a:solidFill>
-                  <a:schemeClr val="tx1"/>
-                </a:solidFill>
-              </a:rPr>
-              <a:t>we</a:t>
-            </a:r>
-            <a:r>
-              <a:rPr lang="fr-FR" sz="3800" dirty="0">
-                <a:solidFill>
-                  <a:schemeClr val="tx1"/>
-                </a:solidFill>
-              </a:rPr>
-              <a:t> have and how </a:t>
-            </a:r>
-            <a:r>
-              <a:rPr lang="fr-FR" sz="3800" dirty="0" err="1">
-                <a:solidFill>
-                  <a:schemeClr val="tx1"/>
-                </a:solidFill>
-              </a:rPr>
-              <a:t>we</a:t>
-            </a:r>
-            <a:r>
-              <a:rPr lang="fr-FR" sz="3800" dirty="0">
-                <a:solidFill>
-                  <a:schemeClr val="tx1"/>
-                </a:solidFill>
-              </a:rPr>
-              <a:t> </a:t>
-            </a:r>
-            <a:r>
-              <a:rPr lang="fr-FR" sz="3800" dirty="0" err="1">
-                <a:solidFill>
-                  <a:schemeClr val="tx1"/>
-                </a:solidFill>
-              </a:rPr>
-              <a:t>can</a:t>
-            </a:r>
-            <a:r>
-              <a:rPr lang="fr-FR" sz="3800" dirty="0">
-                <a:solidFill>
-                  <a:schemeClr val="tx1"/>
-                </a:solidFill>
-              </a:rPr>
-              <a:t> use </a:t>
-            </a:r>
-            <a:r>
-              <a:rPr lang="fr-FR" sz="3800" dirty="0" err="1">
-                <a:solidFill>
-                  <a:schemeClr val="tx1"/>
-                </a:solidFill>
-              </a:rPr>
-              <a:t>them</a:t>
-            </a:r>
-            <a:r>
-              <a:rPr lang="fr-FR" sz="3800" dirty="0">
-                <a:solidFill>
-                  <a:schemeClr val="tx1"/>
-                </a:solidFill>
-              </a:rPr>
-              <a:t> to </a:t>
-            </a:r>
-            <a:r>
-              <a:rPr lang="fr-FR" sz="3800" dirty="0" err="1">
-                <a:solidFill>
-                  <a:schemeClr val="tx1"/>
-                </a:solidFill>
-              </a:rPr>
-              <a:t>predict</a:t>
-            </a:r>
-            <a:r>
-              <a:rPr lang="fr-FR" sz="3800" dirty="0">
-                <a:solidFill>
-                  <a:schemeClr val="tx1"/>
-                </a:solidFill>
-              </a:rPr>
-              <a:t> the </a:t>
-            </a:r>
-            <a:r>
-              <a:rPr lang="fr-FR" sz="3800" dirty="0" err="1">
-                <a:solidFill>
-                  <a:schemeClr val="tx1"/>
-                </a:solidFill>
-              </a:rPr>
-              <a:t>delays</a:t>
-            </a:r>
-            <a:r>
-              <a:rPr lang="fr-FR" sz="3800" dirty="0">
-                <a:solidFill>
-                  <a:schemeClr val="tx1"/>
-                </a:solidFill>
-              </a:rPr>
-              <a:t>. I </a:t>
-            </a:r>
-            <a:r>
-              <a:rPr lang="fr-FR" sz="3800" dirty="0" err="1">
-                <a:solidFill>
-                  <a:schemeClr val="tx1"/>
-                </a:solidFill>
-              </a:rPr>
-              <a:t>downloaded</a:t>
-            </a:r>
-            <a:r>
-              <a:rPr lang="fr-FR" sz="3800" dirty="0">
-                <a:solidFill>
-                  <a:schemeClr val="tx1"/>
-                </a:solidFill>
-              </a:rPr>
-              <a:t> the </a:t>
-            </a:r>
-            <a:r>
-              <a:rPr lang="fr-FR" sz="3800" dirty="0" err="1">
-                <a:solidFill>
-                  <a:schemeClr val="tx1"/>
-                </a:solidFill>
-              </a:rPr>
-              <a:t>following</a:t>
-            </a:r>
-            <a:r>
-              <a:rPr lang="fr-FR" sz="3800" dirty="0">
-                <a:solidFill>
-                  <a:schemeClr val="tx1"/>
-                </a:solidFill>
-              </a:rPr>
-              <a:t>:</a:t>
-            </a:r>
-          </a:p>
-          <a:p>
-            <a:pPr>
+              <a:rPr lang="fr-FR" altLang="fr-FR" sz="3200" b="1" dirty="0" err="1">
+                <a:solidFill>
+                  <a:schemeClr val="tx2"/>
+                </a:solidFill>
+                <a:latin typeface="+mj-lt"/>
+                <a:cs typeface="Times New Roman" panose="02020603050405020304" pitchFamily="18" charset="0"/>
+              </a:rPr>
+              <a:t>punctuality</a:t>
+            </a:r>
+            <a:r>
+              <a:rPr lang="fr-FR" altLang="fr-FR" sz="3200" b="1" dirty="0">
+                <a:solidFill>
+                  <a:schemeClr val="tx2"/>
+                </a:solidFill>
+                <a:latin typeface="+mj-lt"/>
+                <a:cs typeface="Times New Roman" panose="02020603050405020304" pitchFamily="18" charset="0"/>
+              </a:rPr>
+              <a:t> in </a:t>
+            </a:r>
+            <a:r>
+              <a:rPr lang="fr-FR" altLang="fr-FR" sz="3200" b="1" dirty="0" err="1">
+                <a:solidFill>
+                  <a:schemeClr val="tx2"/>
+                </a:solidFill>
+                <a:latin typeface="+mj-lt"/>
+                <a:cs typeface="Times New Roman" panose="02020603050405020304" pitchFamily="18" charset="0"/>
+              </a:rPr>
+              <a:t>Belgium</a:t>
+            </a:r>
+            <a:r>
+              <a:rPr lang="fr-FR" altLang="fr-FR" sz="3200" b="1" dirty="0">
+                <a:solidFill>
+                  <a:schemeClr val="tx2"/>
+                </a:solidFill>
+                <a:latin typeface="+mj-lt"/>
+                <a:cs typeface="Times New Roman" panose="02020603050405020304" pitchFamily="18" charset="0"/>
+              </a:rPr>
+              <a:t>.</a:t>
+            </a:r>
+          </a:p>
+          <a:p>
+            <a:pPr marL="400050" indent="-400050">
               <a:buFont typeface="+mj-lt"/>
-              <a:buAutoNum type="arabicPeriod"/>
+              <a:buAutoNum type="romanUcPeriod"/>
             </a:pPr>
-            <a:r>
-              <a:rPr lang="fr-FR" dirty="0" smtClean="0">
-                <a:solidFill>
-                  <a:schemeClr val="tx1"/>
-                </a:solidFill>
-              </a:rPr>
-              <a:t>Data </a:t>
-            </a:r>
-            <a:r>
-              <a:rPr lang="fr-FR" dirty="0" err="1" smtClean="0">
-                <a:solidFill>
-                  <a:schemeClr val="tx1"/>
-                </a:solidFill>
-              </a:rPr>
-              <a:t>punctuality</a:t>
-            </a:r>
-            <a:r>
-              <a:rPr lang="fr-FR" dirty="0" smtClean="0">
-                <a:solidFill>
-                  <a:schemeClr val="tx1"/>
-                </a:solidFill>
-              </a:rPr>
-              <a:t> </a:t>
-            </a:r>
-            <a:r>
-              <a:rPr lang="fr-FR" dirty="0">
-                <a:solidFill>
-                  <a:schemeClr val="tx1"/>
-                </a:solidFill>
-              </a:rPr>
-              <a:t>per train </a:t>
-            </a:r>
-            <a:r>
-              <a:rPr lang="fr-FR" dirty="0" smtClean="0">
-                <a:solidFill>
-                  <a:schemeClr val="tx1"/>
-                </a:solidFill>
-              </a:rPr>
-              <a:t>type</a:t>
-            </a:r>
-          </a:p>
-          <a:p>
-            <a:pPr>
-              <a:buFont typeface="+mj-lt"/>
-              <a:buAutoNum type="arabicPeriod"/>
-            </a:pPr>
-            <a:r>
-              <a:rPr lang="fr-FR" dirty="0" smtClean="0">
-                <a:solidFill>
-                  <a:schemeClr val="tx1"/>
-                </a:solidFill>
-              </a:rPr>
-              <a:t>Data </a:t>
-            </a:r>
-            <a:r>
-              <a:rPr lang="fr-FR" dirty="0" err="1">
-                <a:solidFill>
-                  <a:schemeClr val="tx1"/>
-                </a:solidFill>
-              </a:rPr>
-              <a:t>delays</a:t>
-            </a:r>
-            <a:r>
-              <a:rPr lang="fr-FR" dirty="0">
-                <a:solidFill>
-                  <a:schemeClr val="tx1"/>
-                </a:solidFill>
-              </a:rPr>
-              <a:t> allocation per </a:t>
-            </a:r>
-            <a:r>
-              <a:rPr lang="fr-FR" dirty="0" err="1" smtClean="0">
-                <a:solidFill>
-                  <a:schemeClr val="tx1"/>
-                </a:solidFill>
-              </a:rPr>
-              <a:t>month</a:t>
-            </a:r>
-            <a:endParaRPr lang="fr-FR" dirty="0" smtClean="0">
+            <a:endParaRPr lang="fr-FR" altLang="fr-FR" sz="2800" b="1" dirty="0">
               <a:solidFill>
-                <a:schemeClr val="tx1"/>
+                <a:schemeClr val="tx2"/>
               </a:solidFill>
-            </a:endParaRPr>
-          </a:p>
-          <a:p>
-            <a:pPr>
-              <a:buFont typeface="+mj-lt"/>
-              <a:buAutoNum type="arabicPeriod"/>
-            </a:pPr>
-            <a:r>
-              <a:rPr lang="fr-FR" dirty="0" smtClean="0">
-                <a:solidFill>
-                  <a:schemeClr val="tx1"/>
-                </a:solidFill>
-              </a:rPr>
-              <a:t>Data </a:t>
-            </a:r>
-            <a:r>
-              <a:rPr lang="fr-FR" dirty="0">
-                <a:solidFill>
-                  <a:schemeClr val="tx1"/>
-                </a:solidFill>
-              </a:rPr>
-              <a:t>incidents </a:t>
-            </a:r>
-            <a:r>
-              <a:rPr lang="fr-FR" dirty="0" err="1">
-                <a:solidFill>
-                  <a:schemeClr val="tx1"/>
-                </a:solidFill>
-              </a:rPr>
-              <a:t>with</a:t>
-            </a:r>
-            <a:r>
-              <a:rPr lang="fr-FR" dirty="0">
-                <a:solidFill>
-                  <a:schemeClr val="tx1"/>
-                </a:solidFill>
-              </a:rPr>
-              <a:t> impact on </a:t>
-            </a:r>
-            <a:r>
-              <a:rPr lang="fr-FR" dirty="0" err="1" smtClean="0">
-                <a:solidFill>
-                  <a:schemeClr val="tx1"/>
-                </a:solidFill>
-              </a:rPr>
-              <a:t>punctuality</a:t>
-            </a:r>
-            <a:endParaRPr lang="fr-FR" dirty="0" smtClean="0">
-              <a:solidFill>
-                <a:schemeClr val="tx1"/>
-              </a:solidFill>
-            </a:endParaRPr>
-          </a:p>
-          <a:p>
-            <a:pPr>
-              <a:buFont typeface="+mj-lt"/>
-              <a:buAutoNum type="arabicPeriod"/>
-            </a:pPr>
-            <a:r>
-              <a:rPr lang="fr-FR" dirty="0" smtClean="0">
-                <a:solidFill>
-                  <a:schemeClr val="tx1"/>
-                </a:solidFill>
-              </a:rPr>
-              <a:t>Data </a:t>
-            </a:r>
-            <a:r>
-              <a:rPr lang="fr-FR" dirty="0">
-                <a:solidFill>
-                  <a:schemeClr val="tx1"/>
-                </a:solidFill>
-              </a:rPr>
-              <a:t>nationale </a:t>
-            </a:r>
-            <a:r>
-              <a:rPr lang="fr-FR" dirty="0" err="1">
-                <a:solidFill>
-                  <a:schemeClr val="tx1"/>
-                </a:solidFill>
-              </a:rPr>
-              <a:t>punctuality</a:t>
-            </a:r>
-            <a:r>
-              <a:rPr lang="fr-FR" dirty="0">
-                <a:solidFill>
-                  <a:schemeClr val="tx1"/>
-                </a:solidFill>
-              </a:rPr>
-              <a:t> </a:t>
-            </a:r>
-            <a:r>
-              <a:rPr lang="fr-FR" dirty="0" err="1">
-                <a:solidFill>
-                  <a:schemeClr val="tx1"/>
-                </a:solidFill>
-              </a:rPr>
-              <a:t>based</a:t>
-            </a:r>
-            <a:r>
-              <a:rPr lang="fr-FR" dirty="0">
-                <a:solidFill>
-                  <a:schemeClr val="tx1"/>
-                </a:solidFill>
-              </a:rPr>
-              <a:t> on </a:t>
-            </a:r>
-            <a:r>
-              <a:rPr lang="fr-FR" dirty="0" err="1">
-                <a:solidFill>
-                  <a:schemeClr val="tx1"/>
-                </a:solidFill>
-              </a:rPr>
-              <a:t>canceled</a:t>
-            </a:r>
-            <a:r>
-              <a:rPr lang="fr-FR" dirty="0">
-                <a:solidFill>
-                  <a:schemeClr val="tx1"/>
-                </a:solidFill>
-              </a:rPr>
-              <a:t> </a:t>
-            </a:r>
-            <a:r>
-              <a:rPr lang="fr-FR" dirty="0" smtClean="0">
-                <a:solidFill>
-                  <a:schemeClr val="tx1"/>
-                </a:solidFill>
-              </a:rPr>
-              <a:t>train</a:t>
-            </a:r>
-          </a:p>
-          <a:p>
-            <a:pPr>
-              <a:buFont typeface="+mj-lt"/>
-              <a:buAutoNum type="arabicPeriod"/>
-            </a:pPr>
-            <a:r>
-              <a:rPr lang="fr-FR" dirty="0" smtClean="0">
-                <a:solidFill>
-                  <a:schemeClr val="tx1"/>
-                </a:solidFill>
-              </a:rPr>
-              <a:t>Data </a:t>
-            </a:r>
-            <a:r>
-              <a:rPr lang="fr-FR" dirty="0">
-                <a:solidFill>
-                  <a:schemeClr val="tx1"/>
-                </a:solidFill>
-              </a:rPr>
-              <a:t>national </a:t>
-            </a:r>
-            <a:r>
-              <a:rPr lang="fr-FR" dirty="0" err="1">
-                <a:solidFill>
-                  <a:schemeClr val="tx1"/>
-                </a:solidFill>
-              </a:rPr>
-              <a:t>punctuality</a:t>
-            </a:r>
-            <a:r>
-              <a:rPr lang="fr-FR" dirty="0">
-                <a:solidFill>
-                  <a:schemeClr val="tx1"/>
-                </a:solidFill>
-              </a:rPr>
-              <a:t> per </a:t>
-            </a:r>
-            <a:r>
-              <a:rPr lang="fr-FR" dirty="0" err="1" smtClean="0">
-                <a:solidFill>
-                  <a:schemeClr val="tx1"/>
-                </a:solidFill>
-              </a:rPr>
-              <a:t>month</a:t>
-            </a:r>
-            <a:endParaRPr lang="fr-FR" dirty="0" smtClean="0">
-              <a:solidFill>
-                <a:schemeClr val="tx1"/>
-              </a:solidFill>
-            </a:endParaRPr>
-          </a:p>
-          <a:p>
-            <a:pPr>
-              <a:buFont typeface="+mj-lt"/>
-              <a:buAutoNum type="arabicPeriod"/>
-            </a:pPr>
-            <a:r>
-              <a:rPr lang="fr-FR" dirty="0" smtClean="0">
-                <a:solidFill>
-                  <a:schemeClr val="tx1"/>
-                </a:solidFill>
-              </a:rPr>
-              <a:t>Data </a:t>
-            </a:r>
-            <a:r>
-              <a:rPr lang="fr-FR" dirty="0" err="1">
-                <a:solidFill>
-                  <a:schemeClr val="tx1"/>
-                </a:solidFill>
-              </a:rPr>
-              <a:t>punctuality</a:t>
-            </a:r>
-            <a:r>
-              <a:rPr lang="fr-FR" dirty="0">
-                <a:solidFill>
-                  <a:schemeClr val="tx1"/>
-                </a:solidFill>
-              </a:rPr>
-              <a:t> </a:t>
-            </a:r>
-            <a:r>
-              <a:rPr lang="fr-FR" dirty="0" smtClean="0">
-                <a:solidFill>
-                  <a:schemeClr val="tx1"/>
-                </a:solidFill>
-              </a:rPr>
-              <a:t>d-1</a:t>
-            </a:r>
-          </a:p>
-          <a:p>
-            <a:pPr>
-              <a:buFont typeface="+mj-lt"/>
-              <a:buAutoNum type="arabicPeriod"/>
-            </a:pPr>
-            <a:r>
-              <a:rPr lang="fr-FR" dirty="0" smtClean="0">
-                <a:solidFill>
-                  <a:schemeClr val="tx1"/>
-                </a:solidFill>
-              </a:rPr>
-              <a:t>Data </a:t>
-            </a:r>
-            <a:r>
-              <a:rPr lang="fr-FR" dirty="0" err="1">
-                <a:solidFill>
-                  <a:schemeClr val="tx1"/>
-                </a:solidFill>
-              </a:rPr>
-              <a:t>punctuality</a:t>
-            </a:r>
-            <a:r>
-              <a:rPr lang="fr-FR" dirty="0">
-                <a:solidFill>
-                  <a:schemeClr val="tx1"/>
-                </a:solidFill>
-              </a:rPr>
-              <a:t> per train type and per </a:t>
-            </a:r>
-            <a:r>
-              <a:rPr lang="fr-FR" dirty="0" smtClean="0">
-                <a:solidFill>
-                  <a:schemeClr val="tx1"/>
-                </a:solidFill>
-              </a:rPr>
-              <a:t>moment</a:t>
-            </a:r>
-          </a:p>
-          <a:p>
-            <a:pPr>
-              <a:buFont typeface="+mj-lt"/>
-              <a:buAutoNum type="arabicPeriod"/>
-            </a:pPr>
-            <a:r>
-              <a:rPr lang="fr-FR" dirty="0" smtClean="0">
-                <a:solidFill>
-                  <a:schemeClr val="tx1"/>
-                </a:solidFill>
-              </a:rPr>
-              <a:t> </a:t>
-            </a:r>
-            <a:r>
-              <a:rPr lang="fr-FR" dirty="0">
-                <a:solidFill>
-                  <a:schemeClr val="tx1"/>
-                </a:solidFill>
-              </a:rPr>
-              <a:t>Data </a:t>
-            </a:r>
-            <a:r>
-              <a:rPr lang="fr-FR" dirty="0" err="1">
-                <a:solidFill>
-                  <a:schemeClr val="tx1"/>
-                </a:solidFill>
-              </a:rPr>
-              <a:t>punctualite</a:t>
-            </a:r>
-            <a:r>
-              <a:rPr lang="fr-FR" dirty="0">
-                <a:solidFill>
-                  <a:schemeClr val="tx1"/>
-                </a:solidFill>
-              </a:rPr>
-              <a:t> </a:t>
-            </a:r>
-            <a:r>
-              <a:rPr lang="fr-FR" dirty="0" smtClean="0">
-                <a:solidFill>
-                  <a:schemeClr val="tx1"/>
-                </a:solidFill>
-              </a:rPr>
-              <a:t>TGV</a:t>
-            </a:r>
-          </a:p>
-          <a:p>
-            <a:pPr>
-              <a:buFont typeface="+mj-lt"/>
-              <a:buAutoNum type="arabicPeriod"/>
-            </a:pPr>
-            <a:r>
-              <a:rPr lang="fr-FR" dirty="0" smtClean="0">
-                <a:solidFill>
-                  <a:schemeClr val="tx1"/>
-                </a:solidFill>
-              </a:rPr>
-              <a:t>Data </a:t>
-            </a:r>
-            <a:r>
-              <a:rPr lang="fr-FR" dirty="0" err="1">
-                <a:solidFill>
-                  <a:schemeClr val="tx1"/>
-                </a:solidFill>
-              </a:rPr>
-              <a:t>punctuality</a:t>
-            </a:r>
-            <a:r>
-              <a:rPr lang="fr-FR" dirty="0">
-                <a:solidFill>
-                  <a:schemeClr val="tx1"/>
-                </a:solidFill>
-              </a:rPr>
-              <a:t> train </a:t>
-            </a:r>
-            <a:r>
-              <a:rPr lang="fr-FR" dirty="0" err="1" smtClean="0">
-                <a:solidFill>
-                  <a:schemeClr val="tx1"/>
-                </a:solidFill>
-              </a:rPr>
-              <a:t>arrived_in</a:t>
-            </a:r>
-            <a:r>
-              <a:rPr lang="fr-FR" dirty="0" smtClean="0">
-                <a:solidFill>
-                  <a:schemeClr val="tx1"/>
-                </a:solidFill>
-              </a:rPr>
-              <a:t> </a:t>
-            </a:r>
-            <a:r>
-              <a:rPr lang="fr-FR" dirty="0" err="1" smtClean="0">
-                <a:solidFill>
-                  <a:schemeClr val="tx1"/>
-                </a:solidFill>
-              </a:rPr>
-              <a:t>brussels</a:t>
-            </a:r>
-            <a:r>
-              <a:rPr lang="fr-FR" dirty="0" smtClean="0">
-                <a:solidFill>
-                  <a:schemeClr val="tx1"/>
-                </a:solidFill>
-              </a:rPr>
-              <a:t> </a:t>
-            </a:r>
-            <a:r>
-              <a:rPr lang="fr-FR" dirty="0">
-                <a:solidFill>
-                  <a:schemeClr val="tx1"/>
-                </a:solidFill>
-              </a:rPr>
-              <a:t>per </a:t>
-            </a:r>
-            <a:r>
-              <a:rPr lang="fr-FR" dirty="0" smtClean="0">
-                <a:solidFill>
-                  <a:schemeClr val="tx1"/>
-                </a:solidFill>
-              </a:rPr>
-              <a:t>moment</a:t>
-            </a:r>
-          </a:p>
-          <a:p>
-            <a:pPr>
-              <a:buFont typeface="+mj-lt"/>
-              <a:buAutoNum type="arabicPeriod"/>
-            </a:pPr>
-            <a:r>
-              <a:rPr lang="fr-FR" dirty="0" smtClean="0">
-                <a:solidFill>
-                  <a:schemeClr val="tx1"/>
-                </a:solidFill>
-              </a:rPr>
-              <a:t>Data </a:t>
-            </a:r>
-            <a:r>
-              <a:rPr lang="fr-FR" dirty="0" err="1">
-                <a:solidFill>
-                  <a:schemeClr val="tx1"/>
-                </a:solidFill>
-              </a:rPr>
-              <a:t>punctuality</a:t>
-            </a:r>
-            <a:r>
-              <a:rPr lang="fr-FR" dirty="0">
-                <a:solidFill>
-                  <a:schemeClr val="tx1"/>
-                </a:solidFill>
-              </a:rPr>
-              <a:t> train </a:t>
-            </a:r>
-            <a:r>
-              <a:rPr lang="fr-FR" dirty="0" err="1">
-                <a:solidFill>
-                  <a:schemeClr val="tx1"/>
-                </a:solidFill>
-              </a:rPr>
-              <a:t>arrived</a:t>
-            </a:r>
-            <a:r>
-              <a:rPr lang="fr-FR" dirty="0">
-                <a:solidFill>
-                  <a:schemeClr val="tx1"/>
-                </a:solidFill>
-              </a:rPr>
-              <a:t> </a:t>
-            </a:r>
-            <a:r>
-              <a:rPr lang="fr-FR" dirty="0" smtClean="0">
-                <a:solidFill>
-                  <a:schemeClr val="tx1"/>
-                </a:solidFill>
-              </a:rPr>
-              <a:t>in </a:t>
-            </a:r>
-            <a:r>
-              <a:rPr lang="fr-FR" dirty="0" err="1" smtClean="0">
-                <a:solidFill>
-                  <a:schemeClr val="tx1"/>
-                </a:solidFill>
-              </a:rPr>
-              <a:t>brussels</a:t>
-            </a:r>
-            <a:r>
-              <a:rPr lang="fr-FR" dirty="0" smtClean="0">
-                <a:solidFill>
-                  <a:schemeClr val="tx1"/>
-                </a:solidFill>
-              </a:rPr>
-              <a:t> </a:t>
-            </a:r>
-            <a:r>
-              <a:rPr lang="fr-FR" dirty="0">
-                <a:solidFill>
-                  <a:schemeClr val="tx1"/>
-                </a:solidFill>
-              </a:rPr>
-              <a:t>per moment and long </a:t>
-            </a:r>
-            <a:r>
-              <a:rPr lang="fr-FR" dirty="0" smtClean="0">
-                <a:solidFill>
-                  <a:schemeClr val="tx1"/>
-                </a:solidFill>
-              </a:rPr>
-              <a:t>line</a:t>
-            </a:r>
-          </a:p>
-          <a:p>
-            <a:pPr>
-              <a:buFont typeface="+mj-lt"/>
-              <a:buAutoNum type="arabicPeriod"/>
-            </a:pPr>
-            <a:r>
-              <a:rPr lang="fr-FR" dirty="0" smtClean="0">
-                <a:solidFill>
-                  <a:schemeClr val="tx1"/>
-                </a:solidFill>
-              </a:rPr>
-              <a:t>Data </a:t>
-            </a:r>
-            <a:r>
-              <a:rPr lang="fr-FR" dirty="0" err="1">
-                <a:solidFill>
-                  <a:schemeClr val="tx1"/>
-                </a:solidFill>
-              </a:rPr>
-              <a:t>punctuality</a:t>
-            </a:r>
-            <a:r>
-              <a:rPr lang="fr-FR" dirty="0">
-                <a:solidFill>
-                  <a:schemeClr val="tx1"/>
-                </a:solidFill>
-              </a:rPr>
-              <a:t> train </a:t>
-            </a:r>
-            <a:r>
-              <a:rPr lang="fr-FR" dirty="0" smtClean="0">
-                <a:solidFill>
-                  <a:schemeClr val="tx1"/>
-                </a:solidFill>
-              </a:rPr>
-              <a:t>ICE</a:t>
-            </a:r>
-          </a:p>
-          <a:p>
-            <a:pPr>
-              <a:buFont typeface="+mj-lt"/>
-              <a:buAutoNum type="arabicPeriod"/>
-            </a:pPr>
-            <a:r>
-              <a:rPr lang="fr-FR" dirty="0" smtClean="0">
-                <a:solidFill>
-                  <a:schemeClr val="tx1"/>
-                </a:solidFill>
-              </a:rPr>
-              <a:t>Data </a:t>
-            </a:r>
-            <a:r>
-              <a:rPr lang="fr-FR" dirty="0">
-                <a:solidFill>
-                  <a:schemeClr val="tx1"/>
-                </a:solidFill>
-              </a:rPr>
-              <a:t>distance station to </a:t>
-            </a:r>
-            <a:r>
-              <a:rPr lang="fr-FR" dirty="0" smtClean="0">
-                <a:solidFill>
-                  <a:schemeClr val="tx1"/>
-                </a:solidFill>
-              </a:rPr>
-              <a:t>station</a:t>
-            </a:r>
-          </a:p>
-          <a:p>
-            <a:pPr>
-              <a:buFont typeface="+mj-lt"/>
-              <a:buAutoNum type="arabicPeriod"/>
-            </a:pPr>
-            <a:r>
-              <a:rPr lang="fr-FR" dirty="0" smtClean="0">
-                <a:solidFill>
-                  <a:schemeClr val="tx1"/>
-                </a:solidFill>
-              </a:rPr>
-              <a:t>Data </a:t>
-            </a:r>
-            <a:r>
-              <a:rPr lang="fr-FR" dirty="0" err="1">
-                <a:solidFill>
-                  <a:schemeClr val="tx1"/>
-                </a:solidFill>
-              </a:rPr>
-              <a:t>Monthly</a:t>
-            </a:r>
-            <a:r>
-              <a:rPr lang="fr-FR" dirty="0">
-                <a:solidFill>
-                  <a:schemeClr val="tx1"/>
-                </a:solidFill>
-              </a:rPr>
-              <a:t> </a:t>
-            </a:r>
-            <a:r>
-              <a:rPr lang="fr-FR" dirty="0" err="1" smtClean="0">
-                <a:solidFill>
-                  <a:schemeClr val="tx1"/>
-                </a:solidFill>
-              </a:rPr>
-              <a:t>correspondence</a:t>
-            </a:r>
-            <a:r>
-              <a:rPr lang="fr-FR" dirty="0">
-                <a:solidFill>
-                  <a:schemeClr val="tx1"/>
-                </a:solidFill>
-              </a:rPr>
-              <a:t>.</a:t>
-            </a:r>
-            <a:endParaRPr lang="fr-FR" dirty="0" smtClean="0">
-              <a:solidFill>
-                <a:schemeClr val="tx1"/>
-              </a:solidFill>
+              <a:latin typeface="Times New Roman" panose="02020603050405020304" pitchFamily="18" charset="0"/>
+              <a:cs typeface="Times New Roman" panose="02020603050405020304" pitchFamily="18" charset="0"/>
             </a:endParaRPr>
           </a:p>
         </p:txBody>
@@ -16552,7 +15632,7 @@
     </p:spTree>
     <p:extLst>
       <p:ext uri="{BB962C8B-B14F-4D97-AF65-F5344CB8AC3E}">
-        <p14:creationId xmlns:p14="http://schemas.microsoft.com/office/powerpoint/2010/main" val="719609511"/>
+        <p14:creationId xmlns:p14="http://schemas.microsoft.com/office/powerpoint/2010/main" val="3604661314"/>
       </p:ext>
     </p:extLst>
   </p:cSld>
@@ -16683,133 +15763,1023 @@
             <p:ph idx="1"/>
           </p:nvPr>
         </p:nvSpPr>
-        <p:spPr/>
+        <p:spPr>
+          <a:xfrm>
+            <a:off x="448408" y="2398422"/>
+            <a:ext cx="11368453" cy="3752996"/>
+          </a:xfrm>
+        </p:spPr>
         <p:txBody>
           <a:bodyPr>
-            <a:normAutofit/>
+            <a:normAutofit fontScale="40000" lnSpcReduction="20000"/>
           </a:bodyPr>
           <a:lstStyle/>
           <a:p>
-            <a:pPr marL="0" lvl="1" indent="0">
+            <a:pPr marL="0" indent="0">
               <a:buNone/>
             </a:pPr>
             <a:r>
-              <a:rPr lang="en-US" sz="1800" dirty="0"/>
-              <a:t>As we saw before, two of the reasons for delays are </a:t>
-            </a:r>
-            <a:r>
-              <a:rPr lang="en-US" sz="1800" b="1" dirty="0" smtClean="0"/>
-              <a:t>Damage </a:t>
-            </a:r>
-            <a:r>
-              <a:rPr lang="en-US" sz="1800" b="1" dirty="0"/>
-              <a:t>rolling </a:t>
-            </a:r>
-            <a:r>
-              <a:rPr lang="en-US" sz="1800" b="1" dirty="0" smtClean="0"/>
-              <a:t>stock </a:t>
-            </a:r>
-            <a:r>
-              <a:rPr lang="fr-FR" sz="1800" dirty="0" smtClean="0"/>
-              <a:t>and </a:t>
-            </a:r>
-            <a:r>
-              <a:rPr lang="fr-FR" sz="1800" b="1" dirty="0" smtClean="0"/>
-              <a:t>Damage </a:t>
-            </a:r>
-            <a:r>
-              <a:rPr lang="fr-FR" sz="1800" b="1" dirty="0" err="1" smtClean="0"/>
-              <a:t>Catenary</a:t>
-            </a:r>
-            <a:r>
-              <a:rPr lang="fr-FR" sz="1800" b="1" dirty="0" smtClean="0"/>
-              <a:t>. </a:t>
-            </a:r>
-            <a:r>
-              <a:rPr lang="en-US" sz="1800" dirty="0"/>
-              <a:t>To prepare a </a:t>
-            </a:r>
-            <a:r>
-              <a:rPr lang="en-US" sz="1800" dirty="0" smtClean="0"/>
-              <a:t>study in this direction, </a:t>
-            </a:r>
-            <a:r>
-              <a:rPr lang="en-US" sz="1800" dirty="0"/>
-              <a:t>we need some data such as:</a:t>
+              <a:rPr lang="fr-FR" sz="3800" dirty="0">
+                <a:solidFill>
+                  <a:schemeClr val="tx1"/>
+                </a:solidFill>
+              </a:rPr>
+              <a:t>To </a:t>
+            </a:r>
+            <a:r>
+              <a:rPr lang="fr-FR" sz="3800" dirty="0" err="1">
+                <a:solidFill>
+                  <a:schemeClr val="tx1"/>
+                </a:solidFill>
+              </a:rPr>
+              <a:t>achieve</a:t>
+            </a:r>
+            <a:r>
+              <a:rPr lang="fr-FR" sz="3800" dirty="0">
+                <a:solidFill>
+                  <a:schemeClr val="tx1"/>
+                </a:solidFill>
+              </a:rPr>
+              <a:t> </a:t>
+            </a:r>
+            <a:r>
+              <a:rPr lang="fr-FR" sz="3800" dirty="0" err="1">
+                <a:solidFill>
+                  <a:schemeClr val="tx1"/>
+                </a:solidFill>
+              </a:rPr>
+              <a:t>this</a:t>
+            </a:r>
+            <a:r>
+              <a:rPr lang="fr-FR" sz="3800" dirty="0">
+                <a:solidFill>
+                  <a:schemeClr val="tx1"/>
+                </a:solidFill>
+              </a:rPr>
+              <a:t> goal, I </a:t>
+            </a:r>
+            <a:r>
+              <a:rPr lang="fr-FR" sz="3800" dirty="0" err="1">
+                <a:solidFill>
+                  <a:schemeClr val="tx1"/>
+                </a:solidFill>
+              </a:rPr>
+              <a:t>downloaded</a:t>
+            </a:r>
+            <a:r>
+              <a:rPr lang="fr-FR" sz="3800" dirty="0">
+                <a:solidFill>
+                  <a:schemeClr val="tx1"/>
+                </a:solidFill>
+              </a:rPr>
+              <a:t> </a:t>
+            </a:r>
+            <a:r>
+              <a:rPr lang="fr-FR" sz="3800" dirty="0" err="1">
+                <a:solidFill>
+                  <a:schemeClr val="tx1"/>
+                </a:solidFill>
+              </a:rPr>
+              <a:t>different</a:t>
+            </a:r>
+            <a:r>
+              <a:rPr lang="fr-FR" sz="3800" dirty="0">
+                <a:solidFill>
+                  <a:schemeClr val="tx1"/>
+                </a:solidFill>
+              </a:rPr>
+              <a:t> </a:t>
+            </a:r>
+            <a:r>
+              <a:rPr lang="fr-FR" sz="3800" dirty="0" err="1">
+                <a:solidFill>
+                  <a:schemeClr val="tx1"/>
+                </a:solidFill>
+              </a:rPr>
+              <a:t>delay</a:t>
+            </a:r>
+            <a:r>
+              <a:rPr lang="fr-FR" sz="3800" dirty="0">
+                <a:solidFill>
+                  <a:schemeClr val="tx1"/>
+                </a:solidFill>
+              </a:rPr>
+              <a:t> data </a:t>
+            </a:r>
+            <a:r>
+              <a:rPr lang="fr-FR" sz="3800" dirty="0" err="1">
+                <a:solidFill>
+                  <a:schemeClr val="tx1"/>
+                </a:solidFill>
+              </a:rPr>
+              <a:t>from</a:t>
+            </a:r>
+            <a:r>
+              <a:rPr lang="fr-FR" sz="3800" dirty="0">
+                <a:solidFill>
+                  <a:schemeClr val="tx1"/>
+                </a:solidFill>
+              </a:rPr>
+              <a:t> </a:t>
+            </a:r>
+            <a:r>
+              <a:rPr lang="fr-FR" sz="3800" dirty="0" err="1">
+                <a:solidFill>
+                  <a:schemeClr val="tx1"/>
+                </a:solidFill>
+              </a:rPr>
+              <a:t>infrabel</a:t>
+            </a:r>
+            <a:r>
+              <a:rPr lang="fr-FR" sz="3800" dirty="0">
+                <a:solidFill>
+                  <a:schemeClr val="tx1"/>
+                </a:solidFill>
+              </a:rPr>
+              <a:t> open data </a:t>
+            </a:r>
+            <a:r>
+              <a:rPr lang="fr-FR" sz="3800" dirty="0" smtClean="0">
+                <a:solidFill>
+                  <a:schemeClr val="tx1"/>
+                </a:solidFill>
+              </a:rPr>
+              <a:t>(94 </a:t>
+            </a:r>
+            <a:r>
+              <a:rPr lang="fr-FR" sz="3800" dirty="0" err="1" smtClean="0">
+                <a:solidFill>
+                  <a:schemeClr val="tx1"/>
+                </a:solidFill>
+              </a:rPr>
+              <a:t>datasets</a:t>
+            </a:r>
+            <a:r>
+              <a:rPr lang="fr-FR" sz="3800" smtClean="0">
+                <a:solidFill>
+                  <a:schemeClr val="tx1"/>
+                </a:solidFill>
+              </a:rPr>
+              <a:t>) to </a:t>
+            </a:r>
+            <a:r>
+              <a:rPr lang="fr-FR" sz="3800" dirty="0" err="1">
+                <a:solidFill>
+                  <a:schemeClr val="tx1"/>
+                </a:solidFill>
+              </a:rPr>
+              <a:t>see</a:t>
+            </a:r>
+            <a:r>
+              <a:rPr lang="fr-FR" sz="3800" dirty="0">
+                <a:solidFill>
+                  <a:schemeClr val="tx1"/>
+                </a:solidFill>
+              </a:rPr>
+              <a:t> </a:t>
+            </a:r>
+            <a:r>
+              <a:rPr lang="fr-FR" sz="3800" dirty="0" err="1">
+                <a:solidFill>
+                  <a:schemeClr val="tx1"/>
+                </a:solidFill>
+              </a:rPr>
+              <a:t>what</a:t>
+            </a:r>
+            <a:r>
+              <a:rPr lang="fr-FR" sz="3800" dirty="0">
+                <a:solidFill>
+                  <a:schemeClr val="tx1"/>
+                </a:solidFill>
+              </a:rPr>
+              <a:t> </a:t>
+            </a:r>
+            <a:r>
+              <a:rPr lang="fr-FR" sz="3800" dirty="0" err="1">
+                <a:solidFill>
+                  <a:schemeClr val="tx1"/>
+                </a:solidFill>
+              </a:rPr>
+              <a:t>kind</a:t>
+            </a:r>
+            <a:r>
+              <a:rPr lang="fr-FR" sz="3800" dirty="0">
+                <a:solidFill>
+                  <a:schemeClr val="tx1"/>
+                </a:solidFill>
+              </a:rPr>
+              <a:t> </a:t>
+            </a:r>
+            <a:r>
+              <a:rPr lang="fr-FR" sz="3800" dirty="0" smtClean="0">
+                <a:solidFill>
+                  <a:schemeClr val="tx1"/>
+                </a:solidFill>
+              </a:rPr>
+              <a:t>of variables </a:t>
+            </a:r>
+            <a:r>
+              <a:rPr lang="fr-FR" sz="3800" dirty="0" err="1">
+                <a:solidFill>
+                  <a:schemeClr val="tx1"/>
+                </a:solidFill>
+              </a:rPr>
+              <a:t>we</a:t>
+            </a:r>
+            <a:r>
+              <a:rPr lang="fr-FR" sz="3800" dirty="0">
+                <a:solidFill>
+                  <a:schemeClr val="tx1"/>
+                </a:solidFill>
+              </a:rPr>
+              <a:t> have and how </a:t>
+            </a:r>
+            <a:r>
+              <a:rPr lang="fr-FR" sz="3800" dirty="0" err="1">
+                <a:solidFill>
+                  <a:schemeClr val="tx1"/>
+                </a:solidFill>
+              </a:rPr>
+              <a:t>we</a:t>
+            </a:r>
+            <a:r>
+              <a:rPr lang="fr-FR" sz="3800" dirty="0">
+                <a:solidFill>
+                  <a:schemeClr val="tx1"/>
+                </a:solidFill>
+              </a:rPr>
+              <a:t> </a:t>
+            </a:r>
+            <a:r>
+              <a:rPr lang="fr-FR" sz="3800" dirty="0" err="1">
+                <a:solidFill>
+                  <a:schemeClr val="tx1"/>
+                </a:solidFill>
+              </a:rPr>
+              <a:t>can</a:t>
+            </a:r>
+            <a:r>
+              <a:rPr lang="fr-FR" sz="3800" dirty="0">
+                <a:solidFill>
+                  <a:schemeClr val="tx1"/>
+                </a:solidFill>
+              </a:rPr>
+              <a:t> use </a:t>
+            </a:r>
+            <a:r>
+              <a:rPr lang="fr-FR" sz="3800" dirty="0" err="1">
+                <a:solidFill>
+                  <a:schemeClr val="tx1"/>
+                </a:solidFill>
+              </a:rPr>
+              <a:t>them</a:t>
+            </a:r>
+            <a:r>
+              <a:rPr lang="fr-FR" sz="3800" dirty="0">
+                <a:solidFill>
+                  <a:schemeClr val="tx1"/>
+                </a:solidFill>
+              </a:rPr>
+              <a:t> to </a:t>
+            </a:r>
+            <a:r>
+              <a:rPr lang="fr-FR" sz="3800" dirty="0" err="1">
+                <a:solidFill>
+                  <a:schemeClr val="tx1"/>
+                </a:solidFill>
+              </a:rPr>
+              <a:t>predict</a:t>
+            </a:r>
+            <a:r>
+              <a:rPr lang="fr-FR" sz="3800" dirty="0">
+                <a:solidFill>
+                  <a:schemeClr val="tx1"/>
+                </a:solidFill>
+              </a:rPr>
+              <a:t> the </a:t>
+            </a:r>
+            <a:r>
+              <a:rPr lang="fr-FR" sz="3800" dirty="0" err="1">
+                <a:solidFill>
+                  <a:schemeClr val="tx1"/>
+                </a:solidFill>
+              </a:rPr>
+              <a:t>delays</a:t>
+            </a:r>
+            <a:r>
+              <a:rPr lang="fr-FR" sz="3800" dirty="0">
+                <a:solidFill>
+                  <a:schemeClr val="tx1"/>
+                </a:solidFill>
+              </a:rPr>
+              <a:t>. I </a:t>
+            </a:r>
+            <a:r>
+              <a:rPr lang="fr-FR" sz="3800" dirty="0" err="1">
+                <a:solidFill>
+                  <a:schemeClr val="tx1"/>
+                </a:solidFill>
+              </a:rPr>
+              <a:t>downloaded</a:t>
+            </a:r>
+            <a:r>
+              <a:rPr lang="fr-FR" sz="3800" dirty="0">
+                <a:solidFill>
+                  <a:schemeClr val="tx1"/>
+                </a:solidFill>
+              </a:rPr>
+              <a:t> the </a:t>
+            </a:r>
+            <a:r>
+              <a:rPr lang="fr-FR" sz="3800" dirty="0" err="1">
+                <a:solidFill>
+                  <a:schemeClr val="tx1"/>
+                </a:solidFill>
+              </a:rPr>
+              <a:t>following</a:t>
+            </a:r>
+            <a:r>
+              <a:rPr lang="fr-FR" sz="3800" dirty="0">
+                <a:solidFill>
+                  <a:schemeClr val="tx1"/>
+                </a:solidFill>
+              </a:rPr>
+              <a:t>:</a:t>
             </a:r>
           </a:p>
           <a:p>
             <a:pPr>
-              <a:buFont typeface="Wingdings" panose="05000000000000000000" pitchFamily="2" charset="2"/>
-              <a:buChar char="§"/>
+              <a:buFont typeface="+mj-lt"/>
+              <a:buAutoNum type="arabicPeriod"/>
             </a:pPr>
             <a:r>
-              <a:rPr lang="en-US" dirty="0"/>
-              <a:t>Data about the state of the trains.</a:t>
+              <a:rPr lang="fr-FR" dirty="0" smtClean="0">
+                <a:solidFill>
+                  <a:schemeClr val="tx1"/>
+                </a:solidFill>
+              </a:rPr>
+              <a:t>Data </a:t>
+            </a:r>
+            <a:r>
+              <a:rPr lang="fr-FR" dirty="0" err="1" smtClean="0">
+                <a:solidFill>
+                  <a:schemeClr val="tx1"/>
+                </a:solidFill>
+              </a:rPr>
+              <a:t>punctuality</a:t>
+            </a:r>
+            <a:r>
+              <a:rPr lang="fr-FR" dirty="0" smtClean="0">
+                <a:solidFill>
+                  <a:schemeClr val="tx1"/>
+                </a:solidFill>
+              </a:rPr>
+              <a:t> </a:t>
+            </a:r>
+            <a:r>
+              <a:rPr lang="fr-FR" dirty="0">
+                <a:solidFill>
+                  <a:schemeClr val="tx1"/>
+                </a:solidFill>
+              </a:rPr>
+              <a:t>per train </a:t>
+            </a:r>
+            <a:r>
+              <a:rPr lang="fr-FR" dirty="0" smtClean="0">
+                <a:solidFill>
+                  <a:schemeClr val="tx1"/>
+                </a:solidFill>
+              </a:rPr>
+              <a:t>type</a:t>
             </a:r>
           </a:p>
           <a:p>
             <a:pPr>
-              <a:buFont typeface="Wingdings" panose="05000000000000000000" pitchFamily="2" charset="2"/>
-              <a:buChar char="§"/>
+              <a:buFont typeface="+mj-lt"/>
+              <a:buAutoNum type="arabicPeriod"/>
             </a:pPr>
             <a:r>
-              <a:rPr lang="en-US" dirty="0"/>
-              <a:t>Data about the catenary </a:t>
-            </a:r>
-            <a:r>
-              <a:rPr lang="en-US" dirty="0" smtClean="0"/>
-              <a:t>state</a:t>
-            </a:r>
-            <a:r>
-              <a:rPr lang="en-US" dirty="0"/>
+              <a:rPr lang="fr-FR" dirty="0" smtClean="0">
+                <a:solidFill>
+                  <a:schemeClr val="tx1"/>
+                </a:solidFill>
+              </a:rPr>
+              <a:t>Data </a:t>
+            </a:r>
+            <a:r>
+              <a:rPr lang="fr-FR" dirty="0" err="1">
+                <a:solidFill>
+                  <a:schemeClr val="tx1"/>
+                </a:solidFill>
+              </a:rPr>
+              <a:t>delays</a:t>
+            </a:r>
+            <a:r>
+              <a:rPr lang="fr-FR" dirty="0">
+                <a:solidFill>
+                  <a:schemeClr val="tx1"/>
+                </a:solidFill>
+              </a:rPr>
+              <a:t> allocation per </a:t>
+            </a:r>
+            <a:r>
+              <a:rPr lang="fr-FR" dirty="0" err="1" smtClean="0">
+                <a:solidFill>
+                  <a:schemeClr val="tx1"/>
+                </a:solidFill>
+              </a:rPr>
+              <a:t>month</a:t>
+            </a:r>
+            <a:endParaRPr lang="fr-FR" dirty="0" smtClean="0">
+              <a:solidFill>
+                <a:schemeClr val="tx1"/>
+              </a:solidFill>
+            </a:endParaRPr>
+          </a:p>
+          <a:p>
+            <a:pPr>
+              <a:buFont typeface="+mj-lt"/>
+              <a:buAutoNum type="arabicPeriod"/>
+            </a:pPr>
+            <a:r>
+              <a:rPr lang="fr-FR" dirty="0" smtClean="0">
+                <a:solidFill>
+                  <a:schemeClr val="tx1"/>
+                </a:solidFill>
+              </a:rPr>
+              <a:t>Data </a:t>
+            </a:r>
+            <a:r>
+              <a:rPr lang="fr-FR" dirty="0">
+                <a:solidFill>
+                  <a:schemeClr val="tx1"/>
+                </a:solidFill>
+              </a:rPr>
+              <a:t>incidents </a:t>
+            </a:r>
+            <a:r>
+              <a:rPr lang="fr-FR" dirty="0" err="1">
+                <a:solidFill>
+                  <a:schemeClr val="tx1"/>
+                </a:solidFill>
+              </a:rPr>
+              <a:t>with</a:t>
+            </a:r>
+            <a:r>
+              <a:rPr lang="fr-FR" dirty="0">
+                <a:solidFill>
+                  <a:schemeClr val="tx1"/>
+                </a:solidFill>
+              </a:rPr>
+              <a:t> impact on </a:t>
+            </a:r>
+            <a:r>
+              <a:rPr lang="fr-FR" dirty="0" err="1" smtClean="0">
+                <a:solidFill>
+                  <a:schemeClr val="tx1"/>
+                </a:solidFill>
+              </a:rPr>
+              <a:t>punctuality</a:t>
+            </a:r>
+            <a:endParaRPr lang="fr-FR" dirty="0" smtClean="0">
+              <a:solidFill>
+                <a:schemeClr val="tx1"/>
+              </a:solidFill>
+            </a:endParaRPr>
+          </a:p>
+          <a:p>
+            <a:pPr>
+              <a:buFont typeface="+mj-lt"/>
+              <a:buAutoNum type="arabicPeriod"/>
+            </a:pPr>
+            <a:r>
+              <a:rPr lang="fr-FR" dirty="0" smtClean="0">
+                <a:solidFill>
+                  <a:schemeClr val="tx1"/>
+                </a:solidFill>
+              </a:rPr>
+              <a:t>Data </a:t>
+            </a:r>
+            <a:r>
+              <a:rPr lang="fr-FR" dirty="0">
+                <a:solidFill>
+                  <a:schemeClr val="tx1"/>
+                </a:solidFill>
+              </a:rPr>
+              <a:t>nationale </a:t>
+            </a:r>
+            <a:r>
+              <a:rPr lang="fr-FR" dirty="0" err="1">
+                <a:solidFill>
+                  <a:schemeClr val="tx1"/>
+                </a:solidFill>
+              </a:rPr>
+              <a:t>punctuality</a:t>
+            </a:r>
+            <a:r>
+              <a:rPr lang="fr-FR" dirty="0">
+                <a:solidFill>
+                  <a:schemeClr val="tx1"/>
+                </a:solidFill>
+              </a:rPr>
+              <a:t> </a:t>
+            </a:r>
+            <a:r>
+              <a:rPr lang="fr-FR" dirty="0" err="1">
+                <a:solidFill>
+                  <a:schemeClr val="tx1"/>
+                </a:solidFill>
+              </a:rPr>
+              <a:t>based</a:t>
+            </a:r>
+            <a:r>
+              <a:rPr lang="fr-FR" dirty="0">
+                <a:solidFill>
+                  <a:schemeClr val="tx1"/>
+                </a:solidFill>
+              </a:rPr>
+              <a:t> on </a:t>
+            </a:r>
+            <a:r>
+              <a:rPr lang="fr-FR" dirty="0" err="1">
+                <a:solidFill>
+                  <a:schemeClr val="tx1"/>
+                </a:solidFill>
+              </a:rPr>
+              <a:t>canceled</a:t>
+            </a:r>
+            <a:r>
+              <a:rPr lang="fr-FR" dirty="0">
+                <a:solidFill>
+                  <a:schemeClr val="tx1"/>
+                </a:solidFill>
+              </a:rPr>
+              <a:t> </a:t>
+            </a:r>
+            <a:r>
+              <a:rPr lang="fr-FR" dirty="0" smtClean="0">
+                <a:solidFill>
+                  <a:schemeClr val="tx1"/>
+                </a:solidFill>
+              </a:rPr>
+              <a:t>train</a:t>
+            </a:r>
+          </a:p>
+          <a:p>
+            <a:pPr>
+              <a:buFont typeface="+mj-lt"/>
+              <a:buAutoNum type="arabicPeriod"/>
+            </a:pPr>
+            <a:r>
+              <a:rPr lang="fr-FR" dirty="0" smtClean="0">
+                <a:solidFill>
+                  <a:schemeClr val="tx1"/>
+                </a:solidFill>
+              </a:rPr>
+              <a:t>Data </a:t>
+            </a:r>
+            <a:r>
+              <a:rPr lang="fr-FR" dirty="0">
+                <a:solidFill>
+                  <a:schemeClr val="tx1"/>
+                </a:solidFill>
+              </a:rPr>
+              <a:t>national </a:t>
+            </a:r>
+            <a:r>
+              <a:rPr lang="fr-FR" dirty="0" err="1">
+                <a:solidFill>
+                  <a:schemeClr val="tx1"/>
+                </a:solidFill>
+              </a:rPr>
+              <a:t>punctuality</a:t>
+            </a:r>
+            <a:r>
+              <a:rPr lang="fr-FR" dirty="0">
+                <a:solidFill>
+                  <a:schemeClr val="tx1"/>
+                </a:solidFill>
+              </a:rPr>
+              <a:t> per </a:t>
+            </a:r>
+            <a:r>
+              <a:rPr lang="fr-FR" dirty="0" err="1" smtClean="0">
+                <a:solidFill>
+                  <a:schemeClr val="tx1"/>
+                </a:solidFill>
+              </a:rPr>
+              <a:t>month</a:t>
+            </a:r>
+            <a:endParaRPr lang="fr-FR" dirty="0" smtClean="0">
+              <a:solidFill>
+                <a:schemeClr val="tx1"/>
+              </a:solidFill>
+            </a:endParaRPr>
+          </a:p>
+          <a:p>
+            <a:pPr>
+              <a:buFont typeface="+mj-lt"/>
+              <a:buAutoNum type="arabicPeriod"/>
+            </a:pPr>
+            <a:r>
+              <a:rPr lang="fr-FR" dirty="0" smtClean="0">
+                <a:solidFill>
+                  <a:schemeClr val="tx1"/>
+                </a:solidFill>
+              </a:rPr>
+              <a:t>Data </a:t>
+            </a:r>
+            <a:r>
+              <a:rPr lang="fr-FR" dirty="0" err="1">
+                <a:solidFill>
+                  <a:schemeClr val="tx1"/>
+                </a:solidFill>
+              </a:rPr>
+              <a:t>punctuality</a:t>
+            </a:r>
+            <a:r>
+              <a:rPr lang="fr-FR" dirty="0">
+                <a:solidFill>
+                  <a:schemeClr val="tx1"/>
+                </a:solidFill>
+              </a:rPr>
+              <a:t> </a:t>
+            </a:r>
+            <a:r>
+              <a:rPr lang="fr-FR" dirty="0" smtClean="0">
+                <a:solidFill>
+                  <a:schemeClr val="tx1"/>
+                </a:solidFill>
+              </a:rPr>
+              <a:t>d-1</a:t>
+            </a:r>
+          </a:p>
+          <a:p>
+            <a:pPr>
+              <a:buFont typeface="+mj-lt"/>
+              <a:buAutoNum type="arabicPeriod"/>
+            </a:pPr>
+            <a:r>
+              <a:rPr lang="fr-FR" dirty="0" smtClean="0">
+                <a:solidFill>
+                  <a:schemeClr val="tx1"/>
+                </a:solidFill>
+              </a:rPr>
+              <a:t>Data </a:t>
+            </a:r>
+            <a:r>
+              <a:rPr lang="fr-FR" dirty="0" err="1">
+                <a:solidFill>
+                  <a:schemeClr val="tx1"/>
+                </a:solidFill>
+              </a:rPr>
+              <a:t>punctuality</a:t>
+            </a:r>
+            <a:r>
+              <a:rPr lang="fr-FR" dirty="0">
+                <a:solidFill>
+                  <a:schemeClr val="tx1"/>
+                </a:solidFill>
+              </a:rPr>
+              <a:t> per train type and per </a:t>
+            </a:r>
+            <a:r>
+              <a:rPr lang="fr-FR" dirty="0" smtClean="0">
+                <a:solidFill>
+                  <a:schemeClr val="tx1"/>
+                </a:solidFill>
+              </a:rPr>
+              <a:t>moment</a:t>
+            </a:r>
+          </a:p>
+          <a:p>
+            <a:pPr>
+              <a:buFont typeface="+mj-lt"/>
+              <a:buAutoNum type="arabicPeriod"/>
+            </a:pPr>
+            <a:r>
+              <a:rPr lang="fr-FR" dirty="0" smtClean="0">
+                <a:solidFill>
+                  <a:schemeClr val="tx1"/>
+                </a:solidFill>
+              </a:rPr>
+              <a:t> </a:t>
+            </a:r>
+            <a:r>
+              <a:rPr lang="fr-FR" dirty="0">
+                <a:solidFill>
+                  <a:schemeClr val="tx1"/>
+                </a:solidFill>
+              </a:rPr>
+              <a:t>Data </a:t>
+            </a:r>
+            <a:r>
+              <a:rPr lang="fr-FR" dirty="0" err="1">
+                <a:solidFill>
+                  <a:schemeClr val="tx1"/>
+                </a:solidFill>
+              </a:rPr>
+              <a:t>punctualite</a:t>
+            </a:r>
+            <a:r>
+              <a:rPr lang="fr-FR" dirty="0">
+                <a:solidFill>
+                  <a:schemeClr val="tx1"/>
+                </a:solidFill>
+              </a:rPr>
+              <a:t> </a:t>
+            </a:r>
+            <a:r>
+              <a:rPr lang="fr-FR" dirty="0" smtClean="0">
+                <a:solidFill>
+                  <a:schemeClr val="tx1"/>
+                </a:solidFill>
+              </a:rPr>
+              <a:t>TGV</a:t>
+            </a:r>
+          </a:p>
+          <a:p>
+            <a:pPr>
+              <a:buFont typeface="+mj-lt"/>
+              <a:buAutoNum type="arabicPeriod"/>
+            </a:pPr>
+            <a:r>
+              <a:rPr lang="fr-FR" dirty="0" smtClean="0">
+                <a:solidFill>
+                  <a:schemeClr val="tx1"/>
+                </a:solidFill>
+              </a:rPr>
+              <a:t>Data </a:t>
+            </a:r>
+            <a:r>
+              <a:rPr lang="fr-FR" dirty="0" err="1">
+                <a:solidFill>
+                  <a:schemeClr val="tx1"/>
+                </a:solidFill>
+              </a:rPr>
+              <a:t>punctuality</a:t>
+            </a:r>
+            <a:r>
+              <a:rPr lang="fr-FR" dirty="0">
+                <a:solidFill>
+                  <a:schemeClr val="tx1"/>
+                </a:solidFill>
+              </a:rPr>
+              <a:t> train </a:t>
+            </a:r>
+            <a:r>
+              <a:rPr lang="fr-FR" dirty="0" err="1" smtClean="0">
+                <a:solidFill>
+                  <a:schemeClr val="tx1"/>
+                </a:solidFill>
+              </a:rPr>
+              <a:t>arrived_in</a:t>
+            </a:r>
+            <a:r>
+              <a:rPr lang="fr-FR" dirty="0" smtClean="0">
+                <a:solidFill>
+                  <a:schemeClr val="tx1"/>
+                </a:solidFill>
+              </a:rPr>
+              <a:t> </a:t>
+            </a:r>
+            <a:r>
+              <a:rPr lang="fr-FR" dirty="0" err="1" smtClean="0">
+                <a:solidFill>
+                  <a:schemeClr val="tx1"/>
+                </a:solidFill>
+              </a:rPr>
+              <a:t>brussels</a:t>
+            </a:r>
+            <a:r>
+              <a:rPr lang="fr-FR" dirty="0" smtClean="0">
+                <a:solidFill>
+                  <a:schemeClr val="tx1"/>
+                </a:solidFill>
+              </a:rPr>
+              <a:t> </a:t>
+            </a:r>
+            <a:r>
+              <a:rPr lang="fr-FR" dirty="0">
+                <a:solidFill>
+                  <a:schemeClr val="tx1"/>
+                </a:solidFill>
+              </a:rPr>
+              <a:t>per </a:t>
+            </a:r>
+            <a:r>
+              <a:rPr lang="fr-FR" dirty="0" smtClean="0">
+                <a:solidFill>
+                  <a:schemeClr val="tx1"/>
+                </a:solidFill>
+              </a:rPr>
+              <a:t>moment</a:t>
+            </a:r>
+          </a:p>
+          <a:p>
+            <a:pPr>
+              <a:buFont typeface="+mj-lt"/>
+              <a:buAutoNum type="arabicPeriod"/>
+            </a:pPr>
+            <a:r>
+              <a:rPr lang="fr-FR" dirty="0" smtClean="0">
+                <a:solidFill>
+                  <a:schemeClr val="tx1"/>
+                </a:solidFill>
+              </a:rPr>
+              <a:t>Data </a:t>
+            </a:r>
+            <a:r>
+              <a:rPr lang="fr-FR" dirty="0" err="1">
+                <a:solidFill>
+                  <a:schemeClr val="tx1"/>
+                </a:solidFill>
+              </a:rPr>
+              <a:t>punctuality</a:t>
+            </a:r>
+            <a:r>
+              <a:rPr lang="fr-FR" dirty="0">
+                <a:solidFill>
+                  <a:schemeClr val="tx1"/>
+                </a:solidFill>
+              </a:rPr>
+              <a:t> train </a:t>
+            </a:r>
+            <a:r>
+              <a:rPr lang="fr-FR" dirty="0" err="1">
+                <a:solidFill>
+                  <a:schemeClr val="tx1"/>
+                </a:solidFill>
+              </a:rPr>
+              <a:t>arrived</a:t>
+            </a:r>
+            <a:r>
+              <a:rPr lang="fr-FR" dirty="0">
+                <a:solidFill>
+                  <a:schemeClr val="tx1"/>
+                </a:solidFill>
+              </a:rPr>
+              <a:t> </a:t>
+            </a:r>
+            <a:r>
+              <a:rPr lang="fr-FR" dirty="0" smtClean="0">
+                <a:solidFill>
+                  <a:schemeClr val="tx1"/>
+                </a:solidFill>
+              </a:rPr>
+              <a:t>in </a:t>
+            </a:r>
+            <a:r>
+              <a:rPr lang="fr-FR" dirty="0" err="1" smtClean="0">
+                <a:solidFill>
+                  <a:schemeClr val="tx1"/>
+                </a:solidFill>
+              </a:rPr>
+              <a:t>brussels</a:t>
+            </a:r>
+            <a:r>
+              <a:rPr lang="fr-FR" dirty="0" smtClean="0">
+                <a:solidFill>
+                  <a:schemeClr val="tx1"/>
+                </a:solidFill>
+              </a:rPr>
+              <a:t> </a:t>
+            </a:r>
+            <a:r>
+              <a:rPr lang="fr-FR" dirty="0">
+                <a:solidFill>
+                  <a:schemeClr val="tx1"/>
+                </a:solidFill>
+              </a:rPr>
+              <a:t>per moment and long </a:t>
+            </a:r>
+            <a:r>
+              <a:rPr lang="fr-FR" dirty="0" smtClean="0">
+                <a:solidFill>
+                  <a:schemeClr val="tx1"/>
+                </a:solidFill>
+              </a:rPr>
+              <a:t>line</a:t>
+            </a:r>
+          </a:p>
+          <a:p>
+            <a:pPr>
+              <a:buFont typeface="+mj-lt"/>
+              <a:buAutoNum type="arabicPeriod"/>
+            </a:pPr>
+            <a:r>
+              <a:rPr lang="fr-FR" dirty="0" smtClean="0">
+                <a:solidFill>
+                  <a:schemeClr val="tx1"/>
+                </a:solidFill>
+              </a:rPr>
+              <a:t>Data </a:t>
+            </a:r>
+            <a:r>
+              <a:rPr lang="fr-FR" dirty="0" err="1">
+                <a:solidFill>
+                  <a:schemeClr val="tx1"/>
+                </a:solidFill>
+              </a:rPr>
+              <a:t>punctuality</a:t>
+            </a:r>
+            <a:r>
+              <a:rPr lang="fr-FR" dirty="0">
+                <a:solidFill>
+                  <a:schemeClr val="tx1"/>
+                </a:solidFill>
+              </a:rPr>
+              <a:t> train </a:t>
+            </a:r>
+            <a:r>
+              <a:rPr lang="fr-FR" dirty="0" smtClean="0">
+                <a:solidFill>
+                  <a:schemeClr val="tx1"/>
+                </a:solidFill>
+              </a:rPr>
+              <a:t>ICE</a:t>
+            </a:r>
+          </a:p>
+          <a:p>
+            <a:pPr>
+              <a:buFont typeface="+mj-lt"/>
+              <a:buAutoNum type="arabicPeriod"/>
+            </a:pPr>
+            <a:r>
+              <a:rPr lang="fr-FR" dirty="0" smtClean="0">
+                <a:solidFill>
+                  <a:schemeClr val="tx1"/>
+                </a:solidFill>
+              </a:rPr>
+              <a:t>Data </a:t>
+            </a:r>
+            <a:r>
+              <a:rPr lang="fr-FR" dirty="0">
+                <a:solidFill>
+                  <a:schemeClr val="tx1"/>
+                </a:solidFill>
+              </a:rPr>
+              <a:t>distance station to </a:t>
+            </a:r>
+            <a:r>
+              <a:rPr lang="fr-FR" dirty="0" smtClean="0">
+                <a:solidFill>
+                  <a:schemeClr val="tx1"/>
+                </a:solidFill>
+              </a:rPr>
+              <a:t>station</a:t>
+            </a:r>
+          </a:p>
+          <a:p>
+            <a:pPr>
+              <a:buFont typeface="+mj-lt"/>
+              <a:buAutoNum type="arabicPeriod"/>
+            </a:pPr>
+            <a:r>
+              <a:rPr lang="fr-FR" dirty="0" smtClean="0">
+                <a:solidFill>
+                  <a:schemeClr val="tx1"/>
+                </a:solidFill>
+              </a:rPr>
+              <a:t>Data </a:t>
+            </a:r>
+            <a:r>
+              <a:rPr lang="fr-FR" dirty="0" err="1">
+                <a:solidFill>
+                  <a:schemeClr val="tx1"/>
+                </a:solidFill>
+              </a:rPr>
+              <a:t>Monthly</a:t>
+            </a:r>
+            <a:r>
+              <a:rPr lang="fr-FR" dirty="0">
+                <a:solidFill>
+                  <a:schemeClr val="tx1"/>
+                </a:solidFill>
+              </a:rPr>
+              <a:t> </a:t>
+            </a:r>
+            <a:r>
+              <a:rPr lang="fr-FR" dirty="0" err="1" smtClean="0">
+                <a:solidFill>
+                  <a:schemeClr val="tx1"/>
+                </a:solidFill>
+              </a:rPr>
+              <a:t>correspondence</a:t>
+            </a:r>
+            <a:r>
+              <a:rPr lang="fr-FR" dirty="0">
+                <a:solidFill>
+                  <a:schemeClr val="tx1"/>
+                </a:solidFill>
+              </a:rPr>
               <a:t>.</a:t>
             </a:r>
-          </a:p>
-          <a:p>
-            <a:pPr>
-              <a:buFont typeface="Wingdings" panose="05000000000000000000" pitchFamily="2" charset="2"/>
-              <a:buChar char="§"/>
-            </a:pPr>
-            <a:r>
-              <a:rPr lang="en-US" dirty="0"/>
-              <a:t>Data about </a:t>
-            </a:r>
-            <a:r>
-              <a:rPr lang="en-US" dirty="0" smtClean="0"/>
-              <a:t>the </a:t>
-            </a:r>
-            <a:r>
-              <a:rPr lang="en-US" dirty="0"/>
-              <a:t>tracks state.</a:t>
-            </a:r>
-          </a:p>
-          <a:p>
-            <a:pPr marL="0" indent="0">
-              <a:buNone/>
-            </a:pPr>
-            <a:endParaRPr lang="en-US" dirty="0" smtClean="0"/>
-          </a:p>
-          <a:p>
-            <a:pPr marL="0" indent="0">
-              <a:buNone/>
-            </a:pPr>
-            <a:r>
-              <a:rPr lang="en-US" dirty="0" smtClean="0"/>
-              <a:t>However</a:t>
-            </a:r>
-            <a:r>
-              <a:rPr lang="en-US" dirty="0"/>
-              <a:t>, the majority of these datasets don’t have any relevant variables that would allow us to conduct such a study correctly to predict the delays or </a:t>
-            </a:r>
-            <a:r>
-              <a:rPr lang="en-US" dirty="0" smtClean="0"/>
-              <a:t>even to train </a:t>
-            </a:r>
-            <a:r>
-              <a:rPr lang="en-US" dirty="0"/>
-              <a:t>a model for predictive maintenance to avoid these problems.</a:t>
-            </a:r>
+            <a:endParaRPr lang="fr-FR" dirty="0" smtClean="0">
+              <a:solidFill>
+                <a:schemeClr val="tx1"/>
+              </a:solidFill>
+            </a:endParaRPr>
           </a:p>
         </p:txBody>
       </p:sp>
@@ -16885,7 +16855,7 @@
     </p:spTree>
     <p:extLst>
       <p:ext uri="{BB962C8B-B14F-4D97-AF65-F5344CB8AC3E}">
-        <p14:creationId xmlns:p14="http://schemas.microsoft.com/office/powerpoint/2010/main" val="2131458778"/>
+        <p14:creationId xmlns:p14="http://schemas.microsoft.com/office/powerpoint/2010/main" val="719609511"/>
       </p:ext>
     </p:extLst>
   </p:cSld>
@@ -17023,269 +16993,133 @@
           </a:bodyPr>
           <a:lstStyle/>
           <a:p>
+            <a:pPr marL="0" lvl="1" indent="0">
+              <a:buNone/>
+            </a:pPr>
+            <a:r>
+              <a:rPr lang="en-US" sz="1800" dirty="0"/>
+              <a:t>As we saw before, two of the reasons for delays are </a:t>
+            </a:r>
+            <a:r>
+              <a:rPr lang="en-US" sz="1800" b="1" dirty="0" smtClean="0"/>
+              <a:t>Damage </a:t>
+            </a:r>
+            <a:r>
+              <a:rPr lang="en-US" sz="1800" b="1" dirty="0"/>
+              <a:t>rolling </a:t>
+            </a:r>
+            <a:r>
+              <a:rPr lang="en-US" sz="1800" b="1" dirty="0" smtClean="0"/>
+              <a:t>stock </a:t>
+            </a:r>
+            <a:r>
+              <a:rPr lang="fr-FR" sz="1800" dirty="0" smtClean="0"/>
+              <a:t>and </a:t>
+            </a:r>
+            <a:r>
+              <a:rPr lang="fr-FR" sz="1800" b="1" dirty="0" smtClean="0"/>
+              <a:t>Damage </a:t>
+            </a:r>
+            <a:r>
+              <a:rPr lang="fr-FR" sz="1800" b="1" dirty="0" err="1" smtClean="0"/>
+              <a:t>Catenary</a:t>
+            </a:r>
+            <a:r>
+              <a:rPr lang="fr-FR" sz="1800" b="1" dirty="0" smtClean="0"/>
+              <a:t>. </a:t>
+            </a:r>
+            <a:r>
+              <a:rPr lang="en-US" sz="1800" dirty="0"/>
+              <a:t>To prepare a </a:t>
+            </a:r>
+            <a:r>
+              <a:rPr lang="en-US" sz="1800" dirty="0" smtClean="0"/>
+              <a:t>study in this direction, </a:t>
+            </a:r>
+            <a:r>
+              <a:rPr lang="en-US" sz="1800" dirty="0"/>
+              <a:t>we need some data such as:</a:t>
+            </a:r>
+          </a:p>
+          <a:p>
+            <a:pPr>
+              <a:buFont typeface="Wingdings" panose="05000000000000000000" pitchFamily="2" charset="2"/>
+              <a:buChar char="§"/>
+            </a:pPr>
+            <a:r>
+              <a:rPr lang="en-US" dirty="0"/>
+              <a:t>Data about the state of the trains.</a:t>
+            </a:r>
+          </a:p>
+          <a:p>
+            <a:pPr>
+              <a:buFont typeface="Wingdings" panose="05000000000000000000" pitchFamily="2" charset="2"/>
+              <a:buChar char="§"/>
+            </a:pPr>
+            <a:r>
+              <a:rPr lang="en-US" dirty="0"/>
+              <a:t>Data about the catenary </a:t>
+            </a:r>
+            <a:r>
+              <a:rPr lang="en-US" dirty="0" smtClean="0"/>
+              <a:t>state</a:t>
+            </a:r>
+            <a:r>
+              <a:rPr lang="en-US" dirty="0"/>
+              <a:t>.</a:t>
+            </a:r>
+          </a:p>
+          <a:p>
+            <a:pPr>
+              <a:buFont typeface="Wingdings" panose="05000000000000000000" pitchFamily="2" charset="2"/>
+              <a:buChar char="§"/>
+            </a:pPr>
+            <a:r>
+              <a:rPr lang="en-US" dirty="0"/>
+              <a:t>Data about </a:t>
+            </a:r>
+            <a:r>
+              <a:rPr lang="en-US" dirty="0" smtClean="0"/>
+              <a:t>the </a:t>
+            </a:r>
+            <a:r>
+              <a:rPr lang="en-US" dirty="0"/>
+              <a:t>tracks state.</a:t>
+            </a:r>
+          </a:p>
+          <a:p>
             <a:pPr marL="0" indent="0">
               <a:buNone/>
             </a:pPr>
+            <a:endParaRPr lang="en-US" dirty="0" smtClean="0"/>
+          </a:p>
+          <a:p>
+            <a:pPr marL="0" indent="0">
+              <a:buNone/>
+            </a:pPr>
+            <a:r>
+              <a:rPr lang="en-US" dirty="0" smtClean="0"/>
+              <a:t>However</a:t>
+            </a:r>
             <a:r>
               <a:rPr lang="en-US" dirty="0"/>
-              <a:t>As we saw before, </a:t>
+              <a:t>, the majority of these datasets don’t have any relevant variables that would allow us to conduct such a study correctly to predict the delays or </a:t>
             </a:r>
             <a:r>
               <a:rPr lang="en-US" dirty="0" smtClean="0"/>
-              <a:t>there is also </a:t>
-            </a:r>
-            <a:r>
-              <a:rPr lang="fr-FR" b="1" dirty="0" err="1" smtClean="0"/>
-              <a:t>Weather</a:t>
-            </a:r>
-            <a:r>
-              <a:rPr lang="fr-FR" b="1" dirty="0" smtClean="0"/>
-              <a:t> </a:t>
-            </a:r>
-            <a:r>
-              <a:rPr lang="fr-FR" b="1" dirty="0"/>
-              <a:t>conditions </a:t>
+              <a:t>even to train </a:t>
             </a:r>
             <a:r>
               <a:rPr lang="en-US" dirty="0"/>
-              <a:t>reasons for </a:t>
-            </a:r>
-            <a:r>
-              <a:rPr lang="en-US" dirty="0" smtClean="0"/>
-              <a:t>the delays. However, t</a:t>
-            </a:r>
-            <a:r>
-              <a:rPr lang="fr-FR" dirty="0" err="1" smtClean="0"/>
-              <a:t>here</a:t>
-            </a:r>
-            <a:r>
-              <a:rPr lang="fr-FR" dirty="0" smtClean="0"/>
-              <a:t> </a:t>
-            </a:r>
-            <a:r>
-              <a:rPr lang="fr-FR" dirty="0" err="1" smtClean="0"/>
-              <a:t>is</a:t>
-            </a:r>
-            <a:r>
-              <a:rPr lang="fr-FR" dirty="0" smtClean="0"/>
-              <a:t> </a:t>
-            </a:r>
-            <a:r>
-              <a:rPr lang="fr-FR" dirty="0" err="1" smtClean="0"/>
-              <a:t>also</a:t>
-            </a:r>
-            <a:r>
-              <a:rPr lang="fr-FR" dirty="0" smtClean="0"/>
-              <a:t> no data about </a:t>
-            </a:r>
-            <a:r>
-              <a:rPr lang="fr-FR" dirty="0" err="1" smtClean="0"/>
-              <a:t>about</a:t>
-            </a:r>
-            <a:r>
-              <a:rPr lang="fr-FR" dirty="0" smtClean="0"/>
-              <a:t> </a:t>
-            </a:r>
-            <a:r>
-              <a:rPr lang="fr-FR" dirty="0" err="1" smtClean="0"/>
-              <a:t>weather</a:t>
-            </a:r>
-            <a:r>
-              <a:rPr lang="fr-FR" dirty="0" smtClean="0"/>
-              <a:t>. I </a:t>
-            </a:r>
-            <a:r>
-              <a:rPr lang="fr-FR" dirty="0" err="1" smtClean="0"/>
-              <a:t>thought</a:t>
-            </a:r>
-            <a:r>
-              <a:rPr lang="fr-FR" dirty="0" smtClean="0"/>
-              <a:t> to have </a:t>
-            </a:r>
-            <a:r>
-              <a:rPr lang="fr-FR" dirty="0" err="1" smtClean="0"/>
-              <a:t>these</a:t>
-            </a:r>
-            <a:r>
-              <a:rPr lang="fr-FR" dirty="0" smtClean="0"/>
-              <a:t> latter by </a:t>
-            </a:r>
-            <a:r>
-              <a:rPr lang="fr-FR" dirty="0" err="1" smtClean="0"/>
-              <a:t>webscraping</a:t>
-            </a:r>
-            <a:r>
-              <a:rPr lang="fr-FR" dirty="0" smtClean="0"/>
-              <a:t> </a:t>
-            </a:r>
-            <a:r>
-              <a:rPr lang="fr-FR" dirty="0" err="1" smtClean="0"/>
-              <a:t>using</a:t>
-            </a:r>
-            <a:r>
-              <a:rPr lang="fr-FR" dirty="0" smtClean="0"/>
-              <a:t> the open data of: </a:t>
-            </a:r>
-            <a:r>
-              <a:rPr lang="fr-FR" dirty="0">
-                <a:hlinkClick r:id="rId2"/>
-              </a:rPr>
-              <a:t>https://</a:t>
-            </a:r>
-            <a:r>
-              <a:rPr lang="fr-FR" dirty="0" smtClean="0">
-                <a:hlinkClick r:id="rId2"/>
-              </a:rPr>
-              <a:t>opendata.meteo.be/downloadPage.php</a:t>
-            </a:r>
-            <a:endParaRPr lang="fr-FR" dirty="0"/>
-          </a:p>
-          <a:p>
-            <a:pPr marL="0" indent="0">
-              <a:buNone/>
-            </a:pPr>
-            <a:endParaRPr lang="fr-FR" dirty="0" smtClean="0"/>
-          </a:p>
-          <a:p>
-            <a:pPr marL="0" indent="0">
-              <a:buNone/>
-            </a:pPr>
-            <a:r>
-              <a:rPr lang="fr-FR" dirty="0"/>
-              <a:t>I </a:t>
-            </a:r>
-            <a:r>
-              <a:rPr lang="fr-FR" dirty="0" err="1"/>
-              <a:t>found</a:t>
-            </a:r>
-            <a:r>
-              <a:rPr lang="fr-FR" dirty="0"/>
-              <a:t> </a:t>
-            </a:r>
-            <a:r>
-              <a:rPr lang="fr-FR" dirty="0" err="1"/>
-              <a:t>some</a:t>
-            </a:r>
-            <a:r>
-              <a:rPr lang="fr-FR" dirty="0"/>
-              <a:t> </a:t>
-            </a:r>
-            <a:r>
-              <a:rPr lang="fr-FR" dirty="0" err="1"/>
-              <a:t>research</a:t>
-            </a:r>
-            <a:r>
-              <a:rPr lang="fr-FR" dirty="0"/>
-              <a:t> </a:t>
-            </a:r>
-            <a:r>
-              <a:rPr lang="fr-FR" dirty="0" err="1"/>
-              <a:t>papers</a:t>
-            </a:r>
-            <a:r>
-              <a:rPr lang="fr-FR" dirty="0"/>
-              <a:t> </a:t>
-            </a:r>
-            <a:r>
-              <a:rPr lang="fr-FR" dirty="0" err="1"/>
-              <a:t>which</a:t>
-            </a:r>
-            <a:r>
-              <a:rPr lang="fr-FR" dirty="0"/>
-              <a:t> support </a:t>
-            </a:r>
-            <a:r>
-              <a:rPr lang="fr-FR" dirty="0" err="1"/>
-              <a:t>my</a:t>
-            </a:r>
-            <a:r>
-              <a:rPr lang="fr-FR" dirty="0"/>
-              <a:t> </a:t>
-            </a:r>
-            <a:r>
-              <a:rPr lang="fr-FR" dirty="0" err="1"/>
-              <a:t>idea</a:t>
-            </a:r>
-            <a:r>
-              <a:rPr lang="fr-FR" dirty="0"/>
-              <a:t>, </a:t>
-            </a:r>
-            <a:r>
-              <a:rPr lang="fr-FR" dirty="0" err="1"/>
-              <a:t>see</a:t>
-            </a:r>
-            <a:r>
-              <a:rPr lang="fr-FR" dirty="0"/>
-              <a:t> P. </a:t>
-            </a:r>
-            <a:r>
-              <a:rPr lang="fr-FR" dirty="0" err="1"/>
-              <a:t>Lapamonpinyo</a:t>
-            </a:r>
-            <a:r>
-              <a:rPr lang="fr-FR" dirty="0"/>
-              <a:t> et al., </a:t>
+              <a:t>a model for </a:t>
+            </a:r>
+            <a:r>
+              <a:rPr lang="en-US" b="1" dirty="0"/>
+              <a:t>predictive maintenance</a:t>
             </a:r>
             <a:r>
               <a:rPr lang="en-US" dirty="0"/>
-              <a:t>Real-Time Passenger Train Delay Prediction using Machine Learning: A Case Study with Amtrak Passenger Train Routes, 2022, </a:t>
-            </a:r>
-            <a:r>
-              <a:rPr lang="fr-FR" dirty="0" smtClean="0">
-                <a:hlinkClick r:id="rId3" action="ppaction://hlinkfile"/>
-              </a:rPr>
-              <a:t>Click</a:t>
-            </a:r>
-            <a:r>
-              <a:rPr lang="fr-FR" dirty="0" smtClean="0"/>
-              <a:t>. </a:t>
-            </a:r>
-          </a:p>
-          <a:p>
-            <a:pPr marL="0" indent="0">
-              <a:buNone/>
-            </a:pPr>
-            <a:endParaRPr lang="fr-FR" dirty="0"/>
-          </a:p>
-          <a:p>
-            <a:pPr marL="0" indent="0">
-              <a:buNone/>
-            </a:pPr>
-            <a:r>
-              <a:rPr lang="fr-FR" dirty="0" smtClean="0"/>
-              <a:t>The data </a:t>
-            </a:r>
-            <a:r>
-              <a:rPr lang="fr-FR" dirty="0" err="1" smtClean="0"/>
-              <a:t>used</a:t>
-            </a:r>
-            <a:r>
-              <a:rPr lang="fr-FR" dirty="0" smtClean="0"/>
-              <a:t> in the </a:t>
-            </a:r>
-            <a:r>
-              <a:rPr lang="fr-FR" dirty="0" err="1" smtClean="0"/>
-              <a:t>paper</a:t>
-            </a:r>
-            <a:r>
-              <a:rPr lang="fr-FR" dirty="0" smtClean="0"/>
-              <a:t> are </a:t>
-            </a:r>
-            <a:r>
-              <a:rPr lang="fr-FR" dirty="0" err="1" smtClean="0"/>
-              <a:t>given</a:t>
-            </a:r>
-            <a:r>
-              <a:rPr lang="fr-FR" dirty="0" smtClean="0"/>
-              <a:t> in the </a:t>
-            </a:r>
-            <a:r>
-              <a:rPr lang="fr-FR" dirty="0" err="1" smtClean="0"/>
-              <a:t>next</a:t>
-            </a:r>
-            <a:r>
-              <a:rPr lang="fr-FR" dirty="0" smtClean="0"/>
-              <a:t> diapo:</a:t>
+              <a:t> to avoid these problems.</a:t>
             </a:r>
           </a:p>
         </p:txBody>
@@ -17362,7 +17196,7 @@
     </p:spTree>
     <p:extLst>
       <p:ext uri="{BB962C8B-B14F-4D97-AF65-F5344CB8AC3E}">
-        <p14:creationId xmlns:p14="http://schemas.microsoft.com/office/powerpoint/2010/main" val="1496655333"/>
+        <p14:creationId xmlns:p14="http://schemas.microsoft.com/office/powerpoint/2010/main" val="2131458778"/>
       </p:ext>
     </p:extLst>
   </p:cSld>
@@ -17483,6 +17317,500 @@
           </a:p>
         </p:txBody>
       </p:sp>
+      <p:sp>
+        <p:nvSpPr>
+          <p:cNvPr id="3" name="Espace réservé du contenu 2"/>
+          <p:cNvSpPr>
+            <a:spLocks noGrp="1"/>
+          </p:cNvSpPr>
+          <p:nvPr>
+            <p:ph idx="1"/>
+          </p:nvPr>
+        </p:nvSpPr>
+        <p:spPr/>
+        <p:txBody>
+          <a:bodyPr>
+            <a:normAutofit/>
+          </a:bodyPr>
+          <a:lstStyle/>
+          <a:p>
+            <a:pPr marL="0" indent="0">
+              <a:buNone/>
+            </a:pPr>
+            <a:r>
+              <a:rPr lang="en-US" dirty="0" smtClean="0"/>
+              <a:t>As </a:t>
+            </a:r>
+            <a:r>
+              <a:rPr lang="en-US" dirty="0"/>
+              <a:t>we saw before, </a:t>
+            </a:r>
+            <a:r>
+              <a:rPr lang="en-US" dirty="0" smtClean="0"/>
+              <a:t>there is also </a:t>
+            </a:r>
+            <a:r>
+              <a:rPr lang="fr-FR" b="1" dirty="0" err="1" smtClean="0"/>
+              <a:t>Weather</a:t>
+            </a:r>
+            <a:r>
+              <a:rPr lang="fr-FR" b="1" dirty="0" smtClean="0"/>
+              <a:t> </a:t>
+            </a:r>
+            <a:r>
+              <a:rPr lang="fr-FR" b="1" dirty="0"/>
+              <a:t>conditions </a:t>
+            </a:r>
+            <a:r>
+              <a:rPr lang="en-US" dirty="0"/>
+              <a:t>reasons for </a:t>
+            </a:r>
+            <a:r>
+              <a:rPr lang="en-US" dirty="0" smtClean="0"/>
+              <a:t>the delays. However, t</a:t>
+            </a:r>
+            <a:r>
+              <a:rPr lang="fr-FR" dirty="0" err="1" smtClean="0"/>
+              <a:t>here</a:t>
+            </a:r>
+            <a:r>
+              <a:rPr lang="fr-FR" dirty="0" smtClean="0"/>
+              <a:t> </a:t>
+            </a:r>
+            <a:r>
+              <a:rPr lang="fr-FR" dirty="0" err="1" smtClean="0"/>
+              <a:t>is</a:t>
+            </a:r>
+            <a:r>
+              <a:rPr lang="fr-FR" dirty="0" smtClean="0"/>
+              <a:t> </a:t>
+            </a:r>
+            <a:r>
+              <a:rPr lang="fr-FR" dirty="0" err="1" smtClean="0"/>
+              <a:t>also</a:t>
+            </a:r>
+            <a:r>
+              <a:rPr lang="fr-FR" dirty="0" smtClean="0"/>
+              <a:t> no data about </a:t>
+            </a:r>
+            <a:r>
+              <a:rPr lang="fr-FR" dirty="0" err="1" smtClean="0"/>
+              <a:t>about</a:t>
+            </a:r>
+            <a:r>
+              <a:rPr lang="fr-FR" dirty="0" smtClean="0"/>
+              <a:t> </a:t>
+            </a:r>
+            <a:r>
+              <a:rPr lang="fr-FR" dirty="0" err="1" smtClean="0"/>
+              <a:t>weather</a:t>
+            </a:r>
+            <a:r>
+              <a:rPr lang="fr-FR" dirty="0" smtClean="0"/>
+              <a:t>. I </a:t>
+            </a:r>
+            <a:r>
+              <a:rPr lang="fr-FR" dirty="0" err="1" smtClean="0"/>
+              <a:t>thought</a:t>
+            </a:r>
+            <a:r>
+              <a:rPr lang="fr-FR" dirty="0" smtClean="0"/>
+              <a:t> to have </a:t>
+            </a:r>
+            <a:r>
+              <a:rPr lang="fr-FR" dirty="0" err="1" smtClean="0"/>
+              <a:t>these</a:t>
+            </a:r>
+            <a:r>
+              <a:rPr lang="fr-FR" dirty="0" smtClean="0"/>
+              <a:t> latter by </a:t>
+            </a:r>
+            <a:r>
+              <a:rPr lang="fr-FR" dirty="0" err="1" smtClean="0"/>
+              <a:t>webscraping</a:t>
+            </a:r>
+            <a:r>
+              <a:rPr lang="fr-FR" dirty="0" smtClean="0"/>
+              <a:t> or </a:t>
+            </a:r>
+            <a:r>
+              <a:rPr lang="fr-FR" dirty="0" err="1" smtClean="0"/>
+              <a:t>using</a:t>
+            </a:r>
+            <a:r>
+              <a:rPr lang="fr-FR" dirty="0" smtClean="0"/>
+              <a:t> the open data of: </a:t>
+            </a:r>
+            <a:r>
+              <a:rPr lang="fr-FR" dirty="0">
+                <a:hlinkClick r:id="rId2"/>
+              </a:rPr>
+              <a:t>https://</a:t>
+            </a:r>
+            <a:r>
+              <a:rPr lang="fr-FR" dirty="0" smtClean="0">
+                <a:hlinkClick r:id="rId2"/>
+              </a:rPr>
+              <a:t>opendata.meteo.be/downloadPage.php</a:t>
+            </a:r>
+            <a:endParaRPr lang="fr-FR" dirty="0" smtClean="0"/>
+          </a:p>
+          <a:p>
+            <a:pPr marL="0" indent="0">
+              <a:buNone/>
+            </a:pPr>
+            <a:endParaRPr lang="fr-FR" dirty="0" smtClean="0"/>
+          </a:p>
+          <a:p>
+            <a:pPr marL="0" indent="0">
+              <a:buNone/>
+            </a:pPr>
+            <a:r>
+              <a:rPr lang="fr-FR" dirty="0" smtClean="0"/>
+              <a:t>I </a:t>
+            </a:r>
+            <a:r>
+              <a:rPr lang="fr-FR" dirty="0" err="1"/>
+              <a:t>found</a:t>
+            </a:r>
+            <a:r>
+              <a:rPr lang="fr-FR" dirty="0"/>
+              <a:t> </a:t>
+            </a:r>
+            <a:r>
+              <a:rPr lang="fr-FR" dirty="0" err="1"/>
+              <a:t>some</a:t>
+            </a:r>
+            <a:r>
+              <a:rPr lang="fr-FR" dirty="0"/>
+              <a:t> </a:t>
+            </a:r>
+            <a:r>
+              <a:rPr lang="fr-FR" dirty="0" err="1"/>
+              <a:t>research</a:t>
+            </a:r>
+            <a:r>
+              <a:rPr lang="fr-FR" dirty="0"/>
+              <a:t> </a:t>
+            </a:r>
+            <a:r>
+              <a:rPr lang="fr-FR" dirty="0" err="1"/>
+              <a:t>papers</a:t>
+            </a:r>
+            <a:r>
+              <a:rPr lang="fr-FR" dirty="0"/>
+              <a:t> </a:t>
+            </a:r>
+            <a:r>
+              <a:rPr lang="fr-FR" dirty="0" err="1"/>
+              <a:t>which</a:t>
+            </a:r>
+            <a:r>
+              <a:rPr lang="fr-FR" dirty="0"/>
+              <a:t> support </a:t>
+            </a:r>
+            <a:r>
+              <a:rPr lang="fr-FR" dirty="0" err="1"/>
+              <a:t>my</a:t>
+            </a:r>
+            <a:r>
+              <a:rPr lang="fr-FR" dirty="0"/>
+              <a:t> </a:t>
+            </a:r>
+            <a:r>
+              <a:rPr lang="fr-FR" dirty="0" err="1"/>
+              <a:t>idea</a:t>
+            </a:r>
+            <a:r>
+              <a:rPr lang="fr-FR" dirty="0"/>
+              <a:t>, </a:t>
+            </a:r>
+            <a:r>
+              <a:rPr lang="fr-FR" dirty="0" err="1" smtClean="0"/>
+              <a:t>such</a:t>
+            </a:r>
+            <a:r>
+              <a:rPr lang="fr-FR" dirty="0" smtClean="0"/>
+              <a:t> as </a:t>
+            </a:r>
+            <a:r>
+              <a:rPr lang="fr-FR" dirty="0"/>
+              <a:t>P. </a:t>
+            </a:r>
+            <a:r>
+              <a:rPr lang="fr-FR" dirty="0" err="1"/>
+              <a:t>Lapamonpinyo</a:t>
+            </a:r>
+            <a:r>
+              <a:rPr lang="fr-FR" dirty="0"/>
+              <a:t> et al., </a:t>
+            </a:r>
+            <a:r>
+              <a:rPr lang="en-US" dirty="0"/>
+              <a:t>Real-Time Passenger Train Delay Prediction using Machine Learning: A Case Study with Amtrak Passenger Train Routes, 2022, </a:t>
+            </a:r>
+            <a:r>
+              <a:rPr lang="fr-FR" dirty="0" smtClean="0">
+                <a:hlinkClick r:id="rId3" action="ppaction://hlinkfile"/>
+              </a:rPr>
+              <a:t>Click</a:t>
+            </a:r>
+            <a:r>
+              <a:rPr lang="fr-FR" dirty="0" smtClean="0"/>
+              <a:t>. </a:t>
+            </a:r>
+          </a:p>
+          <a:p>
+            <a:pPr marL="0" indent="0">
+              <a:buNone/>
+            </a:pPr>
+            <a:endParaRPr lang="fr-FR" dirty="0" smtClean="0"/>
+          </a:p>
+          <a:p>
+            <a:pPr marL="0" indent="0">
+              <a:buNone/>
+            </a:pPr>
+            <a:r>
+              <a:rPr lang="fr-FR" dirty="0" smtClean="0"/>
+              <a:t>The data </a:t>
+            </a:r>
+            <a:r>
+              <a:rPr lang="fr-FR" dirty="0" err="1" smtClean="0"/>
+              <a:t>used</a:t>
+            </a:r>
+            <a:r>
+              <a:rPr lang="fr-FR" dirty="0" smtClean="0"/>
+              <a:t> in </a:t>
+            </a:r>
+            <a:r>
+              <a:rPr lang="fr-FR" dirty="0" err="1" smtClean="0"/>
+              <a:t>this</a:t>
+            </a:r>
+            <a:r>
+              <a:rPr lang="fr-FR" dirty="0" smtClean="0"/>
+              <a:t> </a:t>
+            </a:r>
+            <a:r>
+              <a:rPr lang="fr-FR" dirty="0" err="1" smtClean="0"/>
+              <a:t>paper</a:t>
+            </a:r>
+            <a:r>
+              <a:rPr lang="fr-FR" dirty="0" smtClean="0"/>
+              <a:t> are </a:t>
+            </a:r>
+            <a:r>
+              <a:rPr lang="fr-FR" dirty="0" err="1" smtClean="0"/>
+              <a:t>given</a:t>
+            </a:r>
+            <a:r>
+              <a:rPr lang="fr-FR" dirty="0" smtClean="0"/>
+              <a:t> in the </a:t>
+            </a:r>
+            <a:r>
+              <a:rPr lang="fr-FR" dirty="0" err="1" smtClean="0"/>
+              <a:t>next</a:t>
+            </a:r>
+            <a:r>
+              <a:rPr lang="fr-FR" dirty="0" smtClean="0"/>
+              <a:t> diapo:</a:t>
+            </a:r>
+            <a:endParaRPr lang="fr-FR" dirty="0" smtClean="0"/>
+          </a:p>
+        </p:txBody>
+      </p:sp>
+      <p:sp>
+        <p:nvSpPr>
+          <p:cNvPr id="4" name="Espace réservé de la date 3"/>
+          <p:cNvSpPr>
+            <a:spLocks noGrp="1"/>
+          </p:cNvSpPr>
+          <p:nvPr>
+            <p:ph type="dt" sz="half" idx="10"/>
+          </p:nvPr>
+        </p:nvSpPr>
+        <p:spPr/>
+        <p:txBody>
+          <a:bodyPr/>
+          <a:lstStyle/>
+          <a:p>
+            <a:r>
+              <a:rPr lang="fr-FR" smtClean="0"/>
+              <a:t>25/06/2024</a:t>
+            </a:r>
+            <a:endParaRPr lang="fr-FR" dirty="0"/>
+          </a:p>
+        </p:txBody>
+      </p:sp>
+      <p:sp>
+        <p:nvSpPr>
+          <p:cNvPr id="5" name="Espace réservé du pied de page 4"/>
+          <p:cNvSpPr>
+            <a:spLocks noGrp="1"/>
+          </p:cNvSpPr>
+          <p:nvPr>
+            <p:ph type="ftr" sz="quarter" idx="11"/>
+          </p:nvPr>
+        </p:nvSpPr>
+        <p:spPr/>
+        <p:txBody>
+          <a:bodyPr/>
+          <a:lstStyle/>
+          <a:p>
+            <a:r>
+              <a:rPr lang="en-US" smtClean="0"/>
+              <a:t>Test Data Scientist: Yassine ZAIM</a:t>
+            </a:r>
+            <a:endParaRPr lang="fr-FR" dirty="0"/>
+          </a:p>
+        </p:txBody>
+      </p:sp>
+      <p:sp>
+        <p:nvSpPr>
+          <p:cNvPr id="6" name="Espace réservé du numéro de diapositive 5"/>
+          <p:cNvSpPr>
+            <a:spLocks noGrp="1"/>
+          </p:cNvSpPr>
+          <p:nvPr>
+            <p:ph type="sldNum" sz="quarter" idx="12"/>
+          </p:nvPr>
+        </p:nvSpPr>
+        <p:spPr/>
+        <p:txBody>
+          <a:bodyPr/>
+          <a:lstStyle/>
+          <a:p>
+            <a:fld id="{52EE442E-AFCB-49D7-8681-F3FF55F34AB9}" type="slidenum">
+              <a:rPr lang="fr-FR" smtClean="0"/>
+              <a:t>15</a:t>
+            </a:fld>
+            <a:endParaRPr lang="fr-FR" dirty="0"/>
+          </a:p>
+        </p:txBody>
+      </p:sp>
+    </p:spTree>
+    <p:extLst>
+      <p:ext uri="{BB962C8B-B14F-4D97-AF65-F5344CB8AC3E}">
+        <p14:creationId xmlns:p14="http://schemas.microsoft.com/office/powerpoint/2010/main" val="1496655333"/>
+      </p:ext>
+    </p:extLst>
+  </p:cSld>
+  <p:clrMapOvr>
+    <a:masterClrMapping/>
+  </p:clrMapOvr>
+  <p:timing>
+    <p:tnLst>
+      <p:par>
+        <p:cTn id="1" dur="indefinite" restart="never" nodeType="tmRoot"/>
+      </p:par>
+    </p:tnLst>
+  </p:timing>
+</p:sld>
+</file>
+
+<file path=ppt/slides/slide16.xml><?xml version="1.0" encoding="utf-8"?>
+<p:sld xmlns:a="http://schemas.openxmlformats.org/drawingml/2006/main" xmlns:r="http://schemas.openxmlformats.org/officeDocument/2006/relationships" xmlns:p="http://schemas.openxmlformats.org/presentationml/2006/main">
+  <p:cSld>
+    <p:spTree>
+      <p:nvGrpSpPr>
+        <p:cNvPr id="1" name=""/>
+        <p:cNvGrpSpPr/>
+        <p:nvPr/>
+      </p:nvGrpSpPr>
+      <p:grpSpPr>
+        <a:xfrm>
+          <a:off x="0" y="0"/>
+          <a:ext cx="0" cy="0"/>
+          <a:chOff x="0" y="0"/>
+          <a:chExt cx="0" cy="0"/>
+        </a:xfrm>
+      </p:grpSpPr>
+      <p:sp>
+        <p:nvSpPr>
+          <p:cNvPr id="2" name="Titre 1"/>
+          <p:cNvSpPr>
+            <a:spLocks noGrp="1"/>
+          </p:cNvSpPr>
+          <p:nvPr>
+            <p:ph type="title"/>
+          </p:nvPr>
+        </p:nvSpPr>
+        <p:spPr>
+          <a:xfrm>
+            <a:off x="1016408" y="632279"/>
+            <a:ext cx="9059577" cy="1565797"/>
+          </a:xfrm>
+        </p:spPr>
+        <p:txBody>
+          <a:bodyPr/>
+          <a:lstStyle/>
+          <a:p>
+            <a:r>
+              <a:rPr lang="fr-FR" altLang="fr-FR" sz="3200" dirty="0"/>
+              <a:t>A data-</a:t>
+            </a:r>
+            <a:r>
+              <a:rPr lang="fr-FR" altLang="fr-FR" sz="3200" dirty="0" err="1"/>
+              <a:t>driven</a:t>
+            </a:r>
+            <a:r>
+              <a:rPr lang="fr-FR" altLang="fr-FR" sz="3200" dirty="0"/>
+              <a:t> </a:t>
+            </a:r>
+            <a:r>
+              <a:rPr lang="fr-FR" altLang="fr-FR" sz="3200" dirty="0" err="1"/>
+              <a:t>approach</a:t>
+            </a:r>
+            <a:r>
+              <a:rPr lang="fr-FR" altLang="fr-FR" sz="3200" dirty="0"/>
+              <a:t> to </a:t>
+            </a:r>
+            <a:r>
+              <a:rPr lang="fr-FR" altLang="fr-FR" sz="3200" dirty="0" err="1"/>
+              <a:t>reduce</a:t>
+            </a:r>
+            <a:r>
+              <a:rPr lang="fr-FR" altLang="fr-FR" sz="3200" dirty="0"/>
+              <a:t> the train </a:t>
+            </a:r>
+            <a:r>
+              <a:rPr lang="fr-FR" altLang="fr-FR" sz="3200" dirty="0" err="1"/>
+              <a:t>delays</a:t>
+            </a:r>
+            <a:r>
+              <a:rPr lang="fr-FR" altLang="fr-FR" sz="3200" dirty="0"/>
+              <a:t> and </a:t>
+            </a:r>
+            <a:r>
+              <a:rPr lang="fr-FR" altLang="fr-FR" sz="3200" dirty="0" err="1"/>
+              <a:t>improve</a:t>
+            </a:r>
+            <a:r>
+              <a:rPr lang="fr-FR" altLang="fr-FR" sz="3200" dirty="0"/>
+              <a:t> </a:t>
+            </a:r>
+            <a:r>
+              <a:rPr lang="fr-FR" altLang="fr-FR" sz="3200" dirty="0" err="1"/>
+              <a:t>punctuality</a:t>
+            </a:r>
+            <a:r>
+              <a:rPr lang="fr-FR" altLang="fr-FR" sz="3200" dirty="0"/>
+              <a:t> in </a:t>
+            </a:r>
+            <a:r>
+              <a:rPr lang="fr-FR" altLang="fr-FR" sz="3200" dirty="0" err="1"/>
+              <a:t>Belgium</a:t>
+            </a:r>
+            <a:r>
+              <a:rPr lang="fr-FR" altLang="fr-FR" sz="3200" dirty="0"/>
+              <a:t>.</a:t>
+            </a:r>
+            <a:br>
+              <a:rPr lang="fr-FR" altLang="fr-FR" sz="3200" dirty="0"/>
+            </a:br>
+            <a:endParaRPr lang="fr-FR" sz="3200" dirty="0"/>
+          </a:p>
+        </p:txBody>
+      </p:sp>
       <p:pic>
         <p:nvPicPr>
           <p:cNvPr id="7" name="Espace réservé du contenu 6"/>
@@ -17572,7 +17900,7 @@
           <a:p>
             <a:fld id="{52EE442E-AFCB-49D7-8681-F3FF55F34AB9}" type="slidenum">
               <a:rPr lang="fr-FR" smtClean="0"/>
-              <a:t>15</a:t>
+              <a:t>16</a:t>
             </a:fld>
             <a:endParaRPr lang="fr-FR" dirty="0"/>
           </a:p>
@@ -17646,7 +17974,7 @@
 </p:sld>
 </file>
 
-<file path=ppt/slides/slide16.xml><?xml version="1.0" encoding="utf-8"?>
+<file path=ppt/slides/slide17.xml><?xml version="1.0" encoding="utf-8"?>
 <p:sld xmlns:a="http://schemas.openxmlformats.org/drawingml/2006/main" xmlns:r="http://schemas.openxmlformats.org/officeDocument/2006/relationships" xmlns:p="http://schemas.openxmlformats.org/presentationml/2006/main">
   <p:cSld>
     <p:spTree>
@@ -17858,7 +18186,7 @@
           <a:p>
             <a:fld id="{52EE442E-AFCB-49D7-8681-F3FF55F34AB9}" type="slidenum">
               <a:rPr lang="fr-FR" smtClean="0"/>
-              <a:t>16</a:t>
+              <a:t>17</a:t>
             </a:fld>
             <a:endParaRPr lang="fr-FR" dirty="0"/>
           </a:p>
@@ -17956,7 +18284,7 @@
 </p:sld>
 </file>
 
-<file path=ppt/slides/slide17.xml><?xml version="1.0" encoding="utf-8"?>
+<file path=ppt/slides/slide18.xml><?xml version="1.0" encoding="utf-8"?>
 <p:sld xmlns:a="http://schemas.openxmlformats.org/drawingml/2006/main" xmlns:r="http://schemas.openxmlformats.org/officeDocument/2006/relationships" xmlns:p="http://schemas.openxmlformats.org/presentationml/2006/main">
   <p:cSld>
     <p:spTree>
@@ -18123,7 +18451,7 @@
           <a:p>
             <a:fld id="{52EE442E-AFCB-49D7-8681-F3FF55F34AB9}" type="slidenum">
               <a:rPr lang="fr-FR" smtClean="0"/>
-              <a:t>17</a:t>
+              <a:t>18</a:t>
             </a:fld>
             <a:endParaRPr lang="fr-FR" dirty="0"/>
           </a:p>
@@ -18280,469 +18608,6 @@
     <p:extLst>
       <p:ext uri="{BB962C8B-B14F-4D97-AF65-F5344CB8AC3E}">
         <p14:creationId xmlns:p14="http://schemas.microsoft.com/office/powerpoint/2010/main" val="4277388711"/>
-      </p:ext>
-    </p:extLst>
-  </p:cSld>
-  <p:clrMapOvr>
-    <a:masterClrMapping/>
-  </p:clrMapOvr>
-  <p:timing>
-    <p:tnLst>
-      <p:par>
-        <p:cTn id="1" dur="indefinite" restart="never" nodeType="tmRoot"/>
-      </p:par>
-    </p:tnLst>
-  </p:timing>
-</p:sld>
-</file>
-
-<file path=ppt/slides/slide18.xml><?xml version="1.0" encoding="utf-8"?>
-<p:sld xmlns:a="http://schemas.openxmlformats.org/drawingml/2006/main" xmlns:r="http://schemas.openxmlformats.org/officeDocument/2006/relationships" xmlns:p="http://schemas.openxmlformats.org/presentationml/2006/main">
-  <p:cSld>
-    <p:spTree>
-      <p:nvGrpSpPr>
-        <p:cNvPr id="1" name=""/>
-        <p:cNvGrpSpPr/>
-        <p:nvPr/>
-      </p:nvGrpSpPr>
-      <p:grpSpPr>
-        <a:xfrm>
-          <a:off x="0" y="0"/>
-          <a:ext cx="0" cy="0"/>
-          <a:chOff x="0" y="0"/>
-          <a:chExt cx="0" cy="0"/>
-        </a:xfrm>
-      </p:grpSpPr>
-      <p:sp>
-        <p:nvSpPr>
-          <p:cNvPr id="2" name="Titre 1"/>
-          <p:cNvSpPr>
-            <a:spLocks noGrp="1"/>
-          </p:cNvSpPr>
-          <p:nvPr>
-            <p:ph type="title"/>
-          </p:nvPr>
-        </p:nvSpPr>
-        <p:spPr>
-          <a:xfrm>
-            <a:off x="1016408" y="632279"/>
-            <a:ext cx="9059577" cy="1565797"/>
-          </a:xfrm>
-        </p:spPr>
-        <p:txBody>
-          <a:bodyPr/>
-          <a:lstStyle/>
-          <a:p>
-            <a:r>
-              <a:rPr lang="fr-FR" altLang="fr-FR" sz="3200" dirty="0"/>
-              <a:t>A data-</a:t>
-            </a:r>
-            <a:r>
-              <a:rPr lang="fr-FR" altLang="fr-FR" sz="3200" dirty="0" err="1"/>
-              <a:t>driven</a:t>
-            </a:r>
-            <a:r>
-              <a:rPr lang="fr-FR" altLang="fr-FR" sz="3200" dirty="0"/>
-              <a:t> </a:t>
-            </a:r>
-            <a:r>
-              <a:rPr lang="fr-FR" altLang="fr-FR" sz="3200" dirty="0" err="1"/>
-              <a:t>approach</a:t>
-            </a:r>
-            <a:r>
-              <a:rPr lang="fr-FR" altLang="fr-FR" sz="3200" dirty="0"/>
-              <a:t> to </a:t>
-            </a:r>
-            <a:r>
-              <a:rPr lang="fr-FR" altLang="fr-FR" sz="3200" dirty="0" err="1"/>
-              <a:t>reduce</a:t>
-            </a:r>
-            <a:r>
-              <a:rPr lang="fr-FR" altLang="fr-FR" sz="3200" dirty="0"/>
-              <a:t> the train </a:t>
-            </a:r>
-            <a:r>
-              <a:rPr lang="fr-FR" altLang="fr-FR" sz="3200" dirty="0" err="1"/>
-              <a:t>delays</a:t>
-            </a:r>
-            <a:r>
-              <a:rPr lang="fr-FR" altLang="fr-FR" sz="3200" dirty="0"/>
-              <a:t> and </a:t>
-            </a:r>
-            <a:r>
-              <a:rPr lang="fr-FR" altLang="fr-FR" sz="3200" dirty="0" err="1"/>
-              <a:t>improve</a:t>
-            </a:r>
-            <a:r>
-              <a:rPr lang="fr-FR" altLang="fr-FR" sz="3200" dirty="0"/>
-              <a:t> </a:t>
-            </a:r>
-            <a:r>
-              <a:rPr lang="fr-FR" altLang="fr-FR" sz="3200" dirty="0" err="1"/>
-              <a:t>punctuality</a:t>
-            </a:r>
-            <a:r>
-              <a:rPr lang="fr-FR" altLang="fr-FR" sz="3200" dirty="0"/>
-              <a:t> in </a:t>
-            </a:r>
-            <a:r>
-              <a:rPr lang="fr-FR" altLang="fr-FR" sz="3200" dirty="0" err="1"/>
-              <a:t>Belgium</a:t>
-            </a:r>
-            <a:r>
-              <a:rPr lang="fr-FR" altLang="fr-FR" sz="3200" dirty="0"/>
-              <a:t>.</a:t>
-            </a:r>
-            <a:br>
-              <a:rPr lang="fr-FR" altLang="fr-FR" sz="3200" dirty="0"/>
-            </a:br>
-            <a:endParaRPr lang="fr-FR" sz="3200" dirty="0"/>
-          </a:p>
-        </p:txBody>
-      </p:sp>
-      <p:sp>
-        <p:nvSpPr>
-          <p:cNvPr id="4" name="Espace réservé de la date 3"/>
-          <p:cNvSpPr>
-            <a:spLocks noGrp="1"/>
-          </p:cNvSpPr>
-          <p:nvPr>
-            <p:ph type="dt" sz="half" idx="10"/>
-          </p:nvPr>
-        </p:nvSpPr>
-        <p:spPr/>
-        <p:txBody>
-          <a:bodyPr/>
-          <a:lstStyle/>
-          <a:p>
-            <a:r>
-              <a:rPr lang="fr-FR" smtClean="0"/>
-              <a:t>25/06/2024</a:t>
-            </a:r>
-            <a:endParaRPr lang="fr-FR" dirty="0"/>
-          </a:p>
-        </p:txBody>
-      </p:sp>
-      <p:sp>
-        <p:nvSpPr>
-          <p:cNvPr id="5" name="Espace réservé du pied de page 4"/>
-          <p:cNvSpPr>
-            <a:spLocks noGrp="1"/>
-          </p:cNvSpPr>
-          <p:nvPr>
-            <p:ph type="ftr" sz="quarter" idx="11"/>
-          </p:nvPr>
-        </p:nvSpPr>
-        <p:spPr/>
-        <p:txBody>
-          <a:bodyPr/>
-          <a:lstStyle/>
-          <a:p>
-            <a:r>
-              <a:rPr lang="en-US" smtClean="0"/>
-              <a:t>Test Data Scientist: Yassine ZAIM</a:t>
-            </a:r>
-            <a:endParaRPr lang="fr-FR" dirty="0"/>
-          </a:p>
-        </p:txBody>
-      </p:sp>
-      <p:sp>
-        <p:nvSpPr>
-          <p:cNvPr id="6" name="Espace réservé du numéro de diapositive 5"/>
-          <p:cNvSpPr>
-            <a:spLocks noGrp="1"/>
-          </p:cNvSpPr>
-          <p:nvPr>
-            <p:ph type="sldNum" sz="quarter" idx="12"/>
-          </p:nvPr>
-        </p:nvSpPr>
-        <p:spPr/>
-        <p:txBody>
-          <a:bodyPr/>
-          <a:lstStyle/>
-          <a:p>
-            <a:fld id="{52EE442E-AFCB-49D7-8681-F3FF55F34AB9}" type="slidenum">
-              <a:rPr lang="fr-FR" smtClean="0"/>
-              <a:t>18</a:t>
-            </a:fld>
-            <a:endParaRPr lang="fr-FR" dirty="0"/>
-          </a:p>
-        </p:txBody>
-      </p:sp>
-      <p:pic>
-        <p:nvPicPr>
-          <p:cNvPr id="9" name="Espace réservé du contenu 8"/>
-          <p:cNvPicPr>
-            <a:picLocks noGrp="1" noChangeAspect="1"/>
-          </p:cNvPicPr>
-          <p:nvPr>
-            <p:ph idx="1"/>
-          </p:nvPr>
-        </p:nvPicPr>
-        <p:blipFill>
-          <a:blip r:embed="rId2"/>
-          <a:stretch>
-            <a:fillRect/>
-          </a:stretch>
-        </p:blipFill>
-        <p:spPr>
-          <a:xfrm>
-            <a:off x="3297115" y="2265212"/>
-            <a:ext cx="8212015" cy="4142344"/>
-          </a:xfrm>
-          <a:prstGeom prst="rect">
-            <a:avLst/>
-          </a:prstGeom>
-        </p:spPr>
-      </p:pic>
-      <p:sp>
-        <p:nvSpPr>
-          <p:cNvPr id="10" name="ZoneTexte 9"/>
-          <p:cNvSpPr txBox="1"/>
-          <p:nvPr/>
-        </p:nvSpPr>
-        <p:spPr>
-          <a:xfrm>
-            <a:off x="185535" y="2459958"/>
-            <a:ext cx="3111580" cy="3785652"/>
-          </a:xfrm>
-          <a:prstGeom prst="rect">
-            <a:avLst/>
-          </a:prstGeom>
-          <a:noFill/>
-        </p:spPr>
-        <p:txBody>
-          <a:bodyPr wrap="square" rtlCol="0">
-            <a:spAutoFit/>
-          </a:bodyPr>
-          <a:lstStyle/>
-          <a:p>
-            <a:r>
-              <a:rPr lang="en-US" sz="1600" dirty="0" smtClean="0">
-                <a:solidFill>
-                  <a:schemeClr val="tx1">
-                    <a:lumMod val="75000"/>
-                    <a:lumOff val="25000"/>
-                  </a:schemeClr>
-                </a:solidFill>
-              </a:rPr>
-              <a:t>To add </a:t>
-            </a:r>
-            <a:r>
-              <a:rPr lang="en-US" sz="1600" dirty="0">
-                <a:solidFill>
-                  <a:schemeClr val="tx1">
-                    <a:lumMod val="75000"/>
-                    <a:lumOff val="25000"/>
-                  </a:schemeClr>
-                </a:solidFill>
-              </a:rPr>
-              <a:t>the </a:t>
-            </a:r>
-            <a:r>
-              <a:rPr lang="en-US" sz="1600" dirty="0" smtClean="0">
-                <a:solidFill>
-                  <a:schemeClr val="tx1">
-                    <a:lumMod val="75000"/>
-                    <a:lumOff val="25000"/>
-                  </a:schemeClr>
-                </a:solidFill>
-              </a:rPr>
-              <a:t>weather data</a:t>
-            </a:r>
-            <a:r>
-              <a:rPr lang="en-US" sz="1600" b="1" dirty="0" smtClean="0">
-                <a:solidFill>
-                  <a:schemeClr val="tx1">
-                    <a:lumMod val="75000"/>
-                    <a:lumOff val="25000"/>
-                  </a:schemeClr>
-                </a:solidFill>
-              </a:rPr>
-              <a:t>, </a:t>
-            </a:r>
-            <a:r>
-              <a:rPr lang="en-US" sz="1600" dirty="0" smtClean="0">
-                <a:solidFill>
-                  <a:schemeClr val="tx1">
-                    <a:lumMod val="75000"/>
-                    <a:lumOff val="25000"/>
-                  </a:schemeClr>
-                </a:solidFill>
-              </a:rPr>
-              <a:t>I tried to match between </a:t>
-            </a:r>
-            <a:r>
-              <a:rPr lang="en-US" sz="1600" dirty="0" err="1" smtClean="0">
-                <a:solidFill>
-                  <a:schemeClr val="tx1">
-                    <a:lumMod val="75000"/>
-                    <a:lumOff val="25000"/>
-                  </a:schemeClr>
-                </a:solidFill>
-              </a:rPr>
-              <a:t>geolocalisation</a:t>
-            </a:r>
-            <a:r>
-              <a:rPr lang="en-US" sz="1600" dirty="0" smtClean="0">
-                <a:solidFill>
-                  <a:schemeClr val="tx1">
-                    <a:lumMod val="75000"/>
-                    <a:lumOff val="25000"/>
-                  </a:schemeClr>
-                </a:solidFill>
-              </a:rPr>
-              <a:t> points to join the right weather data to the right station. However, when I tried to match the </a:t>
-            </a:r>
-            <a:r>
-              <a:rPr lang="en-US" sz="1600" dirty="0" err="1" smtClean="0">
-                <a:solidFill>
-                  <a:schemeClr val="tx1">
-                    <a:lumMod val="75000"/>
-                    <a:lumOff val="25000"/>
-                  </a:schemeClr>
-                </a:solidFill>
-              </a:rPr>
-              <a:t>geolocalisation</a:t>
-            </a:r>
-            <a:r>
-              <a:rPr lang="en-US" sz="1600" dirty="0" smtClean="0">
-                <a:solidFill>
-                  <a:schemeClr val="tx1">
-                    <a:lumMod val="75000"/>
-                    <a:lumOff val="25000"/>
-                  </a:schemeClr>
-                </a:solidFill>
-              </a:rPr>
-              <a:t> points, I didn’t find any </a:t>
-            </a:r>
-            <a:r>
-              <a:rPr lang="en-US" sz="1600" dirty="0" err="1" smtClean="0">
-                <a:solidFill>
-                  <a:schemeClr val="tx1">
-                    <a:lumMod val="75000"/>
-                    <a:lumOff val="25000"/>
-                  </a:schemeClr>
-                </a:solidFill>
-              </a:rPr>
-              <a:t>commun</a:t>
-            </a:r>
-            <a:r>
-              <a:rPr lang="en-US" sz="1600" dirty="0" smtClean="0">
-                <a:solidFill>
-                  <a:schemeClr val="tx1">
-                    <a:lumMod val="75000"/>
-                    <a:lumOff val="25000"/>
-                  </a:schemeClr>
-                </a:solidFill>
-              </a:rPr>
-              <a:t> </a:t>
-            </a:r>
-            <a:r>
-              <a:rPr lang="en-US" sz="1600" dirty="0" err="1" smtClean="0">
-                <a:solidFill>
-                  <a:schemeClr val="tx1">
-                    <a:lumMod val="75000"/>
-                    <a:lumOff val="25000"/>
-                  </a:schemeClr>
-                </a:solidFill>
-              </a:rPr>
-              <a:t>commun</a:t>
-            </a:r>
-            <a:r>
-              <a:rPr lang="en-US" sz="1600" dirty="0" smtClean="0">
-                <a:solidFill>
-                  <a:schemeClr val="tx1">
-                    <a:lumMod val="75000"/>
-                    <a:lumOff val="25000"/>
-                  </a:schemeClr>
-                </a:solidFill>
-              </a:rPr>
-              <a:t> points between the </a:t>
-            </a:r>
-            <a:r>
-              <a:rPr lang="en-US" sz="1600" b="1" dirty="0" smtClean="0">
-                <a:solidFill>
-                  <a:schemeClr val="tx1">
-                    <a:lumMod val="75000"/>
-                    <a:lumOff val="25000"/>
-                  </a:schemeClr>
-                </a:solidFill>
-              </a:rPr>
-              <a:t>weather data </a:t>
-            </a:r>
-            <a:r>
-              <a:rPr lang="en-US" sz="1600" dirty="0" smtClean="0">
-                <a:solidFill>
-                  <a:schemeClr val="tx1">
-                    <a:lumMod val="75000"/>
-                    <a:lumOff val="25000"/>
-                  </a:schemeClr>
-                </a:solidFill>
-              </a:rPr>
-              <a:t>and </a:t>
-            </a:r>
-            <a:r>
-              <a:rPr lang="en-US" sz="1600" b="1" dirty="0" smtClean="0">
-                <a:solidFill>
-                  <a:schemeClr val="tx1">
-                    <a:lumMod val="75000"/>
-                    <a:lumOff val="25000"/>
-                  </a:schemeClr>
-                </a:solidFill>
-              </a:rPr>
-              <a:t>distances data from station to station</a:t>
-            </a:r>
-            <a:r>
-              <a:rPr lang="en-US" sz="1600" dirty="0" smtClean="0">
-                <a:solidFill>
-                  <a:schemeClr val="tx1">
-                    <a:lumMod val="75000"/>
-                    <a:lumOff val="25000"/>
-                  </a:schemeClr>
-                </a:solidFill>
-              </a:rPr>
-              <a:t>. It will be appropriate to find some threshold to do that but it will be not easy to be accurate.</a:t>
-            </a:r>
-            <a:endParaRPr lang="fr-FR" sz="1600" dirty="0">
-              <a:solidFill>
-                <a:schemeClr val="tx1">
-                  <a:lumMod val="75000"/>
-                  <a:lumOff val="25000"/>
-                </a:schemeClr>
-              </a:solidFill>
-            </a:endParaRPr>
-          </a:p>
-        </p:txBody>
-      </p:sp>
-      <p:pic>
-        <p:nvPicPr>
-          <p:cNvPr id="11" name="Image 10"/>
-          <p:cNvPicPr>
-            <a:picLocks noChangeAspect="1"/>
-          </p:cNvPicPr>
-          <p:nvPr/>
-        </p:nvPicPr>
-        <p:blipFill>
-          <a:blip r:embed="rId3"/>
-          <a:stretch>
-            <a:fillRect/>
-          </a:stretch>
-        </p:blipFill>
-        <p:spPr>
-          <a:xfrm>
-            <a:off x="3297115" y="6128446"/>
-            <a:ext cx="8212015" cy="396274"/>
-          </a:xfrm>
-          <a:prstGeom prst="rect">
-            <a:avLst/>
-          </a:prstGeom>
-        </p:spPr>
-      </p:pic>
-    </p:spTree>
-    <p:extLst>
-      <p:ext uri="{BB962C8B-B14F-4D97-AF65-F5344CB8AC3E}">
-        <p14:creationId xmlns:p14="http://schemas.microsoft.com/office/powerpoint/2010/main" val="3732348006"/>
       </p:ext>
     </p:extLst>
   </p:cSld>
@@ -18932,212 +18797,280 @@
           </a:p>
         </p:txBody>
       </p:sp>
-      <p:sp>
-        <p:nvSpPr>
-          <p:cNvPr id="7" name="Espace réservé du contenu 6"/>
-          <p:cNvSpPr>
-            <a:spLocks noGrp="1"/>
-          </p:cNvSpPr>
+      <p:pic>
+        <p:nvPicPr>
+          <p:cNvPr id="9" name="Espace réservé du contenu 8"/>
+          <p:cNvPicPr>
+            <a:picLocks noGrp="1" noChangeAspect="1"/>
+          </p:cNvPicPr>
           <p:nvPr>
             <p:ph idx="1"/>
           </p:nvPr>
+        </p:nvPicPr>
+        <p:blipFill>
+          <a:blip r:embed="rId2"/>
+          <a:stretch>
+            <a:fillRect/>
+          </a:stretch>
+        </p:blipFill>
+        <p:spPr>
+          <a:xfrm>
+            <a:off x="3297115" y="2265212"/>
+            <a:ext cx="8212015" cy="4142344"/>
+          </a:xfrm>
+          <a:prstGeom prst="rect">
+            <a:avLst/>
+          </a:prstGeom>
+        </p:spPr>
+      </p:pic>
+      <p:sp>
+        <p:nvSpPr>
+          <p:cNvPr id="10" name="ZoneTexte 9"/>
+          <p:cNvSpPr txBox="1"/>
+          <p:nvPr/>
         </p:nvSpPr>
         <p:spPr>
           <a:xfrm>
-            <a:off x="720969" y="2398422"/>
-            <a:ext cx="10990385" cy="3752996"/>
+            <a:off x="185535" y="2459958"/>
+            <a:ext cx="3111580" cy="3785652"/>
           </a:xfrm>
+          <a:prstGeom prst="rect">
+            <a:avLst/>
+          </a:prstGeom>
+          <a:noFill/>
         </p:spPr>
         <p:txBody>
-          <a:bodyPr>
-            <a:normAutofit fontScale="70000" lnSpcReduction="20000"/>
+          <a:bodyPr wrap="square" rtlCol="0">
+            <a:spAutoFit/>
           </a:bodyPr>
           <a:lstStyle/>
           <a:p>
-            <a:pPr marL="0" indent="0">
-              <a:buNone/>
-            </a:pPr>
-            <a:r>
-              <a:rPr lang="en-US" sz="2600" dirty="0" smtClean="0"/>
-              <a:t>As I can’t use data in a similar way as in the literature. We don’t have information about the passenger neither. I will train two regression models even if it not the best solution. But, with the data we have, this is what I think it is possible.</a:t>
-            </a:r>
-          </a:p>
-          <a:p>
-            <a:pPr marL="0" indent="0">
-              <a:buNone/>
-            </a:pPr>
-            <a:endParaRPr lang="en-US" dirty="0"/>
-          </a:p>
-          <a:p>
-            <a:pPr marL="0" indent="0">
-              <a:buNone/>
-            </a:pPr>
-            <a:r>
-              <a:rPr lang="en-US" sz="2300" b="1" u="sng" dirty="0"/>
-              <a:t>Model 1:</a:t>
-            </a:r>
-          </a:p>
-          <a:p>
-            <a:pPr marL="0" indent="0">
-              <a:buNone/>
-            </a:pPr>
-            <a:r>
-              <a:rPr lang="en-US" sz="2300" b="1" dirty="0" smtClean="0"/>
-              <a:t>		</a:t>
-            </a:r>
-            <a:r>
-              <a:rPr lang="en-US" sz="2300" b="1" dirty="0" err="1" smtClean="0"/>
-              <a:t>Sum_Dealy</a:t>
-            </a:r>
-            <a:r>
-              <a:rPr lang="en-US" sz="2300" b="1" dirty="0" smtClean="0"/>
-              <a:t>(</a:t>
-            </a:r>
-            <a:r>
-              <a:rPr lang="en-US" sz="2300" b="1" dirty="0" err="1" smtClean="0"/>
-              <a:t>mins</a:t>
-            </a:r>
-            <a:r>
-              <a:rPr lang="en-US" sz="2300" b="1" dirty="0" smtClean="0"/>
-              <a:t>) = Function(</a:t>
-            </a:r>
-            <a:r>
-              <a:rPr lang="en-US" sz="2300" b="1" dirty="0" err="1" smtClean="0"/>
-              <a:t>Train_type</a:t>
-            </a:r>
-            <a:r>
-              <a:rPr lang="en-US" sz="2300" b="1" dirty="0" smtClean="0"/>
-              <a:t>, Punctuality, </a:t>
-            </a:r>
-            <a:r>
-              <a:rPr lang="en-US" sz="2300" b="1" dirty="0" err="1" smtClean="0"/>
-              <a:t>Train_nbr</a:t>
-            </a:r>
-            <a:r>
-              <a:rPr lang="en-US" sz="2300" b="1" dirty="0" smtClean="0"/>
-              <a:t>, 						  									Train_nbr_with_less_6min_delay, Instant)</a:t>
-            </a:r>
-          </a:p>
-          <a:p>
-            <a:pPr marL="0" indent="0">
-              <a:buNone/>
-            </a:pPr>
-            <a:endParaRPr lang="en-US" sz="2300" b="1" dirty="0"/>
-          </a:p>
-          <a:p>
-            <a:pPr marL="0" indent="0">
-              <a:buNone/>
-            </a:pPr>
-            <a:r>
-              <a:rPr lang="en-US" sz="2300" b="1" i="1" dirty="0" smtClean="0"/>
-              <a:t>Correlation():</a:t>
-            </a:r>
-            <a:r>
-              <a:rPr lang="en-US" sz="2300" b="1" dirty="0" smtClean="0"/>
+            <a:r>
+              <a:rPr lang="en-US" sz="1600" dirty="0" smtClean="0">
+                <a:solidFill>
+                  <a:schemeClr val="tx1">
+                    <a:lumMod val="75000"/>
+                    <a:lumOff val="25000"/>
+                  </a:schemeClr>
+                </a:solidFill>
+              </a:rPr>
+              <a:t>To add </a:t>
+            </a:r>
+            <a:r>
+              <a:rPr lang="en-US" sz="1600" dirty="0">
+                <a:solidFill>
+                  <a:schemeClr val="tx1">
+                    <a:lumMod val="75000"/>
+                    <a:lumOff val="25000"/>
+                  </a:schemeClr>
+                </a:solidFill>
+              </a:rPr>
+              <a:t>the </a:t>
+            </a:r>
+            <a:r>
+              <a:rPr lang="en-US" sz="1600" dirty="0" smtClean="0">
+                <a:solidFill>
+                  <a:schemeClr val="tx1">
+                    <a:lumMod val="75000"/>
+                    <a:lumOff val="25000"/>
+                  </a:schemeClr>
+                </a:solidFill>
+              </a:rPr>
+              <a:t>weather data</a:t>
+            </a:r>
+            <a:r>
+              <a:rPr lang="en-US" sz="1600" b="1" dirty="0" smtClean="0">
+                <a:solidFill>
+                  <a:schemeClr val="tx1">
+                    <a:lumMod val="75000"/>
+                    <a:lumOff val="25000"/>
+                  </a:schemeClr>
+                </a:solidFill>
+              </a:rPr>
+              <a:t>, </a:t>
+            </a:r>
+            <a:r>
+              <a:rPr lang="en-US" sz="1600" dirty="0" smtClean="0">
+                <a:solidFill>
+                  <a:schemeClr val="tx1">
+                    <a:lumMod val="75000"/>
+                    <a:lumOff val="25000"/>
+                  </a:schemeClr>
+                </a:solidFill>
+              </a:rPr>
+              <a:t>I tried to match between </a:t>
+            </a:r>
+            <a:r>
+              <a:rPr lang="en-US" sz="1600" dirty="0" err="1" smtClean="0">
+                <a:solidFill>
+                  <a:schemeClr val="tx1">
+                    <a:lumMod val="75000"/>
+                    <a:lumOff val="25000"/>
+                  </a:schemeClr>
+                </a:solidFill>
+              </a:rPr>
+              <a:t>geolocalisation</a:t>
+            </a:r>
+            <a:r>
+              <a:rPr lang="en-US" sz="1600" dirty="0" smtClean="0">
+                <a:solidFill>
+                  <a:schemeClr val="tx1">
+                    <a:lumMod val="75000"/>
+                    <a:lumOff val="25000"/>
+                  </a:schemeClr>
+                </a:solidFill>
+              </a:rPr>
+              <a:t> points to join the right weather data to the right station. However, when I tried to match the </a:t>
+            </a:r>
+            <a:r>
+              <a:rPr lang="en-US" sz="1600" dirty="0" err="1" smtClean="0">
+                <a:solidFill>
+                  <a:schemeClr val="tx1">
+                    <a:lumMod val="75000"/>
+                    <a:lumOff val="25000"/>
+                  </a:schemeClr>
+                </a:solidFill>
+              </a:rPr>
+              <a:t>geolocalisation</a:t>
+            </a:r>
+            <a:r>
+              <a:rPr lang="en-US" sz="1600" dirty="0" smtClean="0">
+                <a:solidFill>
+                  <a:schemeClr val="tx1">
+                    <a:lumMod val="75000"/>
+                    <a:lumOff val="25000"/>
+                  </a:schemeClr>
+                </a:solidFill>
+              </a:rPr>
+              <a:t> points, I didn’t find any </a:t>
+            </a:r>
+            <a:r>
+              <a:rPr lang="en-US" sz="1600" dirty="0" err="1" smtClean="0">
+                <a:solidFill>
+                  <a:schemeClr val="tx1">
+                    <a:lumMod val="75000"/>
+                    <a:lumOff val="25000"/>
+                  </a:schemeClr>
+                </a:solidFill>
+              </a:rPr>
+              <a:t>commun</a:t>
+            </a:r>
+            <a:r>
+              <a:rPr lang="en-US" sz="1600" dirty="0" smtClean="0">
+                <a:solidFill>
+                  <a:schemeClr val="tx1">
+                    <a:lumMod val="75000"/>
+                    <a:lumOff val="25000"/>
+                  </a:schemeClr>
+                </a:solidFill>
+              </a:rPr>
               <a:t> </a:t>
             </a:r>
             <a:r>
-              <a:rPr lang="en-US" sz="2300" b="1" dirty="0" err="1" smtClean="0"/>
-              <a:t>Train_nbr</a:t>
-            </a:r>
-            <a:r>
-              <a:rPr lang="en-US" sz="2300" dirty="0" smtClean="0"/>
-              <a:t> </a:t>
-            </a:r>
-            <a:r>
-              <a:rPr lang="en-US" sz="2300" dirty="0"/>
-              <a:t>will be deleted as it very correlated to </a:t>
-            </a:r>
-            <a:r>
-              <a:rPr lang="en-US" sz="2300" b="1" dirty="0" smtClean="0"/>
-              <a:t>Train_nbr_with_less_6min_delay</a:t>
-            </a:r>
-          </a:p>
-          <a:p>
-            <a:pPr marL="0" indent="0">
-              <a:buNone/>
-            </a:pPr>
-            <a:endParaRPr lang="en-US" sz="2300" b="1" dirty="0"/>
-          </a:p>
-          <a:p>
-            <a:pPr marL="0" indent="0">
-              <a:buNone/>
-            </a:pPr>
-            <a:r>
-              <a:rPr lang="en-US" sz="2300" b="1" u="sng" dirty="0" smtClean="0"/>
-              <a:t>Model 2:</a:t>
-            </a:r>
-          </a:p>
-          <a:p>
-            <a:pPr marL="0" indent="0">
-              <a:buNone/>
-            </a:pPr>
-            <a:r>
-              <a:rPr lang="en-US" sz="2300" b="1" dirty="0"/>
-              <a:t>		</a:t>
-            </a:r>
-            <a:r>
-              <a:rPr lang="en-US" sz="2300" b="1" dirty="0" err="1"/>
-              <a:t>Sum_Dealy</a:t>
-            </a:r>
-            <a:r>
-              <a:rPr lang="en-US" sz="2300" b="1" dirty="0"/>
-              <a:t>(</a:t>
-            </a:r>
-            <a:r>
-              <a:rPr lang="en-US" sz="2300" b="1" dirty="0" err="1"/>
-              <a:t>mins</a:t>
-            </a:r>
-            <a:r>
-              <a:rPr lang="en-US" sz="2300" b="1" dirty="0"/>
-              <a:t>) = </a:t>
-            </a:r>
-            <a:r>
-              <a:rPr lang="en-US" sz="2300" b="1" dirty="0" smtClean="0"/>
-              <a:t>Function(</a:t>
-            </a:r>
-            <a:r>
-              <a:rPr lang="en-US" sz="2300" b="1" dirty="0" err="1" smtClean="0"/>
-              <a:t>Canceled_train_nbr</a:t>
-            </a:r>
-            <a:r>
-              <a:rPr lang="en-US" sz="2300" b="1" dirty="0" smtClean="0"/>
-              <a:t>, </a:t>
-            </a:r>
-            <a:r>
-              <a:rPr lang="en-US" sz="2300" b="1" dirty="0" err="1" smtClean="0"/>
-              <a:t>Station_place</a:t>
-            </a:r>
-            <a:r>
-              <a:rPr lang="en-US" sz="2300" b="1" dirty="0" smtClean="0"/>
-              <a:t>, </a:t>
-            </a:r>
-            <a:r>
-              <a:rPr lang="en-US" sz="2300" b="1" dirty="0"/>
-              <a:t>						  									</a:t>
-            </a:r>
-            <a:r>
-              <a:rPr lang="en-US" sz="2300" b="1" dirty="0" err="1" smtClean="0"/>
-              <a:t>Incident_description</a:t>
-            </a:r>
-            <a:r>
-              <a:rPr lang="en-US" sz="2300" b="1" dirty="0" smtClean="0"/>
-              <a:t>)</a:t>
-            </a:r>
-            <a:endParaRPr lang="en-US" sz="2300" b="1" dirty="0"/>
-          </a:p>
-          <a:p>
-            <a:pPr marL="0" indent="0">
-              <a:buNone/>
-            </a:pPr>
-            <a:endParaRPr lang="fr-FR" b="1" dirty="0"/>
+              <a:rPr lang="en-US" sz="1600" dirty="0" err="1" smtClean="0">
+                <a:solidFill>
+                  <a:schemeClr val="tx1">
+                    <a:lumMod val="75000"/>
+                    <a:lumOff val="25000"/>
+                  </a:schemeClr>
+                </a:solidFill>
+              </a:rPr>
+              <a:t>commun</a:t>
+            </a:r>
+            <a:r>
+              <a:rPr lang="en-US" sz="1600" dirty="0" smtClean="0">
+                <a:solidFill>
+                  <a:schemeClr val="tx1">
+                    <a:lumMod val="75000"/>
+                    <a:lumOff val="25000"/>
+                  </a:schemeClr>
+                </a:solidFill>
+              </a:rPr>
+              <a:t> points between the </a:t>
+            </a:r>
+            <a:r>
+              <a:rPr lang="en-US" sz="1600" b="1" dirty="0" smtClean="0">
+                <a:solidFill>
+                  <a:schemeClr val="tx1">
+                    <a:lumMod val="75000"/>
+                    <a:lumOff val="25000"/>
+                  </a:schemeClr>
+                </a:solidFill>
+              </a:rPr>
+              <a:t>weather data </a:t>
+            </a:r>
+            <a:r>
+              <a:rPr lang="en-US" sz="1600" dirty="0" smtClean="0">
+                <a:solidFill>
+                  <a:schemeClr val="tx1">
+                    <a:lumMod val="75000"/>
+                    <a:lumOff val="25000"/>
+                  </a:schemeClr>
+                </a:solidFill>
+              </a:rPr>
+              <a:t>and </a:t>
+            </a:r>
+            <a:r>
+              <a:rPr lang="en-US" sz="1600" b="1" dirty="0" smtClean="0">
+                <a:solidFill>
+                  <a:schemeClr val="tx1">
+                    <a:lumMod val="75000"/>
+                    <a:lumOff val="25000"/>
+                  </a:schemeClr>
+                </a:solidFill>
+              </a:rPr>
+              <a:t>distances data from station to station</a:t>
+            </a:r>
+            <a:r>
+              <a:rPr lang="en-US" sz="1600" dirty="0" smtClean="0">
+                <a:solidFill>
+                  <a:schemeClr val="tx1">
+                    <a:lumMod val="75000"/>
+                    <a:lumOff val="25000"/>
+                  </a:schemeClr>
+                </a:solidFill>
+              </a:rPr>
+              <a:t>. It will be appropriate to find some threshold to do that but it will be not easy to be accurate.</a:t>
+            </a:r>
+            <a:endParaRPr lang="fr-FR" sz="1600" dirty="0">
+              <a:solidFill>
+                <a:schemeClr val="tx1">
+                  <a:lumMod val="75000"/>
+                  <a:lumOff val="25000"/>
+                </a:schemeClr>
+              </a:solidFill>
+            </a:endParaRPr>
           </a:p>
         </p:txBody>
       </p:sp>
+      <p:pic>
+        <p:nvPicPr>
+          <p:cNvPr id="11" name="Image 10"/>
+          <p:cNvPicPr>
+            <a:picLocks noChangeAspect="1"/>
+          </p:cNvPicPr>
+          <p:nvPr/>
+        </p:nvPicPr>
+        <p:blipFill>
+          <a:blip r:embed="rId3"/>
+          <a:stretch>
+            <a:fillRect/>
+          </a:stretch>
+        </p:blipFill>
+        <p:spPr>
+          <a:xfrm>
+            <a:off x="3297115" y="6128446"/>
+            <a:ext cx="8212015" cy="396274"/>
+          </a:xfrm>
+          <a:prstGeom prst="rect">
+            <a:avLst/>
+          </a:prstGeom>
+        </p:spPr>
+      </p:pic>
     </p:spTree>
     <p:extLst>
       <p:ext uri="{BB962C8B-B14F-4D97-AF65-F5344CB8AC3E}">
-        <p14:creationId xmlns:p14="http://schemas.microsoft.com/office/powerpoint/2010/main" val="1302532161"/>
+        <p14:creationId xmlns:p14="http://schemas.microsoft.com/office/powerpoint/2010/main" val="3732348006"/>
       </p:ext>
     </p:extLst>
   </p:cSld>
@@ -21194,95 +21127,200 @@
         </p:nvSpPr>
         <p:spPr>
           <a:xfrm>
-            <a:off x="951345" y="2398422"/>
-            <a:ext cx="10760009" cy="3752996"/>
+            <a:off x="720969" y="2398422"/>
+            <a:ext cx="10990385" cy="3752996"/>
           </a:xfrm>
         </p:spPr>
         <p:txBody>
-          <a:bodyPr/>
+          <a:bodyPr>
+            <a:normAutofit fontScale="70000" lnSpcReduction="20000"/>
+          </a:bodyPr>
           <a:lstStyle/>
           <a:p>
             <a:pPr marL="0" indent="0">
-              <a:lnSpc>
-                <a:spcPct val="80000"/>
-              </a:lnSpc>
               <a:buNone/>
             </a:pPr>
             <a:r>
-              <a:rPr lang="en-US" b="1" u="sng" dirty="0"/>
-              <a:t> Model 1</a:t>
-            </a:r>
-            <a:r>
-              <a:rPr lang="en-US" b="1" u="sng" dirty="0" smtClean="0"/>
-              <a:t>:</a:t>
-            </a:r>
-            <a:r>
-              <a:rPr lang="en-US" b="1" dirty="0" smtClean="0"/>
-              <a:t> </a:t>
-            </a:r>
-            <a:r>
-              <a:rPr lang="en-US" b="1" dirty="0"/>
-              <a:t>Correlation analysis</a:t>
-            </a:r>
-            <a:endParaRPr lang="en-US" b="1" u="sng" dirty="0"/>
-          </a:p>
-          <a:p>
-            <a:pPr>
-              <a:buFont typeface="Wingdings" panose="05000000000000000000" pitchFamily="2" charset="2"/>
-              <a:buChar char="q"/>
+              <a:rPr lang="en-US" sz="2600" dirty="0" smtClean="0"/>
+              <a:t>As I can’t use data in a similar way as in the literature. We don’t have information about the passenger neither. I will train two regression models even if it not the best solution. But, with the data we have, this is what I think it is possible.</a:t>
+            </a:r>
+          </a:p>
+          <a:p>
+            <a:pPr marL="0" indent="0">
+              <a:buNone/>
             </a:pPr>
             <a:endParaRPr lang="en-US" dirty="0"/>
           </a:p>
           <a:p>
-            <a:pPr>
-              <a:buFont typeface="Wingdings" panose="05000000000000000000" pitchFamily="2" charset="2"/>
-              <a:buChar char="q"/>
+            <a:pPr marL="0" indent="0">
+              <a:buNone/>
             </a:pPr>
-            <a:endParaRPr lang="en-US" dirty="0" smtClean="0"/>
-          </a:p>
-          <a:p>
-            <a:pPr>
-              <a:buFont typeface="Wingdings" panose="05000000000000000000" pitchFamily="2" charset="2"/>
-              <a:buChar char="q"/>
+            <a:r>
+              <a:rPr lang="en-US" sz="2300" b="1" u="sng" dirty="0"/>
+              <a:t>Model 1:</a:t>
+            </a:r>
+          </a:p>
+          <a:p>
+            <a:pPr marL="0" indent="0">
+              <a:buNone/>
             </a:pPr>
-            <a:endParaRPr lang="en-US" dirty="0"/>
+            <a:r>
+              <a:rPr lang="en-US" sz="2300" b="1" dirty="0" smtClean="0"/>
+              <a:t>		</a:t>
+            </a:r>
+            <a:r>
+              <a:rPr lang="en-US" sz="2300" b="1" dirty="0" err="1" smtClean="0"/>
+              <a:t>Sum_Dealy</a:t>
+            </a:r>
+            <a:r>
+              <a:rPr lang="en-US" sz="2300" b="1" dirty="0" smtClean="0"/>
+              <a:t>(</a:t>
+            </a:r>
+            <a:r>
+              <a:rPr lang="en-US" sz="2300" b="1" dirty="0" err="1" smtClean="0"/>
+              <a:t>mins</a:t>
+            </a:r>
+            <a:r>
+              <a:rPr lang="en-US" sz="2300" b="1" dirty="0" smtClean="0"/>
+              <a:t>) = Function(</a:t>
+            </a:r>
+            <a:r>
+              <a:rPr lang="en-US" sz="2300" b="1" dirty="0" err="1" smtClean="0"/>
+              <a:t>Train_type</a:t>
+            </a:r>
+            <a:r>
+              <a:rPr lang="en-US" sz="2300" b="1" dirty="0" smtClean="0"/>
+              <a:t>, Punctuality, </a:t>
+            </a:r>
+            <a:r>
+              <a:rPr lang="en-US" sz="2300" b="1" dirty="0" err="1" smtClean="0"/>
+              <a:t>Train_nbr</a:t>
+            </a:r>
+            <a:r>
+              <a:rPr lang="en-US" sz="2300" b="1" dirty="0" smtClean="0"/>
+              <a:t>, 						  									Train_nbr_with_less_6min_delay, Instant)</a:t>
+            </a:r>
           </a:p>
           <a:p>
             <a:pPr marL="0" indent="0">
               <a:buNone/>
             </a:pPr>
-            <a:endParaRPr lang="en-US" dirty="0"/>
+            <a:endParaRPr lang="en-US" sz="2300" b="1" dirty="0"/>
+          </a:p>
+          <a:p>
+            <a:pPr marL="0" indent="0">
+              <a:buNone/>
+            </a:pPr>
+            <a:r>
+              <a:rPr lang="en-US" sz="2300" b="1" i="1" dirty="0" smtClean="0"/>
+              <a:t>Correlation():</a:t>
+            </a:r>
+            <a:r>
+              <a:rPr lang="en-US" sz="2300" b="1" dirty="0" smtClean="0"/>
+              <a:t> </a:t>
+            </a:r>
+            <a:r>
+              <a:rPr lang="en-US" sz="2300" b="1" dirty="0" err="1" smtClean="0"/>
+              <a:t>Train_nbr</a:t>
+            </a:r>
+            <a:r>
+              <a:rPr lang="en-US" sz="2300" dirty="0" smtClean="0"/>
+              <a:t> </a:t>
+            </a:r>
+            <a:r>
+              <a:rPr lang="en-US" sz="2300" dirty="0"/>
+              <a:t>will be deleted as it very correlated to </a:t>
+            </a:r>
+            <a:r>
+              <a:rPr lang="en-US" sz="2300" b="1" dirty="0" smtClean="0"/>
+              <a:t>Train_nbr_with_less_6min_delay</a:t>
+            </a:r>
+          </a:p>
+          <a:p>
+            <a:pPr marL="0" indent="0">
+              <a:buNone/>
+            </a:pPr>
+            <a:endParaRPr lang="en-US" sz="2300" b="1" dirty="0"/>
+          </a:p>
+          <a:p>
+            <a:pPr marL="0" indent="0">
+              <a:buNone/>
+            </a:pPr>
+            <a:r>
+              <a:rPr lang="en-US" sz="2300" b="1" u="sng" dirty="0" smtClean="0"/>
+              <a:t>Model 2:</a:t>
+            </a:r>
+          </a:p>
+          <a:p>
+            <a:pPr marL="0" indent="0">
+              <a:buNone/>
+            </a:pPr>
+            <a:r>
+              <a:rPr lang="en-US" sz="2300" b="1" dirty="0"/>
+              <a:t>		</a:t>
+            </a:r>
+            <a:r>
+              <a:rPr lang="en-US" sz="2300" b="1" dirty="0" err="1"/>
+              <a:t>Sum_Dealy</a:t>
+            </a:r>
+            <a:r>
+              <a:rPr lang="en-US" sz="2300" b="1" dirty="0"/>
+              <a:t>(</a:t>
+            </a:r>
+            <a:r>
+              <a:rPr lang="en-US" sz="2300" b="1" dirty="0" err="1"/>
+              <a:t>mins</a:t>
+            </a:r>
+            <a:r>
+              <a:rPr lang="en-US" sz="2300" b="1" dirty="0"/>
+              <a:t>) = </a:t>
+            </a:r>
+            <a:r>
+              <a:rPr lang="en-US" sz="2300" b="1" dirty="0" smtClean="0"/>
+              <a:t>Function(</a:t>
+            </a:r>
+            <a:r>
+              <a:rPr lang="en-US" sz="2300" b="1" dirty="0" err="1" smtClean="0"/>
+              <a:t>Canceled_train_nbr</a:t>
+            </a:r>
+            <a:r>
+              <a:rPr lang="en-US" sz="2300" b="1" dirty="0" smtClean="0"/>
+              <a:t>, </a:t>
+            </a:r>
+            <a:r>
+              <a:rPr lang="en-US" sz="2300" b="1" dirty="0" err="1" smtClean="0"/>
+              <a:t>Station_place</a:t>
+            </a:r>
+            <a:r>
+              <a:rPr lang="en-US" sz="2300" b="1" dirty="0" smtClean="0"/>
+              <a:t>, </a:t>
+            </a:r>
+            <a:r>
+              <a:rPr lang="en-US" sz="2300" b="1" dirty="0"/>
+              <a:t>						  									</a:t>
+            </a:r>
+            <a:r>
+              <a:rPr lang="en-US" sz="2300" b="1" dirty="0" err="1" smtClean="0"/>
+              <a:t>Incident_description</a:t>
+            </a:r>
+            <a:r>
+              <a:rPr lang="en-US" sz="2300" b="1" dirty="0" smtClean="0"/>
+              <a:t>)</a:t>
+            </a:r>
+            <a:endParaRPr lang="en-US" sz="2300" b="1" dirty="0"/>
+          </a:p>
+          <a:p>
+            <a:pPr marL="0" indent="0">
+              <a:buNone/>
+            </a:pPr>
+            <a:endParaRPr lang="fr-FR" b="1" dirty="0"/>
           </a:p>
         </p:txBody>
       </p:sp>
-      <p:pic>
-        <p:nvPicPr>
-          <p:cNvPr id="8" name="Image 7"/>
-          <p:cNvPicPr>
-            <a:picLocks noChangeAspect="1"/>
-          </p:cNvPicPr>
-          <p:nvPr/>
-        </p:nvPicPr>
-        <p:blipFill>
-          <a:blip r:embed="rId2"/>
-          <a:stretch>
-            <a:fillRect/>
-          </a:stretch>
-        </p:blipFill>
-        <p:spPr>
-          <a:xfrm>
-            <a:off x="2053383" y="2994613"/>
-            <a:ext cx="8839966" cy="1691787"/>
-          </a:xfrm>
-          <a:prstGeom prst="rect">
-            <a:avLst/>
-          </a:prstGeom>
-        </p:spPr>
-      </p:pic>
     </p:spTree>
     <p:extLst>
       <p:ext uri="{BB962C8B-B14F-4D97-AF65-F5344CB8AC3E}">
-        <p14:creationId xmlns:p14="http://schemas.microsoft.com/office/powerpoint/2010/main" val="2078518090"/>
+        <p14:creationId xmlns:p14="http://schemas.microsoft.com/office/powerpoint/2010/main" val="1302532161"/>
       </p:ext>
     </p:extLst>
   </p:cSld>
@@ -21497,7 +21535,7 @@
             </a:pPr>
             <a:r>
               <a:rPr lang="en-US" b="1" u="sng" dirty="0" smtClean="0"/>
-              <a:t>Model 2:</a:t>
+              <a:t>Model 1:</a:t>
             </a:r>
             <a:r>
               <a:rPr lang="en-US" b="1" dirty="0" smtClean="0"/>
@@ -21752,43 +21790,55 @@
           <a:lstStyle/>
           <a:p>
             <a:pPr marL="0" indent="0">
+              <a:lnSpc>
+                <a:spcPct val="80000"/>
+              </a:lnSpc>
               <a:buNone/>
             </a:pPr>
             <a:r>
-              <a:rPr lang="en-US" dirty="0" smtClean="0"/>
-              <a:t>Different models are trained, notably, Linear Regression, Random Forest, Decision tree, </a:t>
-            </a:r>
-            <a:r>
-              <a:rPr lang="en-US" dirty="0" err="1" smtClean="0"/>
-              <a:t>XGBoost</a:t>
-            </a:r>
-            <a:r>
-              <a:rPr lang="en-US" dirty="0" smtClean="0"/>
-              <a:t> and ANN.  The results were as follow:</a:t>
-            </a:r>
+              <a:rPr lang="en-US" b="1" u="sng" dirty="0"/>
+              <a:t> Model </a:t>
+            </a:r>
+            <a:r>
+              <a:rPr lang="en-US" b="1" u="sng" dirty="0" smtClean="0"/>
+              <a:t>2:</a:t>
+            </a:r>
+            <a:r>
+              <a:rPr lang="en-US" b="1" dirty="0" smtClean="0"/>
+              <a:t> </a:t>
+            </a:r>
+            <a:r>
+              <a:rPr lang="en-US" b="1" dirty="0"/>
+              <a:t>Correlation analysis</a:t>
+            </a:r>
+            <a:endParaRPr lang="en-US" b="1" u="sng" dirty="0"/>
+          </a:p>
+          <a:p>
+            <a:pPr>
+              <a:buFont typeface="Wingdings" panose="05000000000000000000" pitchFamily="2" charset="2"/>
+              <a:buChar char="q"/>
+            </a:pPr>
+            <a:endParaRPr lang="en-US" dirty="0"/>
+          </a:p>
+          <a:p>
+            <a:pPr>
+              <a:buFont typeface="Wingdings" panose="05000000000000000000" pitchFamily="2" charset="2"/>
+              <a:buChar char="q"/>
+            </a:pPr>
+            <a:endParaRPr lang="en-US" dirty="0" smtClean="0"/>
+          </a:p>
+          <a:p>
+            <a:pPr>
+              <a:buFont typeface="Wingdings" panose="05000000000000000000" pitchFamily="2" charset="2"/>
+              <a:buChar char="q"/>
+            </a:pPr>
+            <a:endParaRPr lang="en-US" dirty="0"/>
           </a:p>
           <a:p>
             <a:pPr marL="0" indent="0">
               <a:buNone/>
             </a:pPr>
-            <a:r>
-              <a:rPr lang="en-US" b="1" u="sng" dirty="0" smtClean="0"/>
-              <a:t>Model </a:t>
-            </a:r>
-            <a:r>
-              <a:rPr lang="en-US" b="1" u="sng" dirty="0"/>
-              <a:t>1:</a:t>
-            </a:r>
-          </a:p>
-          <a:p>
-            <a:pPr marL="0" indent="0">
-              <a:buNone/>
-            </a:pPr>
-            <a:r>
-              <a:rPr lang="en-US" b="1" dirty="0"/>
-              <a:t>		</a:t>
-            </a:r>
-            <a:endParaRPr lang="en-US" b="1" dirty="0" smtClean="0"/>
+            <a:endParaRPr lang="en-US" dirty="0"/>
           </a:p>
         </p:txBody>
       </p:sp>
@@ -21808,8 +21858,8 @@
         </p:blipFill>
         <p:spPr>
           <a:xfrm>
-            <a:off x="3524352" y="3331774"/>
-            <a:ext cx="4404742" cy="2819644"/>
+            <a:off x="2053383" y="2994613"/>
+            <a:ext cx="8839966" cy="1691787"/>
           </a:xfrm>
           <a:prstGeom prst="rect">
             <a:avLst/>
@@ -21819,7 +21869,7 @@
     </p:spTree>
     <p:extLst>
       <p:ext uri="{BB962C8B-B14F-4D97-AF65-F5344CB8AC3E}">
-        <p14:creationId xmlns:p14="http://schemas.microsoft.com/office/powerpoint/2010/main" val="1192071832"/>
+        <p14:creationId xmlns:p14="http://schemas.microsoft.com/office/powerpoint/2010/main" val="2078518090"/>
       </p:ext>
     </p:extLst>
   </p:cSld>
@@ -22051,7 +22101,7 @@
             </a:pPr>
             <a:r>
               <a:rPr lang="en-US" b="1" u="sng" dirty="0" smtClean="0"/>
-              <a:t>Model 2:</a:t>
+              <a:t>Model 1:</a:t>
             </a:r>
           </a:p>
           <a:p>
@@ -22300,9 +22350,7 @@
           </a:xfrm>
         </p:spPr>
         <p:txBody>
-          <a:bodyPr>
-            <a:normAutofit lnSpcReduction="10000"/>
-          </a:bodyPr>
+          <a:bodyPr/>
           <a:lstStyle/>
           <a:p>
             <a:pPr marL="0" indent="0">
@@ -22310,7 +22358,7 @@
             </a:pPr>
             <a:r>
               <a:rPr lang="en-US" dirty="0" smtClean="0"/>
-              <a:t>As </a:t>
+              <a:t>Different models are trained, notably, Linear Regression, Random Forest, Decision tree, </a:t>
             </a:r>
             <a:r>
               <a:rPr lang="en-US" dirty="0" err="1" smtClean="0"/>
@@ -22318,206 +22366,67 @@
             </a:r>
             <a:r>
               <a:rPr lang="en-US" dirty="0" smtClean="0"/>
-              <a:t> give good results, for the both </a:t>
-            </a:r>
-            <a:r>
-              <a:rPr lang="en-US" dirty="0" smtClean="0"/>
-              <a:t>training </a:t>
-            </a:r>
-            <a:r>
-              <a:rPr lang="en-US" dirty="0" smtClean="0"/>
-              <a:t>and test </a:t>
-            </a:r>
-            <a:r>
-              <a:rPr lang="en-US" dirty="0" smtClean="0"/>
-              <a:t>sets </a:t>
-            </a:r>
-            <a:r>
-              <a:rPr lang="en-US" dirty="0" smtClean="0"/>
-              <a:t>for the both </a:t>
-            </a:r>
-            <a:r>
-              <a:rPr lang="en-US" dirty="0" smtClean="0"/>
-              <a:t>use case</a:t>
-            </a:r>
-            <a:r>
-              <a:rPr lang="en-US" dirty="0" smtClean="0"/>
-              <a:t>s</a:t>
-            </a:r>
-            <a:r>
-              <a:rPr lang="en-US" dirty="0" smtClean="0"/>
-              <a:t>. I do some tuning of the parameters to see the best one in </a:t>
-            </a:r>
-            <a:r>
-              <a:rPr lang="pt-BR" b="1" dirty="0" smtClean="0"/>
-              <a:t>{"</a:t>
-            </a:r>
-            <a:r>
-              <a:rPr lang="pt-BR" b="1" dirty="0"/>
-              <a:t>n_estimators":[10,50,100,150,200, 250, 500, 1000], 'max_depth': [5, 10, 15, 20, 30, </a:t>
-            </a:r>
-            <a:r>
-              <a:rPr lang="pt-BR" b="1" dirty="0" smtClean="0"/>
-              <a:t>50, None], </a:t>
-            </a:r>
-            <a:r>
-              <a:rPr lang="pt-BR" b="1" dirty="0" smtClean="0"/>
-              <a:t>'learning_rate</a:t>
-            </a:r>
-            <a:r>
-              <a:rPr lang="pt-BR" b="1" dirty="0"/>
-              <a:t>': [0.01, 0.05, 0.1]}, </a:t>
-            </a:r>
-            <a:r>
-              <a:rPr lang="en-US" dirty="0" smtClean="0"/>
-              <a:t>using the </a:t>
-            </a:r>
-            <a:r>
-              <a:rPr lang="en-US" dirty="0" err="1" smtClean="0"/>
-              <a:t>GridsearchCV</a:t>
-            </a:r>
-            <a:r>
-              <a:rPr lang="en-US" dirty="0"/>
-              <a:t> </a:t>
-            </a:r>
-            <a:r>
-              <a:rPr lang="en-US" dirty="0" smtClean="0"/>
-              <a:t>and I </a:t>
-            </a:r>
-            <a:r>
-              <a:rPr lang="en-US" dirty="0" err="1" smtClean="0"/>
-              <a:t>foud</a:t>
-            </a:r>
-            <a:r>
-              <a:rPr lang="en-US" dirty="0" smtClean="0"/>
-              <a:t> the following:</a:t>
-            </a:r>
-            <a:endParaRPr lang="en-US" dirty="0"/>
+              <a:t> and ANN.  The results were as follow:</a:t>
+            </a:r>
           </a:p>
           <a:p>
             <a:pPr marL="0" indent="0">
               <a:buNone/>
             </a:pPr>
             <a:r>
+              <a:rPr lang="en-US" b="1" u="sng" dirty="0" smtClean="0"/>
+              <a:t>Model </a:t>
+            </a:r>
+            <a:r>
               <a:rPr lang="en-US" b="1" u="sng" dirty="0"/>
-              <a:t>Model 1:</a:t>
-            </a:r>
-          </a:p>
-          <a:p>
-            <a:pPr lvl="1"/>
-            <a:r>
-              <a:rPr lang="en-US" b="1" dirty="0" smtClean="0"/>
-              <a:t>The </a:t>
-            </a:r>
+              <a:t>2</a:t>
+            </a:r>
+            <a:r>
+              <a:rPr lang="en-US" b="1" u="sng" dirty="0" smtClean="0"/>
+              <a:t>:</a:t>
+            </a:r>
+            <a:endParaRPr lang="en-US" b="1" u="sng" dirty="0"/>
+          </a:p>
+          <a:p>
+            <a:pPr marL="0" indent="0">
+              <a:buNone/>
+            </a:pPr>
             <a:r>
               <a:rPr lang="en-US" b="1" dirty="0"/>
-              <a:t>best score for incident data is -733.2237373335932</a:t>
-            </a:r>
-          </a:p>
-          <a:p>
-            <a:pPr lvl="1"/>
-            <a:r>
-              <a:rPr lang="en-US" b="1" dirty="0" smtClean="0"/>
-              <a:t>The </a:t>
-            </a:r>
-            <a:r>
-              <a:rPr lang="en-US" b="1" dirty="0"/>
-              <a:t>best parameters for the incident data are {'</a:t>
-            </a:r>
-            <a:r>
-              <a:rPr lang="en-US" b="1" dirty="0" err="1"/>
-              <a:t>learning_rate</a:t>
-            </a:r>
-            <a:r>
-              <a:rPr lang="en-US" b="1" dirty="0"/>
-              <a:t>': 0.01, '</a:t>
-            </a:r>
-            <a:r>
-              <a:rPr lang="en-US" b="1" dirty="0" err="1"/>
-              <a:t>max_depth</a:t>
-            </a:r>
-            <a:r>
-              <a:rPr lang="en-US" b="1" dirty="0"/>
-              <a:t>': None, '</a:t>
-            </a:r>
-            <a:r>
-              <a:rPr lang="en-US" b="1" dirty="0" err="1"/>
-              <a:t>n_estimators</a:t>
-            </a:r>
-            <a:r>
-              <a:rPr lang="en-US" b="1" dirty="0"/>
-              <a:t>': 500}</a:t>
+              <a:t>		</a:t>
             </a:r>
             <a:endParaRPr lang="en-US" b="1" dirty="0" smtClean="0"/>
-          </a:p>
-          <a:p>
-            <a:pPr marL="0" indent="0">
-              <a:buNone/>
-            </a:pPr>
-            <a:r>
-              <a:rPr lang="en-US" b="1" u="sng" dirty="0" smtClean="0"/>
-              <a:t>Model 2:</a:t>
-            </a:r>
-          </a:p>
-          <a:p>
-            <a:pPr lvl="1"/>
-            <a:r>
-              <a:rPr lang="en-US" b="1" dirty="0" smtClean="0"/>
-              <a:t>The </a:t>
-            </a:r>
-            <a:r>
-              <a:rPr lang="en-US" b="1" dirty="0"/>
-              <a:t>best score for train type data is -805.0391094823968</a:t>
-            </a:r>
-          </a:p>
-          <a:p>
-            <a:pPr lvl="1"/>
-            <a:r>
-              <a:rPr lang="en-US" b="1" dirty="0" smtClean="0"/>
-              <a:t>The </a:t>
-            </a:r>
-            <a:r>
-              <a:rPr lang="en-US" b="1" dirty="0"/>
-              <a:t>best parameters for the train type data are {'</a:t>
-            </a:r>
-            <a:r>
-              <a:rPr lang="en-US" b="1" dirty="0" err="1"/>
-              <a:t>learning_rate</a:t>
-            </a:r>
-            <a:r>
-              <a:rPr lang="en-US" b="1" dirty="0"/>
-              <a:t>': 0.05, '</a:t>
-            </a:r>
-            <a:r>
-              <a:rPr lang="en-US" b="1" dirty="0" err="1"/>
-              <a:t>max_depth</a:t>
-            </a:r>
-            <a:r>
-              <a:rPr lang="en-US" b="1" dirty="0"/>
-              <a:t>': None, '</a:t>
-            </a:r>
-            <a:r>
-              <a:rPr lang="en-US" b="1" dirty="0" err="1"/>
-              <a:t>n_estimators</a:t>
-            </a:r>
-            <a:r>
-              <a:rPr lang="en-US" b="1" dirty="0"/>
-              <a:t>': 1000}</a:t>
-            </a:r>
-            <a:endParaRPr lang="en-US" b="1" dirty="0"/>
-          </a:p>
-          <a:p>
-            <a:pPr marL="0" indent="0">
-              <a:buNone/>
-            </a:pPr>
-            <a:endParaRPr lang="en-US" dirty="0" smtClean="0"/>
           </a:p>
         </p:txBody>
       </p:sp>
+      <p:pic>
+        <p:nvPicPr>
+          <p:cNvPr id="8" name="Image 7"/>
+          <p:cNvPicPr>
+            <a:picLocks noChangeAspect="1"/>
+          </p:cNvPicPr>
+          <p:nvPr/>
+        </p:nvPicPr>
+        <p:blipFill>
+          <a:blip r:embed="rId2"/>
+          <a:stretch>
+            <a:fillRect/>
+          </a:stretch>
+        </p:blipFill>
+        <p:spPr>
+          <a:xfrm>
+            <a:off x="3524352" y="3331774"/>
+            <a:ext cx="4404742" cy="2819644"/>
+          </a:xfrm>
+          <a:prstGeom prst="rect">
+            <a:avLst/>
+          </a:prstGeom>
+        </p:spPr>
+      </p:pic>
     </p:spTree>
     <p:extLst>
       <p:ext uri="{BB962C8B-B14F-4D97-AF65-F5344CB8AC3E}">
-        <p14:creationId xmlns:p14="http://schemas.microsoft.com/office/powerpoint/2010/main" val="1211881928"/>
+        <p14:creationId xmlns:p14="http://schemas.microsoft.com/office/powerpoint/2010/main" val="1192071832"/>
       </p:ext>
     </p:extLst>
   </p:cSld>
@@ -22719,8 +22628,8 @@
         </p:nvSpPr>
         <p:spPr>
           <a:xfrm>
-            <a:off x="703385" y="2398422"/>
-            <a:ext cx="11007969" cy="3752996"/>
+            <a:off x="951345" y="2398422"/>
+            <a:ext cx="10760009" cy="3752996"/>
           </a:xfrm>
         </p:spPr>
         <p:txBody>
@@ -22729,91 +22638,186 @@
           </a:bodyPr>
           <a:lstStyle/>
           <a:p>
-            <a:pPr marL="0" indent="0" algn="just">
+            <a:pPr marL="0" indent="0">
               <a:buNone/>
             </a:pPr>
             <a:r>
               <a:rPr lang="en-US" dirty="0" smtClean="0"/>
-              <a:t>Many </a:t>
-            </a:r>
-            <a:r>
-              <a:rPr lang="en-US" dirty="0"/>
-              <a:t>other analyses can be performed if we have more variables, such as analyzing interesting variables using feature importance, correlations, or other methods. However, given our current limitation in terms of available variables, we will work with the few variables we have</a:t>
+              <a:t>As </a:t>
+            </a:r>
+            <a:r>
+              <a:rPr lang="en-US" dirty="0" err="1" smtClean="0"/>
+              <a:t>XGBoost</a:t>
             </a:r>
             <a:r>
               <a:rPr lang="en-US" dirty="0" smtClean="0"/>
-              <a:t>.</a:t>
-            </a:r>
-          </a:p>
-          <a:p>
-            <a:pPr marL="0" indent="0" algn="just">
-              <a:buNone/>
-            </a:pPr>
-            <a:endParaRPr lang="en-US" dirty="0"/>
-          </a:p>
-          <a:p>
-            <a:pPr algn="just"/>
-            <a:r>
-              <a:rPr lang="en-US" dirty="0"/>
-              <a:t>Additionally, I would like to train predictive maintenance models to prevent </a:t>
-            </a:r>
-            <a:r>
-              <a:rPr lang="en-US" b="1" dirty="0"/>
-              <a:t>damage problems</a:t>
+              <a:t> give good results, for the both training and test sets for the both use cases. I do some tuning of the parameters to see the best one in </a:t>
+            </a:r>
+            <a:r>
+              <a:rPr lang="pt-BR" b="1" dirty="0" smtClean="0"/>
+              <a:t>{"</a:t>
+            </a:r>
+            <a:r>
+              <a:rPr lang="pt-BR" b="1" dirty="0"/>
+              <a:t>n_estimators":[10,50,100,150,200, 250, 500, 1000], 'max_depth': [5, 10, 15, 20, 30, </a:t>
+            </a:r>
+            <a:r>
+              <a:rPr lang="pt-BR" b="1" dirty="0" smtClean="0"/>
+              <a:t>50, None], 'learning_rate</a:t>
+            </a:r>
+            <a:r>
+              <a:rPr lang="pt-BR" b="1" dirty="0"/>
+              <a:t>': [0.01, 0.05, 0.1]}, </a:t>
             </a:r>
             <a:r>
               <a:rPr lang="en-US" dirty="0" smtClean="0"/>
-              <a:t>.</a:t>
-            </a:r>
-          </a:p>
-          <a:p>
-            <a:pPr algn="just"/>
-            <a:endParaRPr lang="en-US" dirty="0"/>
-          </a:p>
-          <a:p>
-            <a:pPr algn="just"/>
-            <a:r>
-              <a:rPr lang="en-US" dirty="0"/>
-              <a:t>Furthermore, we could train some computer vision models to alert about intrusions onto the </a:t>
-            </a:r>
-            <a:r>
-              <a:rPr lang="en-US" dirty="0" smtClean="0"/>
-              <a:t>tracks to avoid </a:t>
-            </a:r>
-            <a:r>
-              <a:rPr lang="en-US" b="1" dirty="0"/>
-              <a:t>collisions with </a:t>
-            </a:r>
-            <a:r>
-              <a:rPr lang="en-US" b="1" dirty="0" smtClean="0"/>
-              <a:t>people problems</a:t>
-            </a:r>
-            <a:r>
-              <a:rPr lang="en-US" dirty="0" smtClean="0"/>
-              <a:t>.</a:t>
-            </a:r>
-          </a:p>
-          <a:p>
-            <a:pPr algn="just"/>
-            <a:endParaRPr lang="en-US" dirty="0" smtClean="0"/>
-          </a:p>
-          <a:p>
-            <a:pPr algn="just"/>
+              <a:t>using the </a:t>
+            </a:r>
+            <a:r>
+              <a:rPr lang="en-US" dirty="0" err="1" smtClean="0"/>
+              <a:t>GridsearchCV</a:t>
+            </a:r>
             <a:r>
               <a:rPr lang="en-US" dirty="0"/>
               <a:t> </a:t>
             </a:r>
             <a:r>
               <a:rPr lang="en-US" dirty="0" smtClean="0"/>
-              <a:t>etc.</a:t>
-            </a:r>
+              <a:t>and I </a:t>
+            </a:r>
+            <a:r>
+              <a:rPr lang="en-US" dirty="0" err="1" smtClean="0"/>
+              <a:t>foud</a:t>
+            </a:r>
+            <a:r>
+              <a:rPr lang="en-US" dirty="0" smtClean="0"/>
+              <a:t> the following:</a:t>
+            </a:r>
+            <a:endParaRPr lang="en-US" dirty="0"/>
+          </a:p>
+          <a:p>
+            <a:pPr marL="0" indent="0">
+              <a:buNone/>
+            </a:pPr>
+            <a:r>
+              <a:rPr lang="en-US" b="1" u="sng" dirty="0"/>
+              <a:t>Model 1:</a:t>
+            </a:r>
+          </a:p>
+          <a:p>
+            <a:pPr lvl="1"/>
+            <a:r>
+              <a:rPr lang="en-US" b="1" dirty="0" smtClean="0"/>
+              <a:t>The </a:t>
+            </a:r>
+            <a:r>
+              <a:rPr lang="en-US" b="1" dirty="0"/>
+              <a:t>best score for incident data is -733.2237373335932</a:t>
+            </a:r>
+          </a:p>
+          <a:p>
+            <a:pPr lvl="1"/>
+            <a:r>
+              <a:rPr lang="en-US" b="1" dirty="0" smtClean="0"/>
+              <a:t>The </a:t>
+            </a:r>
+            <a:r>
+              <a:rPr lang="en-US" b="1" dirty="0"/>
+              <a:t>best parameters for the incident data are {'</a:t>
+            </a:r>
+            <a:r>
+              <a:rPr lang="en-US" b="1" dirty="0" err="1"/>
+              <a:t>learning_rate</a:t>
+            </a:r>
+            <a:r>
+              <a:rPr lang="en-US" b="1" dirty="0"/>
+              <a:t>': 0.01, '</a:t>
+            </a:r>
+            <a:r>
+              <a:rPr lang="en-US" b="1" dirty="0" err="1"/>
+              <a:t>max_depth</a:t>
+            </a:r>
+            <a:r>
+              <a:rPr lang="en-US" b="1" dirty="0"/>
+              <a:t>': None, '</a:t>
+            </a:r>
+            <a:r>
+              <a:rPr lang="en-US" b="1" dirty="0" err="1"/>
+              <a:t>n_estimators</a:t>
+            </a:r>
+            <a:r>
+              <a:rPr lang="en-US" b="1" dirty="0"/>
+              <a:t>': 500}</a:t>
+            </a:r>
+            <a:endParaRPr lang="en-US" b="1" dirty="0" smtClean="0"/>
+          </a:p>
+          <a:p>
+            <a:pPr marL="0" indent="0">
+              <a:buNone/>
+            </a:pPr>
+            <a:r>
+              <a:rPr lang="en-US" b="1" u="sng" dirty="0" smtClean="0"/>
+              <a:t>Model 2:</a:t>
+            </a:r>
+          </a:p>
+          <a:p>
+            <a:pPr lvl="1"/>
+            <a:r>
+              <a:rPr lang="en-US" b="1" dirty="0" smtClean="0"/>
+              <a:t>The </a:t>
+            </a:r>
+            <a:r>
+              <a:rPr lang="en-US" b="1" dirty="0"/>
+              <a:t>best score for train type data is -805.0391094823968</a:t>
+            </a:r>
+          </a:p>
+          <a:p>
+            <a:pPr lvl="1"/>
+            <a:r>
+              <a:rPr lang="en-US" b="1" dirty="0" smtClean="0"/>
+              <a:t>The </a:t>
+            </a:r>
+            <a:r>
+              <a:rPr lang="en-US" b="1" dirty="0"/>
+              <a:t>best parameters for the train type data are {'</a:t>
+            </a:r>
+            <a:r>
+              <a:rPr lang="en-US" b="1" dirty="0" err="1"/>
+              <a:t>learning_rate</a:t>
+            </a:r>
+            <a:r>
+              <a:rPr lang="en-US" b="1" dirty="0"/>
+              <a:t>': 0.05, '</a:t>
+            </a:r>
+            <a:r>
+              <a:rPr lang="en-US" b="1" dirty="0" err="1"/>
+              <a:t>max_depth</a:t>
+            </a:r>
+            <a:r>
+              <a:rPr lang="en-US" b="1" dirty="0"/>
+              <a:t>': None, '</a:t>
+            </a:r>
+            <a:r>
+              <a:rPr lang="en-US" b="1" dirty="0" err="1"/>
+              <a:t>n_estimators</a:t>
+            </a:r>
+            <a:r>
+              <a:rPr lang="en-US" b="1" dirty="0"/>
+              <a:t>': 1000}</a:t>
+            </a:r>
+          </a:p>
+          <a:p>
+            <a:pPr marL="0" indent="0">
+              <a:buNone/>
+            </a:pPr>
+            <a:endParaRPr lang="en-US" dirty="0" smtClean="0"/>
           </a:p>
         </p:txBody>
       </p:sp>
     </p:spTree>
     <p:extLst>
       <p:ext uri="{BB962C8B-B14F-4D97-AF65-F5344CB8AC3E}">
-        <p14:creationId xmlns:p14="http://schemas.microsoft.com/office/powerpoint/2010/main" val="2640478221"/>
+        <p14:creationId xmlns:p14="http://schemas.microsoft.com/office/powerpoint/2010/main" val="1211881928"/>
       </p:ext>
     </p:extLst>
   </p:cSld>
@@ -22912,12 +22916,16 @@
               <a:t> </a:t>
             </a:r>
             <a:r>
-              <a:rPr lang="fr-FR" altLang="fr-FR" sz="3200" dirty="0" err="1"/>
+              <a:rPr lang="fr-FR" altLang="fr-FR" sz="3200" dirty="0" err="1" smtClean="0"/>
               <a:t>punctuality</a:t>
             </a:r>
             <a:r>
+              <a:rPr lang="fr-FR" altLang="fr-FR" sz="3200" dirty="0" smtClean="0"/>
+              <a:t> </a:t>
+            </a:r>
+            <a:r>
               <a:rPr lang="fr-FR" altLang="fr-FR" sz="3200" dirty="0"/>
-              <a:t> in </a:t>
+              <a:t>in </a:t>
             </a:r>
             <a:r>
               <a:rPr lang="fr-FR" altLang="fr-FR" sz="3200" dirty="0" err="1"/>
@@ -23071,15 +23079,7 @@
             </a:r>
             <a:r>
               <a:rPr lang="en-US" dirty="0" smtClean="0"/>
-              <a:t> predicting the time delay, we can for example based on that to </a:t>
-            </a:r>
-            <a:r>
-              <a:rPr lang="en-US" dirty="0" smtClean="0"/>
-              <a:t>schedule the connecting train correctly </a:t>
-            </a:r>
-            <a:r>
-              <a:rPr lang="en-US" dirty="0" smtClean="0"/>
-              <a:t>in order to avoid the cumulated delay and decrease the total delays. </a:t>
+              <a:t> predicting the time delay, we can for example based on that to schedule the connecting train correctly in order to avoid the cumulated delay and decrease the total delays. </a:t>
             </a:r>
           </a:p>
           <a:p>
@@ -23109,11 +23109,7 @@
             </a:r>
             <a:r>
               <a:rPr lang="en-US" b="1" dirty="0" smtClean="0"/>
-              <a:t>C</a:t>
-            </a:r>
-            <a:r>
-              <a:rPr lang="en-US" b="1" dirty="0" smtClean="0"/>
-              <a:t>ommunication</a:t>
+              <a:t>Communication</a:t>
             </a:r>
             <a:r>
               <a:rPr lang="en-US" dirty="0" smtClean="0"/>
@@ -23177,6 +23173,93 @@
       </p:grpSpPr>
       <p:sp>
         <p:nvSpPr>
+          <p:cNvPr id="2" name="Titre 1"/>
+          <p:cNvSpPr>
+            <a:spLocks noGrp="1"/>
+          </p:cNvSpPr>
+          <p:nvPr>
+            <p:ph type="title"/>
+          </p:nvPr>
+        </p:nvSpPr>
+        <p:spPr>
+          <a:xfrm>
+            <a:off x="1016408" y="632279"/>
+            <a:ext cx="9059577" cy="1565797"/>
+          </a:xfrm>
+        </p:spPr>
+        <p:txBody>
+          <a:bodyPr/>
+          <a:lstStyle/>
+          <a:p>
+            <a:r>
+              <a:rPr lang="fr-FR" altLang="fr-FR" sz="3200" dirty="0"/>
+              <a:t>A data-</a:t>
+            </a:r>
+            <a:r>
+              <a:rPr lang="fr-FR" altLang="fr-FR" sz="3200" dirty="0" err="1"/>
+              <a:t>driven</a:t>
+            </a:r>
+            <a:r>
+              <a:rPr lang="fr-FR" altLang="fr-FR" sz="3200" dirty="0"/>
+              <a:t> </a:t>
+            </a:r>
+            <a:r>
+              <a:rPr lang="fr-FR" altLang="fr-FR" sz="3200" dirty="0" err="1"/>
+              <a:t>approach</a:t>
+            </a:r>
+            <a:r>
+              <a:rPr lang="fr-FR" altLang="fr-FR" sz="3200" dirty="0"/>
+              <a:t> to </a:t>
+            </a:r>
+            <a:r>
+              <a:rPr lang="fr-FR" altLang="fr-FR" sz="3200" dirty="0" err="1"/>
+              <a:t>reduce</a:t>
+            </a:r>
+            <a:r>
+              <a:rPr lang="fr-FR" altLang="fr-FR" sz="3200" dirty="0"/>
+              <a:t> the train </a:t>
+            </a:r>
+            <a:r>
+              <a:rPr lang="fr-FR" altLang="fr-FR" sz="3200" dirty="0" err="1"/>
+              <a:t>delays</a:t>
+            </a:r>
+            <a:r>
+              <a:rPr lang="fr-FR" altLang="fr-FR" sz="3200" dirty="0"/>
+              <a:t> and </a:t>
+            </a:r>
+            <a:r>
+              <a:rPr lang="fr-FR" altLang="fr-FR" sz="3200" dirty="0" err="1"/>
+              <a:t>improve</a:t>
+            </a:r>
+            <a:r>
+              <a:rPr lang="fr-FR" altLang="fr-FR" sz="3200" dirty="0"/>
+              <a:t> </a:t>
+            </a:r>
+            <a:r>
+              <a:rPr lang="fr-FR" altLang="fr-FR" sz="3200" dirty="0" err="1"/>
+              <a:t>punctuality</a:t>
+            </a:r>
+            <a:r>
+              <a:rPr lang="fr-FR" altLang="fr-FR" sz="3200" dirty="0"/>
+              <a:t> in </a:t>
+            </a:r>
+            <a:r>
+              <a:rPr lang="fr-FR" altLang="fr-FR" sz="3200" dirty="0" err="1"/>
+              <a:t>Belgium</a:t>
+            </a:r>
+            <a:r>
+              <a:rPr lang="fr-FR" altLang="fr-FR" sz="3200" dirty="0"/>
+              <a:t>.</a:t>
+            </a:r>
+            <a:br>
+              <a:rPr lang="fr-FR" altLang="fr-FR" sz="3200" dirty="0"/>
+            </a:br>
+            <a:endParaRPr lang="fr-FR" sz="3200" dirty="0"/>
+          </a:p>
+        </p:txBody>
+      </p:sp>
+      <p:sp>
+        <p:nvSpPr>
           <p:cNvPr id="4" name="Espace réservé de la date 3"/>
           <p:cNvSpPr>
             <a:spLocks noGrp="1"/>
@@ -23256,53 +23339,101 @@
         </p:nvSpPr>
         <p:spPr>
           <a:xfrm>
-            <a:off x="951345" y="2398422"/>
-            <a:ext cx="10760009" cy="3752996"/>
+            <a:off x="703385" y="2398422"/>
+            <a:ext cx="11007969" cy="3752996"/>
           </a:xfrm>
         </p:spPr>
         <p:txBody>
           <a:bodyPr>
-            <a:normAutofit/>
+            <a:normAutofit lnSpcReduction="10000"/>
           </a:bodyPr>
           <a:lstStyle/>
           <a:p>
-            <a:pPr marL="0" indent="0" algn="ctr">
+            <a:pPr marL="0" indent="0" algn="just">
               <a:buNone/>
             </a:pPr>
-            <a:endParaRPr lang="en-US" sz="5400" b="1" dirty="0" smtClean="0"/>
-          </a:p>
-          <a:p>
-            <a:pPr marL="0" indent="0" algn="ctr">
+            <a:r>
+              <a:rPr lang="en-US" dirty="0" smtClean="0"/>
+              <a:t>Many </a:t>
+            </a:r>
+            <a:r>
+              <a:rPr lang="en-US" dirty="0"/>
+              <a:t>other analyses can be performed if we have more variables, such as analyzing interesting variables using feature importance, correlations, or other methods. However, given our current limitation in terms of available variables, we will work with the few variables we have</a:t>
+            </a:r>
+            <a:r>
+              <a:rPr lang="en-US" dirty="0" smtClean="0"/>
+              <a:t>.</a:t>
+            </a:r>
+          </a:p>
+          <a:p>
+            <a:pPr marL="0" indent="0" algn="just">
               <a:buNone/>
             </a:pPr>
-            <a:r>
-              <a:rPr lang="en-US" sz="5400" b="1" dirty="0" smtClean="0">
-                <a:solidFill>
-                  <a:schemeClr val="tx2"/>
-                </a:solidFill>
-              </a:rPr>
-              <a:t>Thanks for your </a:t>
-            </a:r>
-            <a:r>
-              <a:rPr lang="en-US" sz="5400" b="1" dirty="0" smtClean="0">
-                <a:solidFill>
-                  <a:schemeClr val="tx2"/>
-                </a:solidFill>
-              </a:rPr>
-              <a:t>attention </a:t>
-            </a:r>
-            <a:endParaRPr lang="fr-FR" sz="5400" b="1" dirty="0">
-              <a:solidFill>
-                <a:schemeClr val="tx2"/>
-              </a:solidFill>
-            </a:endParaRPr>
+            <a:endParaRPr lang="en-US" dirty="0"/>
+          </a:p>
+          <a:p>
+            <a:pPr algn="just"/>
+            <a:r>
+              <a:rPr lang="en-US" dirty="0"/>
+              <a:t>Additionally, I would like to train predictive maintenance models to prevent </a:t>
+            </a:r>
+            <a:r>
+              <a:rPr lang="en-US" b="1" dirty="0"/>
+              <a:t>damage problems</a:t>
+            </a:r>
+            <a:r>
+              <a:rPr lang="en-US" dirty="0" smtClean="0"/>
+              <a:t>.</a:t>
+            </a:r>
+          </a:p>
+          <a:p>
+            <a:pPr algn="just"/>
+            <a:endParaRPr lang="en-US" dirty="0"/>
+          </a:p>
+          <a:p>
+            <a:pPr algn="just"/>
+            <a:r>
+              <a:rPr lang="en-US" dirty="0"/>
+              <a:t>Furthermore, we could train some computer vision models to alert about intrusions onto the </a:t>
+            </a:r>
+            <a:r>
+              <a:rPr lang="en-US" dirty="0" smtClean="0"/>
+              <a:t>tracks to avoid </a:t>
+            </a:r>
+            <a:r>
+              <a:rPr lang="en-US" b="1" dirty="0"/>
+              <a:t>collisions with </a:t>
+            </a:r>
+            <a:r>
+              <a:rPr lang="en-US" b="1" dirty="0" smtClean="0"/>
+              <a:t>people problems</a:t>
+            </a:r>
+            <a:r>
+              <a:rPr lang="en-US" dirty="0" smtClean="0"/>
+              <a:t>.</a:t>
+            </a:r>
+          </a:p>
+          <a:p>
+            <a:pPr algn="just"/>
+            <a:endParaRPr lang="en-US" dirty="0" smtClean="0"/>
+          </a:p>
+          <a:p>
+            <a:pPr algn="just"/>
+            <a:r>
+              <a:rPr lang="en-US" dirty="0"/>
+              <a:t> </a:t>
+            </a:r>
+            <a:r>
+              <a:rPr lang="en-US" dirty="0" smtClean="0"/>
+              <a:t>etc.</a:t>
+            </a:r>
           </a:p>
         </p:txBody>
       </p:sp>
     </p:spTree>
     <p:extLst>
       <p:ext uri="{BB962C8B-B14F-4D97-AF65-F5344CB8AC3E}">
-        <p14:creationId xmlns:p14="http://schemas.microsoft.com/office/powerpoint/2010/main" val="3091245096"/>
+        <p14:creationId xmlns:p14="http://schemas.microsoft.com/office/powerpoint/2010/main" val="2640478221"/>
       </p:ext>
     </p:extLst>
   </p:cSld>
@@ -23338,6 +23469,159 @@
       </p:grpSpPr>
       <p:sp>
         <p:nvSpPr>
+          <p:cNvPr id="4" name="Espace réservé de la date 3"/>
+          <p:cNvSpPr>
+            <a:spLocks noGrp="1"/>
+          </p:cNvSpPr>
+          <p:nvPr>
+            <p:ph type="dt" sz="half" idx="10"/>
+          </p:nvPr>
+        </p:nvSpPr>
+        <p:spPr/>
+        <p:txBody>
+          <a:bodyPr/>
+          <a:lstStyle/>
+          <a:p>
+            <a:r>
+              <a:rPr lang="fr-FR" smtClean="0"/>
+              <a:t>25/06/2024</a:t>
+            </a:r>
+            <a:endParaRPr lang="fr-FR" dirty="0"/>
+          </a:p>
+        </p:txBody>
+      </p:sp>
+      <p:sp>
+        <p:nvSpPr>
+          <p:cNvPr id="5" name="Espace réservé du pied de page 4"/>
+          <p:cNvSpPr>
+            <a:spLocks noGrp="1"/>
+          </p:cNvSpPr>
+          <p:nvPr>
+            <p:ph type="ftr" sz="quarter" idx="11"/>
+          </p:nvPr>
+        </p:nvSpPr>
+        <p:spPr/>
+        <p:txBody>
+          <a:bodyPr/>
+          <a:lstStyle/>
+          <a:p>
+            <a:r>
+              <a:rPr lang="en-US" smtClean="0"/>
+              <a:t>Test Data Scientist: Yassine ZAIM</a:t>
+            </a:r>
+            <a:endParaRPr lang="fr-FR" dirty="0"/>
+          </a:p>
+        </p:txBody>
+      </p:sp>
+      <p:sp>
+        <p:nvSpPr>
+          <p:cNvPr id="6" name="Espace réservé du numéro de diapositive 5"/>
+          <p:cNvSpPr>
+            <a:spLocks noGrp="1"/>
+          </p:cNvSpPr>
+          <p:nvPr>
+            <p:ph type="sldNum" sz="quarter" idx="12"/>
+          </p:nvPr>
+        </p:nvSpPr>
+        <p:spPr/>
+        <p:txBody>
+          <a:bodyPr/>
+          <a:lstStyle/>
+          <a:p>
+            <a:fld id="{52EE442E-AFCB-49D7-8681-F3FF55F34AB9}" type="slidenum">
+              <a:rPr lang="fr-FR" smtClean="0"/>
+              <a:t>28</a:t>
+            </a:fld>
+            <a:endParaRPr lang="fr-FR" dirty="0"/>
+          </a:p>
+        </p:txBody>
+      </p:sp>
+      <p:sp>
+        <p:nvSpPr>
+          <p:cNvPr id="7" name="Espace réservé du contenu 6"/>
+          <p:cNvSpPr>
+            <a:spLocks noGrp="1"/>
+          </p:cNvSpPr>
+          <p:nvPr>
+            <p:ph idx="1"/>
+          </p:nvPr>
+        </p:nvSpPr>
+        <p:spPr>
+          <a:xfrm>
+            <a:off x="951345" y="2398422"/>
+            <a:ext cx="10760009" cy="3752996"/>
+          </a:xfrm>
+        </p:spPr>
+        <p:txBody>
+          <a:bodyPr>
+            <a:normAutofit/>
+          </a:bodyPr>
+          <a:lstStyle/>
+          <a:p>
+            <a:pPr marL="0" indent="0" algn="ctr">
+              <a:buNone/>
+            </a:pPr>
+            <a:endParaRPr lang="en-US" sz="5400" b="1" dirty="0" smtClean="0"/>
+          </a:p>
+          <a:p>
+            <a:pPr marL="0" indent="0" algn="ctr">
+              <a:buNone/>
+            </a:pPr>
+            <a:r>
+              <a:rPr lang="en-US" sz="5400" b="1" dirty="0" smtClean="0">
+                <a:solidFill>
+                  <a:schemeClr val="tx2"/>
+                </a:solidFill>
+              </a:rPr>
+              <a:t>Thanks for your attention </a:t>
+            </a:r>
+            <a:endParaRPr lang="fr-FR" sz="5400" b="1" dirty="0">
+              <a:solidFill>
+                <a:schemeClr val="tx2"/>
+              </a:solidFill>
+            </a:endParaRPr>
+          </a:p>
+        </p:txBody>
+      </p:sp>
+    </p:spTree>
+    <p:extLst>
+      <p:ext uri="{BB962C8B-B14F-4D97-AF65-F5344CB8AC3E}">
+        <p14:creationId xmlns:p14="http://schemas.microsoft.com/office/powerpoint/2010/main" val="3091245096"/>
+      </p:ext>
+    </p:extLst>
+  </p:cSld>
+  <p:clrMapOvr>
+    <a:masterClrMapping/>
+  </p:clrMapOvr>
+  <p:timing>
+    <p:tnLst>
+      <p:par>
+        <p:cTn id="1" dur="indefinite" restart="never" nodeType="tmRoot"/>
+      </p:par>
+    </p:tnLst>
+  </p:timing>
+</p:sld>
+</file>
+
+<file path=ppt/slides/slide29.xml><?xml version="1.0" encoding="utf-8"?>
+<p:sld xmlns:a="http://schemas.openxmlformats.org/drawingml/2006/main" xmlns:r="http://schemas.openxmlformats.org/officeDocument/2006/relationships" xmlns:p="http://schemas.openxmlformats.org/presentationml/2006/main">
+  <p:cSld>
+    <p:spTree>
+      <p:nvGrpSpPr>
+        <p:cNvPr id="1" name=""/>
+        <p:cNvGrpSpPr/>
+        <p:nvPr/>
+      </p:nvGrpSpPr>
+      <p:grpSpPr>
+        <a:xfrm>
+          <a:off x="0" y="0"/>
+          <a:ext cx="0" cy="0"/>
+          <a:chOff x="0" y="0"/>
+          <a:chExt cx="0" cy="0"/>
+        </a:xfrm>
+      </p:grpSpPr>
+      <p:sp>
+        <p:nvSpPr>
           <p:cNvPr id="2" name="Titre 1"/>
           <p:cNvSpPr>
             <a:spLocks noGrp="1"/>
@@ -23520,7 +23804,7 @@
           <a:p>
             <a:fld id="{52EE442E-AFCB-49D7-8681-F3FF55F34AB9}" type="slidenum">
               <a:rPr lang="fr-FR" smtClean="0"/>
-              <a:t>28</a:t>
+              <a:t>29</a:t>
             </a:fld>
             <a:endParaRPr lang="fr-FR" dirty="0"/>
           </a:p>
@@ -23536,6 +23820,13 @@
   <p:clrMapOvr>
     <a:masterClrMapping/>
   </p:clrMapOvr>
+  <p:timing>
+    <p:tnLst>
+      <p:par>
+        <p:cTn id="1" dur="indefinite" restart="never" nodeType="tmRoot"/>
+      </p:par>
+    </p:tnLst>
+  </p:timing>
 </p:sld>
 </file>
 
@@ -23783,7 +24074,7 @@
               <a:t> to </a:t>
             </a:r>
             <a:r>
-              <a:rPr lang="fr-FR" altLang="fr-FR" sz="3200" b="1" dirty="0" err="1">
+              <a:rPr lang="fr-FR" altLang="fr-FR" sz="3200" b="1" dirty="0" err="1" smtClean="0">
                 <a:solidFill>
                   <a:schemeClr val="tx2"/>
                 </a:solidFill>
@@ -23793,74 +24084,94 @@
               <a:t>reduce</a:t>
             </a:r>
             <a:r>
-              <a:rPr lang="fr-FR" altLang="fr-FR" sz="3200" b="1" dirty="0">
+              <a:rPr lang="fr-FR" altLang="fr-FR" sz="3200" b="1" dirty="0" smtClean="0">
                 <a:solidFill>
                   <a:schemeClr val="tx2"/>
                 </a:solidFill>
                 <a:latin typeface="+mj-lt"/>
                 <a:cs typeface="Times New Roman" panose="02020603050405020304" pitchFamily="18" charset="0"/>
               </a:rPr>
-              <a:t> the train </a:t>
-            </a:r>
-            <a:r>
-              <a:rPr lang="fr-FR" altLang="fr-FR" sz="3200" b="1" dirty="0" err="1">
+              <a:t> </a:t>
+            </a:r>
+            <a:r>
+              <a:rPr lang="fr-FR" altLang="fr-FR" sz="3200" b="1" dirty="0">
                 <a:solidFill>
                   <a:schemeClr val="tx2"/>
                 </a:solidFill>
                 <a:latin typeface="+mj-lt"/>
                 <a:cs typeface="Times New Roman" panose="02020603050405020304" pitchFamily="18" charset="0"/>
               </a:rPr>
-              <a:t>delays</a:t>
-            </a:r>
-            <a:r>
-              <a:rPr lang="fr-FR" altLang="fr-FR" sz="3200" b="1" dirty="0">
+              <a:t>the train </a:t>
+            </a:r>
+            <a:r>
+              <a:rPr lang="fr-FR" altLang="fr-FR" sz="3200" b="1" dirty="0" err="1">
                 <a:solidFill>
                   <a:schemeClr val="tx2"/>
                 </a:solidFill>
                 <a:latin typeface="+mj-lt"/>
                 <a:cs typeface="Times New Roman" panose="02020603050405020304" pitchFamily="18" charset="0"/>
               </a:rPr>
-              <a:t> and </a:t>
-            </a:r>
-            <a:r>
-              <a:rPr lang="fr-FR" altLang="fr-FR" sz="3200" b="1" dirty="0" err="1">
+              <a:t>delays</a:t>
+            </a:r>
+            <a:r>
+              <a:rPr lang="fr-FR" altLang="fr-FR" sz="3200" b="1" dirty="0">
                 <a:solidFill>
                   <a:schemeClr val="tx2"/>
                 </a:solidFill>
                 <a:latin typeface="+mj-lt"/>
                 <a:cs typeface="Times New Roman" panose="02020603050405020304" pitchFamily="18" charset="0"/>
               </a:rPr>
-              <a:t>improve</a:t>
-            </a:r>
-            <a:r>
-              <a:rPr lang="fr-FR" altLang="fr-FR" sz="3200" b="1" dirty="0">
+              <a:t> and </a:t>
+            </a:r>
+            <a:r>
+              <a:rPr lang="fr-FR" altLang="fr-FR" sz="3200" b="1" dirty="0" err="1" smtClean="0">
                 <a:solidFill>
                   <a:schemeClr val="tx2"/>
                 </a:solidFill>
                 <a:latin typeface="+mj-lt"/>
                 <a:cs typeface="Times New Roman" panose="02020603050405020304" pitchFamily="18" charset="0"/>
               </a:rPr>
-              <a:t> </a:t>
-            </a:r>
-            <a:r>
-              <a:rPr lang="fr-FR" altLang="fr-FR" sz="3200" b="1" dirty="0" err="1">
+              <a:t>improve</a:t>
+            </a:r>
+            <a:r>
+              <a:rPr lang="fr-FR" altLang="fr-FR" sz="3200" b="1" dirty="0" smtClean="0">
                 <a:solidFill>
                   <a:schemeClr val="tx2"/>
                 </a:solidFill>
                 <a:latin typeface="+mj-lt"/>
                 <a:cs typeface="Times New Roman" panose="02020603050405020304" pitchFamily="18" charset="0"/>
               </a:rPr>
-              <a:t>punctuality</a:t>
-            </a:r>
-            <a:r>
-              <a:rPr lang="fr-FR" altLang="fr-FR" sz="3200" b="1" dirty="0">
+              <a:t> </a:t>
+            </a:r>
+            <a:r>
+              <a:rPr lang="fr-FR" altLang="fr-FR" sz="3200" b="1" dirty="0" err="1" smtClean="0">
                 <a:solidFill>
                   <a:schemeClr val="tx2"/>
                 </a:solidFill>
                 <a:latin typeface="+mj-lt"/>
                 <a:cs typeface="Times New Roman" panose="02020603050405020304" pitchFamily="18" charset="0"/>
               </a:rPr>
-              <a:t> in </a:t>
+              <a:t>punctuality</a:t>
+            </a:r>
+            <a:r>
+              <a:rPr lang="fr-FR" altLang="fr-FR" sz="3200" b="1" dirty="0" smtClean="0">
+                <a:solidFill>
+                  <a:schemeClr val="tx2"/>
+                </a:solidFill>
+                <a:latin typeface="+mj-lt"/>
+                <a:cs typeface="Times New Roman" panose="02020603050405020304" pitchFamily="18" charset="0"/>
+              </a:rPr>
+              <a:t> </a:t>
+            </a:r>
+            <a:r>
+              <a:rPr lang="fr-FR" altLang="fr-FR" sz="3200" b="1" dirty="0">
+                <a:solidFill>
+                  <a:schemeClr val="tx2"/>
+                </a:solidFill>
+                <a:latin typeface="+mj-lt"/>
+                <a:cs typeface="Times New Roman" panose="02020603050405020304" pitchFamily="18" charset="0"/>
+              </a:rPr>
+              <a:t>in </a:t>
             </a:r>
             <a:r>
               <a:rPr lang="fr-FR" altLang="fr-FR" sz="3200" b="1" dirty="0" err="1">
@@ -24398,7 +24709,7 @@
           <a:lstStyle/>
           <a:p>
             <a:r>
-              <a:rPr lang="en-US" smtClean="0"/>
+              <a:rPr lang="en-US" dirty="0" smtClean="0"/>
               <a:t>Test Data Scientist: Yassine ZAIM</a:t>
             </a:r>
             <a:endParaRPr lang="fr-FR" dirty="0"/>
@@ -24469,36 +24780,26 @@
           </a:p>
           <a:p>
             <a:r>
-              <a:rPr lang="en-US" dirty="0"/>
-              <a:t> </a:t>
-            </a:r>
-            <a:r>
               <a:rPr lang="en-US" dirty="0" smtClean="0"/>
-              <a:t>Another important dataset which will be used is: </a:t>
-            </a:r>
-            <a:r>
-              <a:rPr lang="en-US" b="1" dirty="0"/>
-              <a:t>Train punctuality per train and per </a:t>
+              <a:t> Another important dataset which will be used is: </a:t>
+            </a:r>
+            <a:r>
+              <a:rPr lang="fr-FR" b="1" dirty="0"/>
+              <a:t>Ponctualité par type de train et par </a:t>
+            </a:r>
+            <a:r>
+              <a:rPr lang="fr-FR" b="1" dirty="0" smtClean="0"/>
+              <a:t>moment</a:t>
             </a:r>
             <a:r>
               <a:rPr lang="en-US" b="1" dirty="0" smtClean="0"/>
-              <a:t>moment</a:t>
-            </a:r>
-            <a:r>
-              <a:rPr lang="en-US" b="1" dirty="0"/>
               <a:t>, </a:t>
-            </a:r>
-            <a:r>
-              <a:rPr lang="en-US" dirty="0">
-                <a:hlinkClick r:id="rId3"/>
-              </a:rPr>
-              <a:t>https://infrabel.opendatasoft.com/explore/dataset/stiptheid-per-type-trein-en-per-moment/table/?</a:t>
             </a:r>
             <a:r>
               <a:rPr lang="en-US" dirty="0" smtClean="0">
                 <a:hlinkClick r:id="rId3"/>
               </a:rPr>
-              <a:t>disjunctive.rel&amp;disjunctive.instant&amp;sort=maand</a:t>
+              <a:t>https://infrabel.opendatasoft.com/explore/dataset/stiptheid-per-type-trein-en-per-moment/table/?disjunctive.rel&amp;disjunctive.instant&amp;sort=maand</a:t>
             </a:r>
             <a:endParaRPr lang="en-US" dirty="0" smtClean="0"/>
           </a:p>
@@ -24698,35 +24999,6 @@
           </a:p>
         </p:txBody>
       </p:sp>
-      <p:pic>
-        <p:nvPicPr>
-          <p:cNvPr id="12" name="Espace réservé du contenu 11"/>
-          <p:cNvPicPr>
-            <a:picLocks noGrp="1" noChangeAspect="1"/>
-          </p:cNvPicPr>
-          <p:nvPr>
-            <p:ph idx="1"/>
-          </p:nvPr>
-        </p:nvPicPr>
-        <p:blipFill>
-          <a:blip r:embed="rId2" cstate="print">
-            <a:extLst>
-              <a:ext uri="{28A0092B-C50C-407E-A947-70E740481C1C}">
-                <a14:useLocalDpi xmlns:a14="http://schemas.microsoft.com/office/drawing/2010/main" val="0"/>
-              </a:ext>
-            </a:extLst>
-          </a:blip>
-          <a:stretch>
-            <a:fillRect/>
-          </a:stretch>
-        </p:blipFill>
-        <p:spPr>
-          <a:xfrm>
-            <a:off x="3689839" y="2263467"/>
-            <a:ext cx="8502161" cy="4211226"/>
-          </a:xfrm>
-        </p:spPr>
-      </p:pic>
       <p:sp>
         <p:nvSpPr>
           <p:cNvPr id="3" name="ZoneTexte 2"/>
@@ -24961,6 +25233,30 @@
           </a:p>
         </p:txBody>
       </p:sp>
+      <p:pic>
+        <p:nvPicPr>
+          <p:cNvPr id="7" name="Image 6"/>
+          <p:cNvPicPr>
+            <a:picLocks noChangeAspect="1"/>
+          </p:cNvPicPr>
+          <p:nvPr/>
+        </p:nvPicPr>
+        <p:blipFill>
+          <a:blip r:embed="rId2"/>
+          <a:stretch>
+            <a:fillRect/>
+          </a:stretch>
+        </p:blipFill>
+        <p:spPr>
+          <a:xfrm>
+            <a:off x="3432022" y="2326555"/>
+            <a:ext cx="8639907" cy="4148138"/>
+          </a:xfrm>
+          <a:prstGeom prst="rect">
+            <a:avLst/>
+          </a:prstGeom>
+        </p:spPr>
+      </p:pic>
     </p:spTree>
     <p:extLst>
       <p:ext uri="{BB962C8B-B14F-4D97-AF65-F5344CB8AC3E}">
@@ -25141,35 +25437,6 @@
           </a:p>
         </p:txBody>
       </p:sp>
-      <p:pic>
-        <p:nvPicPr>
-          <p:cNvPr id="4" name="Espace réservé du contenu 3"/>
-          <p:cNvPicPr>
-            <a:picLocks noGrp="1" noChangeAspect="1"/>
-          </p:cNvPicPr>
-          <p:nvPr>
-            <p:ph idx="1"/>
-          </p:nvPr>
-        </p:nvPicPr>
-        <p:blipFill>
-          <a:blip r:embed="rId2" cstate="print">
-            <a:extLst>
-              <a:ext uri="{28A0092B-C50C-407E-A947-70E740481C1C}">
-                <a14:useLocalDpi xmlns:a14="http://schemas.microsoft.com/office/drawing/2010/main" val="0"/>
-              </a:ext>
-            </a:extLst>
-          </a:blip>
-          <a:stretch>
-            <a:fillRect/>
-          </a:stretch>
-        </p:blipFill>
-        <p:spPr>
-          <a:xfrm>
-            <a:off x="3543300" y="2283716"/>
-            <a:ext cx="8639908" cy="4190977"/>
-          </a:xfrm>
-        </p:spPr>
-      </p:pic>
       <p:sp>
         <p:nvSpPr>
           <p:cNvPr id="7" name="ZoneTexte 6"/>
@@ -25218,7 +25485,7 @@
             </a:r>
             <a:r>
               <a:rPr lang="fr-FR" dirty="0" smtClean="0"/>
-              <a:t> the </a:t>
+              <a:t> the duration </a:t>
             </a:r>
             <a:r>
               <a:rPr lang="fr-FR" dirty="0" err="1" smtClean="0"/>
@@ -25448,6 +25715,30 @@
           </a:p>
         </p:txBody>
       </p:sp>
+      <p:pic>
+        <p:nvPicPr>
+          <p:cNvPr id="3" name="Image 2"/>
+          <p:cNvPicPr>
+            <a:picLocks noChangeAspect="1"/>
+          </p:cNvPicPr>
+          <p:nvPr/>
+        </p:nvPicPr>
+        <p:blipFill>
+          <a:blip r:embed="rId2"/>
+          <a:stretch>
+            <a:fillRect/>
+          </a:stretch>
+        </p:blipFill>
+        <p:spPr>
+          <a:xfrm>
+            <a:off x="3754315" y="2334361"/>
+            <a:ext cx="8385368" cy="3986227"/>
+          </a:xfrm>
+          <a:prstGeom prst="rect">
+            <a:avLst/>
+          </a:prstGeom>
+        </p:spPr>
+      </p:pic>
     </p:spTree>
     <p:extLst>
       <p:ext uri="{BB962C8B-B14F-4D97-AF65-F5344CB8AC3E}">
@@ -25740,61 +26031,44 @@
             </a:r>
             <a:r>
               <a:rPr lang="en-US" dirty="0" smtClean="0"/>
-              <a:t>incidents, </a:t>
+              <a:t>incidents (</a:t>
             </a:r>
             <a:r>
               <a:rPr lang="en-US" dirty="0"/>
-              <a:t>we will </a:t>
+              <a:t>see the figure on the </a:t>
             </a:r>
             <a:r>
               <a:rPr lang="en-US" dirty="0" smtClean="0"/>
-              <a:t>see </a:t>
+              <a:t>right), we </a:t>
             </a:r>
             <a:r>
               <a:rPr lang="en-US" dirty="0"/>
-              <a:t>that the </a:t>
-            </a:r>
-            <a:r>
-              <a:rPr lang="en-US" dirty="0" smtClean="0"/>
-              <a:t>first problems of delay are </a:t>
+              <a:t>will see that the primary causes of delays are </a:t>
             </a:r>
             <a:r>
               <a:rPr lang="en-US" b="1" dirty="0"/>
-              <a:t>intrusion into the tracks </a:t>
+              <a:t>intrusions </a:t>
             </a:r>
             <a:r>
               <a:rPr lang="en-US" b="1" dirty="0" smtClean="0"/>
-              <a:t> </a:t>
-            </a:r>
-            <a:r>
-              <a:rPr lang="en-US" dirty="0" smtClean="0"/>
-              <a:t>and</a:t>
-            </a:r>
-            <a:r>
-              <a:rPr lang="en-US" b="1" dirty="0" smtClean="0"/>
-              <a:t> exceptional </a:t>
+              <a:t>into </a:t>
             </a:r>
             <a:r>
               <a:rPr lang="en-US" b="1" dirty="0"/>
-              <a:t>weather conditions</a:t>
+              <a:t>the tracks </a:t>
             </a:r>
             <a:r>
               <a:rPr lang="en-US" dirty="0"/>
-              <a:t> </a:t>
-            </a:r>
-            <a:r>
-              <a:rPr lang="en-US" dirty="0" smtClean="0"/>
-              <a:t>which </a:t>
+              <a:t>and </a:t>
+            </a:r>
+            <a:r>
+              <a:rPr lang="en-US" b="1" dirty="0"/>
+              <a:t>exceptional weather conditions</a:t>
             </a:r>
             <a:r>
               <a:rPr lang="en-US" dirty="0"/>
-              <a:t>causing approximately the same time </a:t>
-            </a:r>
-            <a:r>
-              <a:rPr lang="en-US" dirty="0" smtClean="0"/>
-              <a:t>delay.</a:t>
-            </a:r>
-            <a:endParaRPr lang="en-US" dirty="0"/>
+              <a:t>, both causing approximately the same amount of delay.</a:t>
+            </a:r>
           </a:p>
         </p:txBody>
       </p:sp>
@@ -25877,8 +26151,8 @@
         </p:blipFill>
         <p:spPr>
           <a:xfrm>
-            <a:off x="448967" y="2490802"/>
-            <a:ext cx="2872989" cy="1356478"/>
+            <a:off x="70900" y="2457808"/>
+            <a:ext cx="2676091" cy="1263513"/>
           </a:xfrm>
           <a:prstGeom prst="rect">
             <a:avLst/>
@@ -26049,8 +26323,8 @@
         </p:blipFill>
         <p:spPr>
           <a:xfrm>
-            <a:off x="4325816" y="2490802"/>
-            <a:ext cx="2347163" cy="1348857"/>
+            <a:off x="2863862" y="2416322"/>
+            <a:ext cx="2270845" cy="1304999"/>
           </a:xfrm>
           <a:prstGeom prst="rect">
             <a:avLst/>
@@ -26073,8 +26347,8 @@
         </p:blipFill>
         <p:spPr>
           <a:xfrm>
-            <a:off x="7171411" y="2574308"/>
-            <a:ext cx="4900518" cy="3504281"/>
+            <a:off x="7835503" y="2549770"/>
+            <a:ext cx="4356497" cy="3115260"/>
           </a:xfrm>
           <a:prstGeom prst="rect">
             <a:avLst/>
@@ -26089,8 +26363,8 @@
         </p:nvSpPr>
         <p:spPr>
           <a:xfrm>
-            <a:off x="448967" y="3956538"/>
-            <a:ext cx="2872989" cy="2308324"/>
+            <a:off x="158820" y="3848450"/>
+            <a:ext cx="2443703" cy="2308324"/>
           </a:xfrm>
           <a:prstGeom prst="rect">
             <a:avLst/>
@@ -26105,166 +26379,166 @@
           <a:p>
             <a:pPr algn="just"/>
             <a:r>
-              <a:rPr lang="fr-FR" dirty="0" smtClean="0"/>
+              <a:rPr lang="fr-FR" sz="1600" dirty="0" smtClean="0"/>
               <a:t>It </a:t>
             </a:r>
             <a:r>
-              <a:rPr lang="fr-FR" dirty="0" err="1" smtClean="0"/>
+              <a:rPr lang="fr-FR" sz="1600" dirty="0" err="1" smtClean="0"/>
               <a:t>is</a:t>
             </a:r>
             <a:r>
-              <a:rPr lang="fr-FR" dirty="0" smtClean="0"/>
+              <a:rPr lang="fr-FR" sz="1600" dirty="0" smtClean="0"/>
               <a:t> </a:t>
             </a:r>
             <a:r>
-              <a:rPr lang="fr-FR" dirty="0" err="1" smtClean="0"/>
+              <a:rPr lang="fr-FR" sz="1600" dirty="0" err="1" smtClean="0"/>
               <a:t>clear</a:t>
             </a:r>
             <a:r>
-              <a:rPr lang="fr-FR" dirty="0" smtClean="0"/>
+              <a:rPr lang="fr-FR" sz="1600" dirty="0" smtClean="0"/>
               <a:t> </a:t>
             </a:r>
             <a:r>
-              <a:rPr lang="fr-FR" dirty="0" err="1" smtClean="0"/>
+              <a:rPr lang="fr-FR" sz="1600" dirty="0" err="1" smtClean="0"/>
               <a:t>from</a:t>
             </a:r>
             <a:r>
-              <a:rPr lang="fr-FR" dirty="0" smtClean="0"/>
+              <a:rPr lang="fr-FR" sz="1600" dirty="0" smtClean="0"/>
               <a:t> the </a:t>
             </a:r>
             <a:r>
-              <a:rPr lang="fr-FR" dirty="0" err="1" smtClean="0"/>
+              <a:rPr lang="fr-FR" sz="1600" dirty="0" err="1" smtClean="0"/>
               <a:t>statistics</a:t>
             </a:r>
             <a:r>
-              <a:rPr lang="fr-FR" dirty="0" smtClean="0"/>
+              <a:rPr lang="fr-FR" sz="1600" dirty="0" smtClean="0"/>
               <a:t> of the </a:t>
             </a:r>
             <a:r>
-              <a:rPr lang="fr-FR" dirty="0" err="1" smtClean="0"/>
+              <a:rPr lang="fr-FR" sz="1600" dirty="0" err="1" smtClean="0"/>
               <a:t>number</a:t>
             </a:r>
             <a:r>
-              <a:rPr lang="fr-FR" dirty="0" smtClean="0"/>
+              <a:rPr lang="fr-FR" sz="1600" dirty="0" smtClean="0"/>
               <a:t> of train </a:t>
             </a:r>
             <a:r>
-              <a:rPr lang="fr-FR" dirty="0" err="1" smtClean="0"/>
+              <a:rPr lang="fr-FR" sz="1600" dirty="0" err="1" smtClean="0"/>
               <a:t>with</a:t>
             </a:r>
             <a:r>
-              <a:rPr lang="fr-FR" dirty="0" smtClean="0"/>
+              <a:rPr lang="fr-FR" sz="1600" dirty="0" smtClean="0"/>
               <a:t> </a:t>
             </a:r>
             <a:r>
-              <a:rPr lang="fr-FR" dirty="0" err="1" smtClean="0"/>
+              <a:rPr lang="fr-FR" sz="1600" dirty="0" err="1" smtClean="0"/>
               <a:t>delay</a:t>
             </a:r>
             <a:r>
-              <a:rPr lang="fr-FR" dirty="0" smtClean="0"/>
+              <a:rPr lang="fr-FR" sz="1600" dirty="0" smtClean="0"/>
               <a:t> in </a:t>
             </a:r>
             <a:r>
-              <a:rPr lang="fr-FR" dirty="0" err="1" smtClean="0"/>
+              <a:rPr lang="fr-FR" sz="1600" dirty="0" err="1" smtClean="0"/>
               <a:t>term</a:t>
             </a:r>
             <a:r>
-              <a:rPr lang="fr-FR" dirty="0" smtClean="0"/>
+              <a:rPr lang="fr-FR" sz="1600" dirty="0" smtClean="0"/>
               <a:t> of moments </a:t>
             </a:r>
             <a:r>
-              <a:rPr lang="fr-FR" dirty="0" err="1" smtClean="0"/>
+              <a:rPr lang="fr-FR" sz="1600" dirty="0" err="1" smtClean="0"/>
               <a:t>that</a:t>
             </a:r>
             <a:r>
-              <a:rPr lang="fr-FR" dirty="0" smtClean="0"/>
-              <a:t> the </a:t>
-            </a:r>
-            <a:r>
-              <a:rPr lang="fr-FR" b="1" dirty="0" smtClean="0"/>
+              <a:rPr lang="fr-FR" sz="1600" dirty="0" smtClean="0"/>
+              <a:t> </a:t>
+            </a:r>
+            <a:r>
+              <a:rPr lang="fr-FR" sz="1600" dirty="0" err="1" smtClean="0"/>
+              <a:t>there</a:t>
+            </a:r>
+            <a:r>
+              <a:rPr lang="fr-FR" sz="1600" dirty="0" smtClean="0"/>
+              <a:t> </a:t>
+            </a:r>
+            <a:r>
+              <a:rPr lang="fr-FR" sz="1600" dirty="0" err="1" smtClean="0"/>
+              <a:t>is</a:t>
+            </a:r>
+            <a:r>
+              <a:rPr lang="fr-FR" sz="1600" dirty="0" smtClean="0"/>
+              <a:t> more trains </a:t>
+            </a:r>
+            <a:r>
+              <a:rPr lang="fr-FR" sz="1600" dirty="0" err="1" smtClean="0"/>
+              <a:t>with</a:t>
+            </a:r>
+            <a:r>
+              <a:rPr lang="fr-FR" sz="1600" dirty="0" smtClean="0"/>
+              <a:t> </a:t>
+            </a:r>
+            <a:r>
+              <a:rPr lang="fr-FR" sz="1600" dirty="0" err="1" smtClean="0"/>
+              <a:t>delay</a:t>
+            </a:r>
+            <a:r>
+              <a:rPr lang="fr-FR" sz="1600" dirty="0" smtClean="0"/>
+              <a:t> in the </a:t>
+            </a:r>
+            <a:r>
+              <a:rPr lang="fr-FR" sz="1600" b="1" dirty="0" smtClean="0"/>
               <a:t>Off-</a:t>
             </a:r>
             <a:r>
-              <a:rPr lang="fr-FR" b="1" dirty="0" err="1" smtClean="0"/>
+              <a:rPr lang="fr-FR" sz="1600" b="1" dirty="0" err="1" smtClean="0"/>
               <a:t>peak</a:t>
             </a:r>
             <a:r>
-              <a:rPr lang="fr-FR" b="1" dirty="0" smtClean="0"/>
+              <a:rPr lang="fr-FR" sz="1600" b="1" dirty="0" smtClean="0"/>
               <a:t> </a:t>
             </a:r>
             <a:r>
-              <a:rPr lang="fr-FR" b="1" dirty="0" err="1" smtClean="0"/>
+              <a:rPr lang="fr-FR" sz="1600" b="1" dirty="0" err="1" smtClean="0"/>
               <a:t>hours</a:t>
             </a:r>
             <a:r>
-              <a:rPr lang="fr-FR" b="1" dirty="0" smtClean="0"/>
+              <a:rPr lang="fr-FR" sz="1600" b="1" dirty="0" smtClean="0"/>
               <a:t> </a:t>
             </a:r>
             <a:r>
-              <a:rPr lang="fr-FR" dirty="0" err="1" smtClean="0"/>
-              <a:t>there</a:t>
-            </a:r>
-            <a:r>
-              <a:rPr lang="fr-FR" dirty="0" smtClean="0"/>
+              <a:rPr lang="fr-FR" sz="1600" dirty="0" err="1" smtClean="0"/>
+              <a:t>than</a:t>
+            </a:r>
+            <a:r>
+              <a:rPr lang="fr-FR" sz="1600" dirty="0" smtClean="0"/>
+              <a:t> in the </a:t>
+            </a:r>
+            <a:r>
+              <a:rPr lang="fr-FR" sz="1600" b="1" dirty="0" err="1" smtClean="0"/>
+              <a:t>Morning</a:t>
+            </a:r>
+            <a:r>
+              <a:rPr lang="fr-FR" sz="1600" b="1" dirty="0" smtClean="0"/>
               <a:t> </a:t>
             </a:r>
             <a:r>
-              <a:rPr lang="fr-FR" dirty="0" err="1" smtClean="0"/>
-              <a:t>is</a:t>
-            </a:r>
-            <a:r>
-              <a:rPr lang="fr-FR" dirty="0" smtClean="0"/>
-              <a:t> more train </a:t>
-            </a:r>
-            <a:r>
-              <a:rPr lang="fr-FR" dirty="0" err="1" smtClean="0"/>
-              <a:t>with</a:t>
-            </a:r>
-            <a:r>
-              <a:rPr lang="fr-FR" dirty="0" smtClean="0"/>
+              <a:rPr lang="fr-FR" sz="1600" b="1" dirty="0" err="1" smtClean="0"/>
+              <a:t>peak</a:t>
+            </a:r>
+            <a:r>
+              <a:rPr lang="fr-FR" sz="1600" b="1" dirty="0" smtClean="0"/>
               <a:t> </a:t>
             </a:r>
             <a:r>
-              <a:rPr lang="fr-FR" dirty="0" err="1" smtClean="0"/>
-              <a:t>delay</a:t>
-            </a:r>
-            <a:r>
-              <a:rPr lang="fr-FR" dirty="0"/>
-              <a:t> </a:t>
-            </a:r>
-            <a:r>
-              <a:rPr lang="fr-FR" dirty="0" err="1" smtClean="0"/>
-              <a:t>then</a:t>
-            </a:r>
-            <a:r>
-              <a:rPr lang="fr-FR" dirty="0" smtClean="0"/>
-              <a:t> in the </a:t>
-            </a:r>
-            <a:r>
-              <a:rPr lang="fr-FR" b="1" dirty="0" err="1" smtClean="0"/>
-              <a:t>Morning</a:t>
-            </a:r>
-            <a:r>
-              <a:rPr lang="fr-FR" b="1" dirty="0" smtClean="0"/>
-              <a:t> </a:t>
-            </a:r>
-            <a:r>
-              <a:rPr lang="fr-FR" b="1" dirty="0" err="1" smtClean="0"/>
-              <a:t>peak</a:t>
-            </a:r>
-            <a:r>
-              <a:rPr lang="fr-FR" b="1" dirty="0" smtClean="0"/>
-              <a:t> </a:t>
-            </a:r>
-            <a:r>
-              <a:rPr lang="fr-FR" b="1" dirty="0" err="1" smtClean="0"/>
+              <a:rPr lang="fr-FR" sz="1600" b="1" dirty="0" err="1" smtClean="0"/>
               <a:t>hour</a:t>
             </a:r>
             <a:r>
-              <a:rPr lang="fr-FR" b="1" dirty="0" smtClean="0"/>
+              <a:rPr lang="fr-FR" sz="1600" b="1" dirty="0" smtClean="0"/>
               <a:t>, etc.</a:t>
             </a:r>
-            <a:endParaRPr lang="fr-FR" b="1" dirty="0"/>
+            <a:endParaRPr lang="fr-FR" sz="1600" b="1" dirty="0"/>
           </a:p>
         </p:txBody>
       </p:sp>
@@ -26276,8 +26550,8 @@
         </p:nvSpPr>
         <p:spPr>
           <a:xfrm>
-            <a:off x="3991709" y="3956538"/>
-            <a:ext cx="3179702" cy="2308324"/>
+            <a:off x="2784734" y="3808917"/>
+            <a:ext cx="2542514" cy="2554545"/>
           </a:xfrm>
           <a:prstGeom prst="rect">
             <a:avLst/>
@@ -26292,162 +26566,418 @@
           <a:p>
             <a:pPr algn="just"/>
             <a:r>
-              <a:rPr lang="fr-FR" dirty="0" smtClean="0"/>
+              <a:rPr lang="fr-FR" sz="1600" dirty="0" smtClean="0"/>
               <a:t>It </a:t>
             </a:r>
             <a:r>
-              <a:rPr lang="fr-FR" dirty="0" err="1" smtClean="0"/>
+              <a:rPr lang="fr-FR" sz="1600" dirty="0" err="1" smtClean="0"/>
               <a:t>is</a:t>
             </a:r>
             <a:r>
-              <a:rPr lang="fr-FR" dirty="0" smtClean="0"/>
+              <a:rPr lang="fr-FR" sz="1600" dirty="0" smtClean="0"/>
               <a:t> </a:t>
             </a:r>
             <a:r>
-              <a:rPr lang="fr-FR" dirty="0" err="1" smtClean="0"/>
+              <a:rPr lang="fr-FR" sz="1600" dirty="0" err="1" smtClean="0"/>
               <a:t>clear</a:t>
             </a:r>
             <a:r>
-              <a:rPr lang="fr-FR" dirty="0" smtClean="0"/>
+              <a:rPr lang="fr-FR" sz="1600" dirty="0" smtClean="0"/>
               <a:t> </a:t>
             </a:r>
             <a:r>
-              <a:rPr lang="fr-FR" dirty="0" err="1" smtClean="0"/>
+              <a:rPr lang="fr-FR" sz="1600" dirty="0" err="1" smtClean="0"/>
               <a:t>from</a:t>
             </a:r>
             <a:r>
-              <a:rPr lang="fr-FR" dirty="0" smtClean="0"/>
+              <a:rPr lang="fr-FR" sz="1600" dirty="0" smtClean="0"/>
               <a:t> the </a:t>
             </a:r>
             <a:r>
-              <a:rPr lang="fr-FR" dirty="0" err="1" smtClean="0"/>
+              <a:rPr lang="fr-FR" sz="1600" dirty="0" err="1" smtClean="0"/>
               <a:t>statistics</a:t>
             </a:r>
             <a:r>
-              <a:rPr lang="fr-FR" dirty="0" smtClean="0"/>
+              <a:rPr lang="fr-FR" sz="1600" dirty="0" smtClean="0"/>
               <a:t> of the </a:t>
             </a:r>
             <a:r>
-              <a:rPr lang="fr-FR" dirty="0" err="1" smtClean="0"/>
+              <a:rPr lang="fr-FR" sz="1600" dirty="0" err="1" smtClean="0"/>
               <a:t>sum</a:t>
             </a:r>
             <a:r>
-              <a:rPr lang="fr-FR" dirty="0" smtClean="0"/>
+              <a:rPr lang="fr-FR" sz="1600" dirty="0" smtClean="0"/>
               <a:t> of minutes of train </a:t>
             </a:r>
             <a:r>
-              <a:rPr lang="fr-FR" dirty="0" err="1" smtClean="0"/>
+              <a:rPr lang="fr-FR" sz="1600" dirty="0" err="1" smtClean="0"/>
               <a:t>delay</a:t>
             </a:r>
             <a:r>
-              <a:rPr lang="fr-FR" dirty="0" smtClean="0"/>
+              <a:rPr lang="fr-FR" sz="1600" dirty="0" smtClean="0"/>
               <a:t> in </a:t>
             </a:r>
             <a:r>
-              <a:rPr lang="fr-FR" dirty="0" err="1" smtClean="0"/>
+              <a:rPr lang="fr-FR" sz="1600" dirty="0" err="1" smtClean="0"/>
               <a:t>term</a:t>
             </a:r>
             <a:r>
-              <a:rPr lang="fr-FR" dirty="0" smtClean="0"/>
+              <a:rPr lang="fr-FR" sz="1600" dirty="0" smtClean="0"/>
               <a:t> of moments and box plot the </a:t>
             </a:r>
             <a:r>
-              <a:rPr lang="fr-FR" dirty="0" err="1" smtClean="0"/>
+              <a:rPr lang="fr-FR" sz="1600" dirty="0" err="1" smtClean="0"/>
               <a:t>same</a:t>
             </a:r>
             <a:r>
-              <a:rPr lang="fr-FR" dirty="0" smtClean="0"/>
+              <a:rPr lang="fr-FR" sz="1600" dirty="0" smtClean="0"/>
               <a:t> </a:t>
             </a:r>
             <a:r>
-              <a:rPr lang="fr-FR" dirty="0" err="1" smtClean="0"/>
+              <a:rPr lang="fr-FR" sz="1600" dirty="0" err="1" smtClean="0"/>
               <a:t>remark</a:t>
             </a:r>
             <a:r>
-              <a:rPr lang="fr-FR" dirty="0"/>
+              <a:rPr lang="fr-FR" sz="1600" dirty="0"/>
               <a:t> </a:t>
             </a:r>
             <a:r>
-              <a:rPr lang="fr-FR" dirty="0" err="1" smtClean="0"/>
+              <a:rPr lang="fr-FR" sz="1600" dirty="0" err="1" smtClean="0"/>
               <a:t>that</a:t>
             </a:r>
             <a:r>
-              <a:rPr lang="fr-FR" dirty="0" smtClean="0"/>
+              <a:rPr lang="fr-FR" sz="1600" dirty="0" smtClean="0"/>
               <a:t>: In the </a:t>
             </a:r>
             <a:r>
-              <a:rPr lang="fr-FR" b="1" dirty="0" smtClean="0"/>
+              <a:rPr lang="fr-FR" sz="1600" b="1" dirty="0" smtClean="0"/>
               <a:t>Off-</a:t>
             </a:r>
             <a:r>
-              <a:rPr lang="fr-FR" b="1" dirty="0" err="1" smtClean="0"/>
+              <a:rPr lang="fr-FR" sz="1600" b="1" dirty="0" err="1" smtClean="0"/>
               <a:t>peak</a:t>
             </a:r>
             <a:r>
-              <a:rPr lang="fr-FR" b="1" dirty="0" smtClean="0"/>
+              <a:rPr lang="fr-FR" sz="1600" b="1" dirty="0" smtClean="0"/>
               <a:t> </a:t>
             </a:r>
             <a:r>
-              <a:rPr lang="fr-FR" b="1" dirty="0" err="1" smtClean="0"/>
+              <a:rPr lang="fr-FR" sz="1600" b="1" dirty="0" err="1" smtClean="0"/>
               <a:t>hours</a:t>
             </a:r>
             <a:r>
-              <a:rPr lang="fr-FR" b="1" dirty="0" smtClean="0"/>
+              <a:rPr lang="fr-FR" sz="1600" b="1" dirty="0" smtClean="0"/>
               <a:t> </a:t>
             </a:r>
             <a:r>
-              <a:rPr lang="fr-FR" dirty="0" smtClean="0"/>
+              <a:rPr lang="fr-FR" sz="1600" dirty="0" smtClean="0"/>
               <a:t>and </a:t>
             </a:r>
             <a:r>
-              <a:rPr lang="fr-FR" b="1" dirty="0" err="1" smtClean="0"/>
+              <a:rPr lang="fr-FR" sz="1600" b="1" dirty="0" err="1" smtClean="0"/>
               <a:t>Morning</a:t>
             </a:r>
             <a:r>
-              <a:rPr lang="fr-FR" b="1" dirty="0" smtClean="0"/>
+              <a:rPr lang="fr-FR" sz="1600" b="1" dirty="0" smtClean="0"/>
               <a:t> </a:t>
             </a:r>
             <a:r>
-              <a:rPr lang="fr-FR" b="1" dirty="0" err="1" smtClean="0"/>
+              <a:rPr lang="fr-FR" sz="1600" b="1" dirty="0" err="1" smtClean="0"/>
               <a:t>peak</a:t>
             </a:r>
             <a:r>
-              <a:rPr lang="fr-FR" b="1" dirty="0" smtClean="0"/>
+              <a:rPr lang="fr-FR" sz="1600" b="1" dirty="0" smtClean="0"/>
               <a:t> </a:t>
             </a:r>
             <a:r>
-              <a:rPr lang="fr-FR" b="1" dirty="0" err="1" smtClean="0"/>
+              <a:rPr lang="fr-FR" sz="1600" b="1" dirty="0" err="1" smtClean="0"/>
               <a:t>hour</a:t>
             </a:r>
             <a:r>
-              <a:rPr lang="fr-FR" b="1" dirty="0"/>
+              <a:rPr lang="fr-FR" sz="1600" b="1" dirty="0"/>
               <a:t> </a:t>
             </a:r>
             <a:r>
-              <a:rPr lang="fr-FR" dirty="0" err="1" smtClean="0"/>
+              <a:rPr lang="fr-FR" sz="1600" dirty="0" err="1" smtClean="0"/>
               <a:t>there</a:t>
             </a:r>
             <a:r>
-              <a:rPr lang="fr-FR" dirty="0" smtClean="0"/>
+              <a:rPr lang="fr-FR" sz="1600" dirty="0" smtClean="0"/>
               <a:t> </a:t>
             </a:r>
             <a:r>
-              <a:rPr lang="fr-FR" dirty="0" err="1" smtClean="0"/>
+              <a:rPr lang="fr-FR" sz="1600" dirty="0" err="1" smtClean="0"/>
               <a:t>is</a:t>
             </a:r>
             <a:r>
-              <a:rPr lang="fr-FR" dirty="0" smtClean="0"/>
+              <a:rPr lang="fr-FR" sz="1600" dirty="0" smtClean="0"/>
               <a:t> more minutes of </a:t>
             </a:r>
             <a:r>
-              <a:rPr lang="fr-FR" dirty="0" err="1" smtClean="0"/>
+              <a:rPr lang="fr-FR" sz="1600" dirty="0" err="1" smtClean="0"/>
               <a:t>delay</a:t>
             </a:r>
             <a:r>
-              <a:rPr lang="fr-FR" dirty="0" smtClean="0"/>
+              <a:rPr lang="fr-FR" sz="1600" dirty="0" smtClean="0"/>
               <a:t>.</a:t>
             </a:r>
-            <a:endParaRPr lang="fr-FR" b="1" dirty="0"/>
+            <a:endParaRPr lang="fr-FR" sz="1600" b="1" dirty="0"/>
+          </a:p>
+        </p:txBody>
+      </p:sp>
+      <p:pic>
+        <p:nvPicPr>
+          <p:cNvPr id="2" name="Image 1"/>
+          <p:cNvPicPr>
+            <a:picLocks noChangeAspect="1"/>
+          </p:cNvPicPr>
+          <p:nvPr/>
+        </p:nvPicPr>
+        <p:blipFill>
+          <a:blip r:embed="rId5"/>
+          <a:stretch>
+            <a:fillRect/>
+          </a:stretch>
+        </p:blipFill>
+        <p:spPr>
+          <a:xfrm>
+            <a:off x="5177924" y="2457808"/>
+            <a:ext cx="2996231" cy="1149498"/>
+          </a:xfrm>
+          <a:prstGeom prst="rect">
+            <a:avLst/>
+          </a:prstGeom>
+        </p:spPr>
+      </p:pic>
+      <p:sp>
+        <p:nvSpPr>
+          <p:cNvPr id="13" name="ZoneTexte 12"/>
+          <p:cNvSpPr txBox="1"/>
+          <p:nvPr/>
+        </p:nvSpPr>
+        <p:spPr>
+          <a:xfrm>
+            <a:off x="5406376" y="3808917"/>
+            <a:ext cx="2568247" cy="2554545"/>
+          </a:xfrm>
+          <a:prstGeom prst="rect">
+            <a:avLst/>
+          </a:prstGeom>
+          <a:noFill/>
+        </p:spPr>
+        <p:txBody>
+          <a:bodyPr wrap="square" rtlCol="0">
+            <a:spAutoFit/>
+          </a:bodyPr>
+          <a:lstStyle/>
+          <a:p>
+            <a:pPr algn="just"/>
+            <a:r>
+              <a:rPr lang="fr-FR" sz="1600" dirty="0" err="1" smtClean="0"/>
+              <a:t>However</a:t>
+            </a:r>
+            <a:r>
+              <a:rPr lang="fr-FR" sz="1600" dirty="0" smtClean="0"/>
+              <a:t>, </a:t>
+            </a:r>
+            <a:r>
+              <a:rPr lang="fr-FR" sz="1600" dirty="0" err="1" smtClean="0"/>
+              <a:t>it</a:t>
+            </a:r>
+            <a:r>
+              <a:rPr lang="fr-FR" sz="1600" dirty="0" smtClean="0"/>
+              <a:t> </a:t>
+            </a:r>
+            <a:r>
+              <a:rPr lang="fr-FR" sz="1600" dirty="0" err="1" smtClean="0"/>
+              <a:t>is</a:t>
+            </a:r>
+            <a:r>
+              <a:rPr lang="fr-FR" sz="1600" dirty="0" smtClean="0"/>
+              <a:t> </a:t>
+            </a:r>
+            <a:r>
+              <a:rPr lang="fr-FR" sz="1600" dirty="0" err="1" smtClean="0"/>
+              <a:t>clear</a:t>
+            </a:r>
+            <a:r>
+              <a:rPr lang="fr-FR" sz="1600" dirty="0" smtClean="0"/>
+              <a:t> </a:t>
+            </a:r>
+            <a:r>
+              <a:rPr lang="fr-FR" sz="1600" dirty="0" err="1" smtClean="0"/>
+              <a:t>from</a:t>
+            </a:r>
+            <a:r>
+              <a:rPr lang="fr-FR" sz="1600" dirty="0" smtClean="0"/>
+              <a:t> the </a:t>
+            </a:r>
+            <a:r>
+              <a:rPr lang="fr-FR" sz="1600" dirty="0" err="1" smtClean="0"/>
+              <a:t>average</a:t>
+            </a:r>
+            <a:r>
+              <a:rPr lang="fr-FR" sz="1600" dirty="0" smtClean="0"/>
+              <a:t> </a:t>
+            </a:r>
+            <a:r>
+              <a:rPr lang="fr-FR" sz="1600" dirty="0" err="1" smtClean="0"/>
+              <a:t>percentage</a:t>
+            </a:r>
+            <a:r>
+              <a:rPr lang="fr-FR" sz="1600" dirty="0" smtClean="0"/>
+              <a:t> of trains </a:t>
+            </a:r>
+            <a:r>
+              <a:rPr lang="fr-FR" sz="1600" dirty="0" err="1" smtClean="0"/>
+              <a:t>with</a:t>
+            </a:r>
+            <a:r>
+              <a:rPr lang="fr-FR" sz="1600" dirty="0" smtClean="0"/>
+              <a:t> </a:t>
+            </a:r>
+            <a:r>
+              <a:rPr lang="fr-FR" sz="1600" dirty="0" err="1" smtClean="0"/>
+              <a:t>delay</a:t>
+            </a:r>
+            <a:r>
+              <a:rPr lang="fr-FR" sz="1600" dirty="0" smtClean="0"/>
+              <a:t> in </a:t>
+            </a:r>
+            <a:r>
+              <a:rPr lang="fr-FR" sz="1600" dirty="0" err="1" smtClean="0"/>
+              <a:t>term</a:t>
+            </a:r>
+            <a:r>
+              <a:rPr lang="fr-FR" sz="1600" dirty="0" smtClean="0"/>
+              <a:t> of moments </a:t>
+            </a:r>
+            <a:r>
+              <a:rPr lang="fr-FR" sz="1600" dirty="0" err="1" smtClean="0"/>
+              <a:t>that</a:t>
+            </a:r>
+            <a:r>
+              <a:rPr lang="fr-FR" sz="1600" dirty="0" smtClean="0"/>
+              <a:t> in the </a:t>
+            </a:r>
+            <a:r>
+              <a:rPr lang="fr-FR" sz="1600" b="1" dirty="0" err="1" smtClean="0"/>
+              <a:t>Morning-peak</a:t>
+            </a:r>
+            <a:r>
+              <a:rPr lang="fr-FR" sz="1600" b="1" dirty="0" smtClean="0"/>
+              <a:t> </a:t>
+            </a:r>
+            <a:r>
+              <a:rPr lang="fr-FR" sz="1600" b="1" dirty="0" err="1" smtClean="0"/>
+              <a:t>hours</a:t>
+            </a:r>
+            <a:r>
+              <a:rPr lang="fr-FR" sz="1600" b="1" dirty="0" smtClean="0"/>
+              <a:t> </a:t>
+            </a:r>
+            <a:r>
+              <a:rPr lang="fr-FR" sz="1600" dirty="0" err="1" smtClean="0"/>
+              <a:t>there</a:t>
+            </a:r>
+            <a:r>
+              <a:rPr lang="fr-FR" sz="1600" dirty="0" smtClean="0"/>
+              <a:t> </a:t>
+            </a:r>
+            <a:r>
+              <a:rPr lang="fr-FR" sz="1600" dirty="0" err="1" smtClean="0"/>
+              <a:t>is</a:t>
+            </a:r>
+            <a:r>
+              <a:rPr lang="fr-FR" sz="1600" dirty="0" smtClean="0"/>
+              <a:t> more trains </a:t>
+            </a:r>
+            <a:r>
+              <a:rPr lang="fr-FR" sz="1600" dirty="0" err="1" smtClean="0"/>
+              <a:t>with</a:t>
+            </a:r>
+            <a:r>
+              <a:rPr lang="fr-FR" sz="1600" dirty="0" smtClean="0"/>
+              <a:t> </a:t>
+            </a:r>
+            <a:r>
+              <a:rPr lang="fr-FR" sz="1600" dirty="0" err="1" smtClean="0"/>
+              <a:t>delay</a:t>
+            </a:r>
+            <a:r>
+              <a:rPr lang="fr-FR" sz="1600" dirty="0"/>
+              <a:t> </a:t>
+            </a:r>
+            <a:r>
+              <a:rPr lang="fr-FR" sz="1600" dirty="0" err="1" smtClean="0"/>
+              <a:t>than</a:t>
+            </a:r>
+            <a:r>
+              <a:rPr lang="fr-FR" sz="1600" dirty="0" smtClean="0"/>
+              <a:t> in the </a:t>
+            </a:r>
+            <a:r>
+              <a:rPr lang="fr-FR" sz="1600" b="1" dirty="0" err="1" smtClean="0"/>
+              <a:t>Evening</a:t>
+            </a:r>
+            <a:r>
+              <a:rPr lang="fr-FR" sz="1600" b="1" dirty="0" smtClean="0"/>
+              <a:t> </a:t>
+            </a:r>
+            <a:r>
+              <a:rPr lang="fr-FR" sz="1600" b="1" dirty="0" err="1" smtClean="0"/>
+              <a:t>peak</a:t>
+            </a:r>
+            <a:r>
+              <a:rPr lang="fr-FR" sz="1600" b="1" dirty="0" smtClean="0"/>
+              <a:t> </a:t>
+            </a:r>
+            <a:r>
+              <a:rPr lang="fr-FR" sz="1600" b="1" dirty="0" err="1" smtClean="0"/>
+              <a:t>hour</a:t>
+            </a:r>
+            <a:r>
+              <a:rPr lang="fr-FR" sz="1600" b="1" dirty="0" smtClean="0"/>
+              <a:t>, etc. </a:t>
+            </a:r>
+            <a:r>
+              <a:rPr lang="fr-FR" sz="1600" b="1" dirty="0" smtClean="0">
+                <a:solidFill>
+                  <a:schemeClr val="accent4"/>
+                </a:solidFill>
+                <a:sym typeface="Wingdings" panose="05000000000000000000" pitchFamily="2" charset="2"/>
+              </a:rPr>
+              <a:t> </a:t>
+            </a:r>
+            <a:r>
+              <a:rPr lang="fr-FR" sz="1600" b="1" dirty="0" smtClean="0">
+                <a:solidFill>
+                  <a:schemeClr val="accent4"/>
+                </a:solidFill>
+              </a:rPr>
+              <a:t>This </a:t>
+            </a:r>
+            <a:r>
+              <a:rPr lang="fr-FR" sz="1600" b="1" dirty="0" err="1" smtClean="0">
+                <a:solidFill>
+                  <a:schemeClr val="accent4"/>
+                </a:solidFill>
+              </a:rPr>
+              <a:t>make</a:t>
+            </a:r>
+            <a:r>
+              <a:rPr lang="fr-FR" sz="1600" b="1" dirty="0" smtClean="0">
+                <a:solidFill>
+                  <a:schemeClr val="accent4"/>
+                </a:solidFill>
+              </a:rPr>
+              <a:t> more sens</a:t>
+            </a:r>
+            <a:endParaRPr lang="fr-FR" sz="1600" b="1" dirty="0">
+              <a:solidFill>
+                <a:schemeClr val="accent4"/>
+              </a:solidFill>
+            </a:endParaRPr>
           </a:p>
         </p:txBody>
       </p:sp>
